--- a/doc/flow_based_programming.pptx
+++ b/doc/flow_based_programming.pptx
@@ -265,7 +265,7 @@
           <a:p>
             <a:fld id="{BD01BFE4-158D-434D-A090-6C8C9FD01481}" type="datetimeFigureOut">
               <a:rPr lang="en-US" smtClean="0"/>
-              <a:t>7/22/2017</a:t>
+              <a:t>7/28/2017</a:t>
             </a:fld>
             <a:endParaRPr lang="en-US"/>
           </a:p>
@@ -497,7 +497,7 @@
           <a:p>
             <a:fld id="{BD01BFE4-158D-434D-A090-6C8C9FD01481}" type="datetimeFigureOut">
               <a:rPr lang="en-US" smtClean="0"/>
-              <a:t>7/22/2017</a:t>
+              <a:t>7/28/2017</a:t>
             </a:fld>
             <a:endParaRPr lang="en-US"/>
           </a:p>
@@ -739,7 +739,7 @@
           <a:p>
             <a:fld id="{BD01BFE4-158D-434D-A090-6C8C9FD01481}" type="datetimeFigureOut">
               <a:rPr lang="en-US" smtClean="0"/>
-              <a:t>7/22/2017</a:t>
+              <a:t>7/28/2017</a:t>
             </a:fld>
             <a:endParaRPr lang="en-US"/>
           </a:p>
@@ -971,7 +971,7 @@
           <a:p>
             <a:fld id="{BD01BFE4-158D-434D-A090-6C8C9FD01481}" type="datetimeFigureOut">
               <a:rPr lang="en-US" smtClean="0"/>
-              <a:t>7/22/2017</a:t>
+              <a:t>7/28/2017</a:t>
             </a:fld>
             <a:endParaRPr lang="en-US"/>
           </a:p>
@@ -1247,7 +1247,7 @@
           <a:p>
             <a:fld id="{BD01BFE4-158D-434D-A090-6C8C9FD01481}" type="datetimeFigureOut">
               <a:rPr lang="en-US" smtClean="0"/>
-              <a:t>7/22/2017</a:t>
+              <a:t>7/28/2017</a:t>
             </a:fld>
             <a:endParaRPr lang="en-US"/>
           </a:p>
@@ -1579,7 +1579,7 @@
           <a:p>
             <a:fld id="{BD01BFE4-158D-434D-A090-6C8C9FD01481}" type="datetimeFigureOut">
               <a:rPr lang="en-US" smtClean="0"/>
-              <a:t>7/22/2017</a:t>
+              <a:t>7/28/2017</a:t>
             </a:fld>
             <a:endParaRPr lang="en-US"/>
           </a:p>
@@ -2058,7 +2058,7 @@
           <a:p>
             <a:fld id="{BD01BFE4-158D-434D-A090-6C8C9FD01481}" type="datetimeFigureOut">
               <a:rPr lang="en-US" smtClean="0"/>
-              <a:t>7/22/2017</a:t>
+              <a:t>7/28/2017</a:t>
             </a:fld>
             <a:endParaRPr lang="en-US"/>
           </a:p>
@@ -2200,7 +2200,7 @@
           <a:p>
             <a:fld id="{BD01BFE4-158D-434D-A090-6C8C9FD01481}" type="datetimeFigureOut">
               <a:rPr lang="en-US" smtClean="0"/>
-              <a:t>7/22/2017</a:t>
+              <a:t>7/28/2017</a:t>
             </a:fld>
             <a:endParaRPr lang="en-US"/>
           </a:p>
@@ -2313,7 +2313,7 @@
           <a:p>
             <a:fld id="{BD01BFE4-158D-434D-A090-6C8C9FD01481}" type="datetimeFigureOut">
               <a:rPr lang="en-US" smtClean="0"/>
-              <a:t>7/22/2017</a:t>
+              <a:t>7/28/2017</a:t>
             </a:fld>
             <a:endParaRPr lang="en-US"/>
           </a:p>
@@ -2658,7 +2658,7 @@
           <a:p>
             <a:fld id="{BD01BFE4-158D-434D-A090-6C8C9FD01481}" type="datetimeFigureOut">
               <a:rPr lang="en-US" smtClean="0"/>
-              <a:t>7/22/2017</a:t>
+              <a:t>7/28/2017</a:t>
             </a:fld>
             <a:endParaRPr lang="en-US"/>
           </a:p>
@@ -2947,7 +2947,7 @@
           <a:p>
             <a:fld id="{BD01BFE4-158D-434D-A090-6C8C9FD01481}" type="datetimeFigureOut">
               <a:rPr lang="en-US" smtClean="0"/>
-              <a:t>7/22/2017</a:t>
+              <a:t>7/28/2017</a:t>
             </a:fld>
             <a:endParaRPr lang="en-US"/>
           </a:p>
@@ -3222,7 +3222,7 @@
           <a:p>
             <a:fld id="{BD01BFE4-158D-434D-A090-6C8C9FD01481}" type="datetimeFigureOut">
               <a:rPr lang="en-US" smtClean="0"/>
-              <a:t>7/22/2017</a:t>
+              <a:t>7/28/2017</a:t>
             </a:fld>
             <a:endParaRPr lang="en-US"/>
           </a:p>
@@ -3843,7 +3843,7 @@
             <a:pPr algn="ctr"/>
             <a:r>
               <a:rPr lang="en-US" dirty="0"/>
-              <a:t>sensor</a:t>
+              <a:t>Sensor</a:t>
             </a:r>
           </a:p>
         </p:txBody>
@@ -3898,7 +3898,7 @@
             <a:pPr algn="ctr"/>
             <a:r>
               <a:rPr lang="en-US" dirty="0"/>
-              <a:t>sensor</a:t>
+              <a:t>Sensor</a:t>
             </a:r>
           </a:p>
         </p:txBody>
@@ -3953,7 +3953,7 @@
             <a:pPr algn="ctr"/>
             <a:r>
               <a:rPr lang="en-US" dirty="0"/>
-              <a:t>actuator</a:t>
+              <a:t>Actuator</a:t>
             </a:r>
           </a:p>
         </p:txBody>

--- a/doc/flow_based_programming.pptx
+++ b/doc/flow_based_programming.pptx
@@ -265,7 +265,7 @@
           <a:p>
             <a:fld id="{BD01BFE4-158D-434D-A090-6C8C9FD01481}" type="datetimeFigureOut">
               <a:rPr lang="en-US" smtClean="0"/>
-              <a:t>7/28/2017</a:t>
+              <a:t>7/29/2017</a:t>
             </a:fld>
             <a:endParaRPr lang="en-US"/>
           </a:p>
@@ -497,7 +497,7 @@
           <a:p>
             <a:fld id="{BD01BFE4-158D-434D-A090-6C8C9FD01481}" type="datetimeFigureOut">
               <a:rPr lang="en-US" smtClean="0"/>
-              <a:t>7/28/2017</a:t>
+              <a:t>7/29/2017</a:t>
             </a:fld>
             <a:endParaRPr lang="en-US"/>
           </a:p>
@@ -739,7 +739,7 @@
           <a:p>
             <a:fld id="{BD01BFE4-158D-434D-A090-6C8C9FD01481}" type="datetimeFigureOut">
               <a:rPr lang="en-US" smtClean="0"/>
-              <a:t>7/28/2017</a:t>
+              <a:t>7/29/2017</a:t>
             </a:fld>
             <a:endParaRPr lang="en-US"/>
           </a:p>
@@ -971,7 +971,7 @@
           <a:p>
             <a:fld id="{BD01BFE4-158D-434D-A090-6C8C9FD01481}" type="datetimeFigureOut">
               <a:rPr lang="en-US" smtClean="0"/>
-              <a:t>7/28/2017</a:t>
+              <a:t>7/29/2017</a:t>
             </a:fld>
             <a:endParaRPr lang="en-US"/>
           </a:p>
@@ -1247,7 +1247,7 @@
           <a:p>
             <a:fld id="{BD01BFE4-158D-434D-A090-6C8C9FD01481}" type="datetimeFigureOut">
               <a:rPr lang="en-US" smtClean="0"/>
-              <a:t>7/28/2017</a:t>
+              <a:t>7/29/2017</a:t>
             </a:fld>
             <a:endParaRPr lang="en-US"/>
           </a:p>
@@ -1579,7 +1579,7 @@
           <a:p>
             <a:fld id="{BD01BFE4-158D-434D-A090-6C8C9FD01481}" type="datetimeFigureOut">
               <a:rPr lang="en-US" smtClean="0"/>
-              <a:t>7/28/2017</a:t>
+              <a:t>7/29/2017</a:t>
             </a:fld>
             <a:endParaRPr lang="en-US"/>
           </a:p>
@@ -2058,7 +2058,7 @@
           <a:p>
             <a:fld id="{BD01BFE4-158D-434D-A090-6C8C9FD01481}" type="datetimeFigureOut">
               <a:rPr lang="en-US" smtClean="0"/>
-              <a:t>7/28/2017</a:t>
+              <a:t>7/29/2017</a:t>
             </a:fld>
             <a:endParaRPr lang="en-US"/>
           </a:p>
@@ -2200,7 +2200,7 @@
           <a:p>
             <a:fld id="{BD01BFE4-158D-434D-A090-6C8C9FD01481}" type="datetimeFigureOut">
               <a:rPr lang="en-US" smtClean="0"/>
-              <a:t>7/28/2017</a:t>
+              <a:t>7/29/2017</a:t>
             </a:fld>
             <a:endParaRPr lang="en-US"/>
           </a:p>
@@ -2313,7 +2313,7 @@
           <a:p>
             <a:fld id="{BD01BFE4-158D-434D-A090-6C8C9FD01481}" type="datetimeFigureOut">
               <a:rPr lang="en-US" smtClean="0"/>
-              <a:t>7/28/2017</a:t>
+              <a:t>7/29/2017</a:t>
             </a:fld>
             <a:endParaRPr lang="en-US"/>
           </a:p>
@@ -2658,7 +2658,7 @@
           <a:p>
             <a:fld id="{BD01BFE4-158D-434D-A090-6C8C9FD01481}" type="datetimeFigureOut">
               <a:rPr lang="en-US" smtClean="0"/>
-              <a:t>7/28/2017</a:t>
+              <a:t>7/29/2017</a:t>
             </a:fld>
             <a:endParaRPr lang="en-US"/>
           </a:p>
@@ -2947,7 +2947,7 @@
           <a:p>
             <a:fld id="{BD01BFE4-158D-434D-A090-6C8C9FD01481}" type="datetimeFigureOut">
               <a:rPr lang="en-US" smtClean="0"/>
-              <a:t>7/28/2017</a:t>
+              <a:t>7/29/2017</a:t>
             </a:fld>
             <a:endParaRPr lang="en-US"/>
           </a:p>
@@ -3222,7 +3222,7 @@
           <a:p>
             <a:fld id="{BD01BFE4-158D-434D-A090-6C8C9FD01481}" type="datetimeFigureOut">
               <a:rPr lang="en-US" smtClean="0"/>
-              <a:t>7/28/2017</a:t>
+              <a:t>7/29/2017</a:t>
             </a:fld>
             <a:endParaRPr lang="en-US"/>
           </a:p>
@@ -3807,7 +3807,7 @@
         </p:nvSpPr>
         <p:spPr>
           <a:xfrm>
-            <a:off x="240145" y="4433451"/>
+            <a:off x="240145" y="4987630"/>
             <a:ext cx="1071419" cy="683491"/>
           </a:xfrm>
           <a:prstGeom prst="roundRect">
@@ -3862,7 +3862,7 @@
         </p:nvSpPr>
         <p:spPr>
           <a:xfrm>
-            <a:off x="1565565" y="4433450"/>
+            <a:off x="1565565" y="4987629"/>
             <a:ext cx="1071419" cy="683491"/>
           </a:xfrm>
           <a:prstGeom prst="roundRect">
@@ -3917,7 +3917,7 @@
         </p:nvSpPr>
         <p:spPr>
           <a:xfrm>
-            <a:off x="2872514" y="4433450"/>
+            <a:off x="2872514" y="4987629"/>
             <a:ext cx="1071419" cy="683491"/>
           </a:xfrm>
           <a:prstGeom prst="roundRect">
@@ -3972,7 +3972,7 @@
         </p:nvSpPr>
         <p:spPr>
           <a:xfrm>
-            <a:off x="3796144" y="2969486"/>
+            <a:off x="3796144" y="3523665"/>
             <a:ext cx="1071419" cy="683491"/>
           </a:xfrm>
           <a:prstGeom prst="roundRect">
@@ -4027,7 +4027,7 @@
         </p:nvSpPr>
         <p:spPr>
           <a:xfrm>
-            <a:off x="5555671" y="2969486"/>
+            <a:off x="5555671" y="3523665"/>
             <a:ext cx="1071419" cy="683491"/>
           </a:xfrm>
           <a:prstGeom prst="roundRect">
@@ -4079,7 +4079,7 @@
         </p:nvSpPr>
         <p:spPr>
           <a:xfrm>
-            <a:off x="8164943" y="1731817"/>
+            <a:off x="8164943" y="2285996"/>
             <a:ext cx="1071419" cy="683491"/>
           </a:xfrm>
           <a:prstGeom prst="roundRect">
@@ -4131,7 +4131,7 @@
         </p:nvSpPr>
         <p:spPr>
           <a:xfrm>
-            <a:off x="7112003" y="3043377"/>
+            <a:off x="7112003" y="3597556"/>
             <a:ext cx="609600" cy="558801"/>
           </a:xfrm>
           <a:prstGeom prst="ellipse">
@@ -4188,7 +4188,7 @@
         </p:nvSpPr>
         <p:spPr>
           <a:xfrm>
-            <a:off x="9702802" y="1801088"/>
+            <a:off x="9702802" y="2355267"/>
             <a:ext cx="609600" cy="558801"/>
           </a:xfrm>
           <a:prstGeom prst="ellipse">
@@ -4245,7 +4245,7 @@
         </p:nvSpPr>
         <p:spPr>
           <a:xfrm>
-            <a:off x="10760372" y="1743362"/>
+            <a:off x="10760372" y="2297541"/>
             <a:ext cx="1071419" cy="683491"/>
           </a:xfrm>
           <a:prstGeom prst="roundRect">
@@ -4307,7 +4307,7 @@
         </p:nvCxnSpPr>
         <p:spPr>
           <a:xfrm rot="5400000" flipH="1" flipV="1">
-            <a:off x="1724890" y="2362198"/>
+            <a:off x="1724890" y="2916377"/>
             <a:ext cx="1122219" cy="3020289"/>
           </a:xfrm>
           <a:prstGeom prst="bentConnector2">
@@ -4350,7 +4350,7 @@
         </p:nvCxnSpPr>
         <p:spPr>
           <a:xfrm rot="5400000" flipH="1" flipV="1">
-            <a:off x="2387600" y="3024907"/>
+            <a:off x="2387600" y="3579086"/>
             <a:ext cx="1122218" cy="1694869"/>
           </a:xfrm>
           <a:prstGeom prst="bentConnector2">
@@ -4393,7 +4393,7 @@
         </p:nvCxnSpPr>
         <p:spPr>
           <a:xfrm rot="5400000">
-            <a:off x="3479803" y="3581398"/>
+            <a:off x="3479803" y="4135577"/>
             <a:ext cx="780473" cy="923630"/>
           </a:xfrm>
           <a:prstGeom prst="bentConnector3">
@@ -4437,7 +4437,7 @@
         </p:nvCxnSpPr>
         <p:spPr>
           <a:xfrm>
-            <a:off x="4867563" y="3311232"/>
+            <a:off x="4867563" y="3865411"/>
             <a:ext cx="688108" cy="0"/>
           </a:xfrm>
           <a:prstGeom prst="straightConnector1">
@@ -4480,7 +4480,7 @@
         </p:nvCxnSpPr>
         <p:spPr>
           <a:xfrm>
-            <a:off x="6627090" y="3311232"/>
+            <a:off x="6627090" y="3865411"/>
             <a:ext cx="484913" cy="11546"/>
           </a:xfrm>
           <a:prstGeom prst="straightConnector1">
@@ -4523,7 +4523,7 @@
         </p:nvCxnSpPr>
         <p:spPr>
           <a:xfrm flipH="1" flipV="1">
-            <a:off x="8700653" y="2415308"/>
+            <a:off x="8700653" y="2969487"/>
             <a:ext cx="13856" cy="565725"/>
           </a:xfrm>
           <a:prstGeom prst="straightConnector1">
@@ -4566,7 +4566,7 @@
         </p:nvCxnSpPr>
         <p:spPr>
           <a:xfrm>
-            <a:off x="9236362" y="2073563"/>
+            <a:off x="9236362" y="2627742"/>
             <a:ext cx="466440" cy="6926"/>
           </a:xfrm>
           <a:prstGeom prst="straightConnector1">
@@ -4609,7 +4609,7 @@
         </p:nvCxnSpPr>
         <p:spPr>
           <a:xfrm>
-            <a:off x="10312402" y="2080489"/>
+            <a:off x="10312402" y="2634668"/>
             <a:ext cx="447970" cy="4619"/>
           </a:xfrm>
           <a:prstGeom prst="straightConnector1">
@@ -4648,7 +4648,7 @@
         </p:nvSpPr>
         <p:spPr>
           <a:xfrm>
-            <a:off x="8164942" y="5246252"/>
+            <a:off x="8164942" y="5800431"/>
             <a:ext cx="1071419" cy="683491"/>
           </a:xfrm>
           <a:prstGeom prst="roundRect">
@@ -4704,7 +4704,7 @@
         </p:nvCxnSpPr>
         <p:spPr>
           <a:xfrm rot="16200000" flipH="1">
-            <a:off x="7396018" y="4819073"/>
+            <a:off x="7396018" y="5373252"/>
             <a:ext cx="789709" cy="748139"/>
           </a:xfrm>
           <a:prstGeom prst="bentConnector2">
@@ -4743,7 +4743,7 @@
         </p:nvSpPr>
         <p:spPr>
           <a:xfrm>
-            <a:off x="8178799" y="2981033"/>
+            <a:off x="8178799" y="3535212"/>
             <a:ext cx="1071419" cy="683491"/>
           </a:xfrm>
           <a:prstGeom prst="roundRect">
@@ -4799,7 +4799,7 @@
         </p:nvCxnSpPr>
         <p:spPr>
           <a:xfrm rot="5400000">
-            <a:off x="7790874" y="3595253"/>
+            <a:off x="7790874" y="4149432"/>
             <a:ext cx="854365" cy="992906"/>
           </a:xfrm>
           <a:prstGeom prst="bentConnector2">
@@ -4838,7 +4838,7 @@
         </p:nvSpPr>
         <p:spPr>
           <a:xfrm>
-            <a:off x="7112003" y="4239488"/>
+            <a:off x="7112003" y="4793667"/>
             <a:ext cx="609600" cy="558801"/>
           </a:xfrm>
           <a:prstGeom prst="ellipse">
@@ -4899,7 +4899,7 @@
         </p:nvCxnSpPr>
         <p:spPr>
           <a:xfrm rot="10800000">
-            <a:off x="6091381" y="3652977"/>
+            <a:off x="6091381" y="4207156"/>
             <a:ext cx="1020622" cy="865912"/>
           </a:xfrm>
           <a:prstGeom prst="bentConnector2">
@@ -4942,7 +4942,7 @@
         </p:nvCxnSpPr>
         <p:spPr>
           <a:xfrm rot="16200000" flipV="1">
-            <a:off x="5211618" y="2089722"/>
+            <a:off x="5211618" y="2643901"/>
             <a:ext cx="12700" cy="1759527"/>
           </a:xfrm>
           <a:prstGeom prst="bentConnector3">
@@ -4983,7 +4983,7 @@
         </p:nvSpPr>
         <p:spPr>
           <a:xfrm>
-            <a:off x="10760372" y="2760518"/>
+            <a:off x="10760372" y="3314697"/>
             <a:ext cx="1071419" cy="1315029"/>
           </a:xfrm>
           <a:prstGeom prst="flowChartMagneticDisk">
@@ -5049,7 +5049,7 @@
         </p:nvCxnSpPr>
         <p:spPr>
           <a:xfrm>
-            <a:off x="7721603" y="3322778"/>
+            <a:off x="7721603" y="3876957"/>
             <a:ext cx="457196" cy="1"/>
           </a:xfrm>
           <a:prstGeom prst="straightConnector1">
@@ -5092,7 +5092,7 @@
         </p:nvCxnSpPr>
         <p:spPr>
           <a:xfrm>
-            <a:off x="11296082" y="2426853"/>
+            <a:off x="11296082" y="2981032"/>
             <a:ext cx="0" cy="333665"/>
           </a:xfrm>
           <a:prstGeom prst="straightConnector1">
@@ -5131,7 +5131,7 @@
         </p:nvSpPr>
         <p:spPr>
           <a:xfrm>
-            <a:off x="8871536" y="3553695"/>
+            <a:off x="8871536" y="4107874"/>
             <a:ext cx="761996" cy="964044"/>
           </a:xfrm>
           <a:prstGeom prst="flowChartMagneticDisk">
@@ -5186,8 +5186,8 @@
         </p:nvSpPr>
         <p:spPr>
           <a:xfrm>
-            <a:off x="6123707" y="43981"/>
-            <a:ext cx="3020287" cy="646331"/>
+            <a:off x="5361688" y="43981"/>
+            <a:ext cx="4484259" cy="646331"/>
           </a:xfrm>
           <a:prstGeom prst="rect">
             <a:avLst/>
@@ -5200,13 +5200,14 @@
           </a:bodyPr>
           <a:lstStyle/>
           <a:p>
+            <a:pPr algn="ctr"/>
             <a:r>
               <a:rPr lang="en-US" sz="3600" dirty="0">
                 <a:solidFill>
                   <a:schemeClr val="bg1"/>
                 </a:solidFill>
               </a:rPr>
-              <a:t>Android/ARM</a:t>
+              <a:t>Android/ARM Cortex-A</a:t>
             </a:r>
           </a:p>
         </p:txBody>
@@ -5285,6 +5286,255 @@
                 </a:solidFill>
               </a:rPr>
               <a:t>Cloud</a:t>
+            </a:r>
+          </a:p>
+        </p:txBody>
+      </p:sp>
+      <p:sp>
+        <p:nvSpPr>
+          <p:cNvPr id="39" name="テキスト ボックス 38">
+            <a:extLst>
+              <a:ext uri="{FF2B5EF4-FFF2-40B4-BE49-F238E27FC236}">
+                <a16:creationId xmlns:a16="http://schemas.microsoft.com/office/drawing/2014/main" id="{48F83F95-20E5-4299-9D92-AC47DF3D3811}"/>
+              </a:ext>
+            </a:extLst>
+          </p:cNvPr>
+          <p:cNvSpPr txBox="1"/>
+          <p:nvPr/>
+        </p:nvSpPr>
+        <p:spPr>
+          <a:xfrm>
+            <a:off x="138547" y="858673"/>
+            <a:ext cx="4876800" cy="584775"/>
+          </a:xfrm>
+          <a:prstGeom prst="rect">
+            <a:avLst/>
+          </a:prstGeom>
+          <a:solidFill>
+            <a:schemeClr val="accent1">
+              <a:lumMod val="60000"/>
+              <a:lumOff val="40000"/>
+            </a:schemeClr>
+          </a:solidFill>
+          <a:ln>
+            <a:noFill/>
+          </a:ln>
+        </p:spPr>
+        <p:txBody>
+          <a:bodyPr wrap="square" rtlCol="0">
+            <a:spAutoFit/>
+          </a:bodyPr>
+          <a:lstStyle/>
+          <a:p>
+            <a:pPr algn="ctr"/>
+            <a:r>
+              <a:rPr lang="en-US" sz="3200" dirty="0">
+                <a:solidFill>
+                  <a:schemeClr val="bg1"/>
+                </a:solidFill>
+              </a:rPr>
+              <a:t>sensor-network</a:t>
+            </a:r>
+          </a:p>
+        </p:txBody>
+      </p:sp>
+      <p:sp>
+        <p:nvSpPr>
+          <p:cNvPr id="42" name="四角形: 角を丸くする 41">
+            <a:extLst>
+              <a:ext uri="{FF2B5EF4-FFF2-40B4-BE49-F238E27FC236}">
+                <a16:creationId xmlns:a16="http://schemas.microsoft.com/office/drawing/2014/main" id="{F96616CB-8B39-445D-8FCF-A0666782F262}"/>
+              </a:ext>
+            </a:extLst>
+          </p:cNvPr>
+          <p:cNvSpPr/>
+          <p:nvPr/>
+        </p:nvSpPr>
+        <p:spPr>
+          <a:xfrm>
+            <a:off x="6668640" y="1668374"/>
+            <a:ext cx="1071419" cy="683491"/>
+          </a:xfrm>
+          <a:prstGeom prst="roundRect">
+            <a:avLst/>
+          </a:prstGeom>
+          <a:solidFill>
+            <a:srgbClr val="00B050"/>
+          </a:solidFill>
+        </p:spPr>
+        <p:style>
+          <a:lnRef idx="2">
+            <a:schemeClr val="accent1">
+              <a:shade val="50000"/>
+            </a:schemeClr>
+          </a:lnRef>
+          <a:fillRef idx="1">
+            <a:schemeClr val="accent1"/>
+          </a:fillRef>
+          <a:effectRef idx="0">
+            <a:schemeClr val="accent1"/>
+          </a:effectRef>
+          <a:fontRef idx="minor">
+            <a:schemeClr val="lt1"/>
+          </a:fontRef>
+        </p:style>
+        <p:txBody>
+          <a:bodyPr rtlCol="0" anchor="ctr"/>
+          <a:lstStyle/>
+          <a:p>
+            <a:pPr algn="ctr"/>
+            <a:r>
+              <a:rPr lang="en-US" sz="1600" dirty="0"/>
+              <a:t>Manager</a:t>
+            </a:r>
+          </a:p>
+        </p:txBody>
+      </p:sp>
+      <p:sp>
+        <p:nvSpPr>
+          <p:cNvPr id="9" name="矢印: 下 8">
+            <a:extLst>
+              <a:ext uri="{FF2B5EF4-FFF2-40B4-BE49-F238E27FC236}">
+                <a16:creationId xmlns:a16="http://schemas.microsoft.com/office/drawing/2014/main" id="{E4A8CE6A-1625-4F27-92F8-53FA0D00D888}"/>
+              </a:ext>
+            </a:extLst>
+          </p:cNvPr>
+          <p:cNvSpPr/>
+          <p:nvPr/>
+        </p:nvSpPr>
+        <p:spPr>
+          <a:xfrm>
+            <a:off x="7038115" y="2484582"/>
+            <a:ext cx="304800" cy="563418"/>
+          </a:xfrm>
+          <a:prstGeom prst="downArrow">
+            <a:avLst/>
+          </a:prstGeom>
+          <a:solidFill>
+            <a:schemeClr val="tx2">
+              <a:lumMod val="60000"/>
+              <a:lumOff val="40000"/>
+            </a:schemeClr>
+          </a:solidFill>
+        </p:spPr>
+        <p:style>
+          <a:lnRef idx="2">
+            <a:schemeClr val="accent1">
+              <a:shade val="50000"/>
+            </a:schemeClr>
+          </a:lnRef>
+          <a:fillRef idx="1">
+            <a:schemeClr val="accent1"/>
+          </a:fillRef>
+          <a:effectRef idx="0">
+            <a:schemeClr val="accent1"/>
+          </a:effectRef>
+          <a:fontRef idx="minor">
+            <a:schemeClr val="lt1"/>
+          </a:fontRef>
+        </p:style>
+        <p:txBody>
+          <a:bodyPr rtlCol="0" anchor="ctr"/>
+          <a:lstStyle/>
+          <a:p>
+            <a:pPr algn="ctr"/>
+            <a:endParaRPr lang="en-US"/>
+          </a:p>
+        </p:txBody>
+      </p:sp>
+      <p:sp>
+        <p:nvSpPr>
+          <p:cNvPr id="45" name="テキスト ボックス 44">
+            <a:extLst>
+              <a:ext uri="{FF2B5EF4-FFF2-40B4-BE49-F238E27FC236}">
+                <a16:creationId xmlns:a16="http://schemas.microsoft.com/office/drawing/2014/main" id="{786AB366-C3D4-432F-BAC4-54091038AEB2}"/>
+              </a:ext>
+            </a:extLst>
+          </p:cNvPr>
+          <p:cNvSpPr txBox="1"/>
+          <p:nvPr/>
+        </p:nvSpPr>
+        <p:spPr>
+          <a:xfrm>
+            <a:off x="6651909" y="2438655"/>
+            <a:ext cx="1198421" cy="523220"/>
+          </a:xfrm>
+          <a:prstGeom prst="rect">
+            <a:avLst/>
+          </a:prstGeom>
+          <a:noFill/>
+        </p:spPr>
+        <p:txBody>
+          <a:bodyPr wrap="square" rtlCol="0">
+            <a:spAutoFit/>
+          </a:bodyPr>
+          <a:lstStyle/>
+          <a:p>
+            <a:r>
+              <a:rPr lang="en-US" sz="1400" dirty="0">
+                <a:solidFill>
+                  <a:schemeClr val="bg1"/>
+                </a:solidFill>
+              </a:rPr>
+              <a:t>Message bus</a:t>
+            </a:r>
+          </a:p>
+          <a:p>
+            <a:r>
+              <a:rPr lang="en-US" sz="1400" dirty="0">
+                <a:solidFill>
+                  <a:schemeClr val="bg1"/>
+                </a:solidFill>
+              </a:rPr>
+              <a:t>management</a:t>
+            </a:r>
+          </a:p>
+        </p:txBody>
+      </p:sp>
+      <p:sp>
+        <p:nvSpPr>
+          <p:cNvPr id="46" name="テキスト ボックス 45">
+            <a:extLst>
+              <a:ext uri="{FF2B5EF4-FFF2-40B4-BE49-F238E27FC236}">
+                <a16:creationId xmlns:a16="http://schemas.microsoft.com/office/drawing/2014/main" id="{F0F7E2BD-C673-4662-BD4C-609F2FA2ADDB}"/>
+              </a:ext>
+            </a:extLst>
+          </p:cNvPr>
+          <p:cNvSpPr txBox="1"/>
+          <p:nvPr/>
+        </p:nvSpPr>
+        <p:spPr>
+          <a:xfrm>
+            <a:off x="5264714" y="866228"/>
+            <a:ext cx="4626572" cy="584775"/>
+          </a:xfrm>
+          <a:prstGeom prst="rect">
+            <a:avLst/>
+          </a:prstGeom>
+          <a:solidFill>
+            <a:schemeClr val="accent1">
+              <a:lumMod val="60000"/>
+              <a:lumOff val="40000"/>
+            </a:schemeClr>
+          </a:solidFill>
+          <a:ln>
+            <a:noFill/>
+          </a:ln>
+        </p:spPr>
+        <p:txBody>
+          <a:bodyPr wrap="square" rtlCol="0">
+            <a:spAutoFit/>
+          </a:bodyPr>
+          <a:lstStyle/>
+          <a:p>
+            <a:pPr algn="ctr"/>
+            <a:r>
+              <a:rPr lang="en-US" sz="3200" dirty="0">
+                <a:solidFill>
+                  <a:schemeClr val="bg1"/>
+                </a:solidFill>
+              </a:rPr>
+              <a:t>sensor-network-android</a:t>
             </a:r>
           </a:p>
         </p:txBody>

--- a/doc/flow_based_programming.pptx
+++ b/doc/flow_based_programming.pptx
@@ -3660,8 +3660,14 @@
             <a:avLst/>
           </a:prstGeom>
           <a:solidFill>
-            <a:srgbClr val="002060"/>
+            <a:schemeClr val="tx2">
+              <a:lumMod val="40000"/>
+              <a:lumOff val="60000"/>
+            </a:schemeClr>
           </a:solidFill>
+          <a:ln>
+            <a:noFill/>
+          </a:ln>
         </p:spPr>
         <p:style>
           <a:lnRef idx="2">
@@ -3710,7 +3716,8 @@
           </a:prstGeom>
           <a:solidFill>
             <a:schemeClr val="accent6">
-              <a:lumMod val="50000"/>
+              <a:lumMod val="60000"/>
+              <a:lumOff val="40000"/>
             </a:schemeClr>
           </a:solidFill>
           <a:ln>
@@ -3758,1554 +3765,6 @@
           <a:xfrm>
             <a:off x="0" y="0"/>
             <a:ext cx="5140030" cy="6857999"/>
-          </a:xfrm>
-          <a:prstGeom prst="rect">
-            <a:avLst/>
-          </a:prstGeom>
-          <a:solidFill>
-            <a:schemeClr val="accent1">
-              <a:lumMod val="50000"/>
-            </a:schemeClr>
-          </a:solidFill>
-        </p:spPr>
-        <p:style>
-          <a:lnRef idx="2">
-            <a:schemeClr val="accent1">
-              <a:shade val="50000"/>
-            </a:schemeClr>
-          </a:lnRef>
-          <a:fillRef idx="1">
-            <a:schemeClr val="accent1"/>
-          </a:fillRef>
-          <a:effectRef idx="0">
-            <a:schemeClr val="accent1"/>
-          </a:effectRef>
-          <a:fontRef idx="minor">
-            <a:schemeClr val="lt1"/>
-          </a:fontRef>
-        </p:style>
-        <p:txBody>
-          <a:bodyPr rtlCol="0" anchor="ctr"/>
-          <a:lstStyle/>
-          <a:p>
-            <a:pPr algn="ctr"/>
-            <a:endParaRPr lang="en-US"/>
-          </a:p>
-        </p:txBody>
-      </p:sp>
-      <p:sp>
-        <p:nvSpPr>
-          <p:cNvPr id="4" name="四角形: 角を丸くする 3">
-            <a:extLst>
-              <a:ext uri="{FF2B5EF4-FFF2-40B4-BE49-F238E27FC236}">
-                <a16:creationId xmlns:a16="http://schemas.microsoft.com/office/drawing/2014/main" id="{B844EF63-E2B0-49F5-A362-5179EC1E60F3}"/>
-              </a:ext>
-            </a:extLst>
-          </p:cNvPr>
-          <p:cNvSpPr/>
-          <p:nvPr/>
-        </p:nvSpPr>
-        <p:spPr>
-          <a:xfrm>
-            <a:off x="240145" y="4987630"/>
-            <a:ext cx="1071419" cy="683491"/>
-          </a:xfrm>
-          <a:prstGeom prst="roundRect">
-            <a:avLst/>
-          </a:prstGeom>
-          <a:solidFill>
-            <a:schemeClr val="tx2">
-              <a:lumMod val="60000"/>
-              <a:lumOff val="40000"/>
-            </a:schemeClr>
-          </a:solidFill>
-        </p:spPr>
-        <p:style>
-          <a:lnRef idx="2">
-            <a:schemeClr val="accent1">
-              <a:shade val="50000"/>
-            </a:schemeClr>
-          </a:lnRef>
-          <a:fillRef idx="1">
-            <a:schemeClr val="accent1"/>
-          </a:fillRef>
-          <a:effectRef idx="0">
-            <a:schemeClr val="accent1"/>
-          </a:effectRef>
-          <a:fontRef idx="minor">
-            <a:schemeClr val="lt1"/>
-          </a:fontRef>
-        </p:style>
-        <p:txBody>
-          <a:bodyPr rtlCol="0" anchor="ctr"/>
-          <a:lstStyle/>
-          <a:p>
-            <a:pPr algn="ctr"/>
-            <a:r>
-              <a:rPr lang="en-US" dirty="0"/>
-              <a:t>Sensor</a:t>
-            </a:r>
-          </a:p>
-        </p:txBody>
-      </p:sp>
-      <p:sp>
-        <p:nvSpPr>
-          <p:cNvPr id="7" name="四角形: 角を丸くする 6">
-            <a:extLst>
-              <a:ext uri="{FF2B5EF4-FFF2-40B4-BE49-F238E27FC236}">
-                <a16:creationId xmlns:a16="http://schemas.microsoft.com/office/drawing/2014/main" id="{1443BBB0-5F28-4AE0-B314-640A96B95D3F}"/>
-              </a:ext>
-            </a:extLst>
-          </p:cNvPr>
-          <p:cNvSpPr/>
-          <p:nvPr/>
-        </p:nvSpPr>
-        <p:spPr>
-          <a:xfrm>
-            <a:off x="1565565" y="4987629"/>
-            <a:ext cx="1071419" cy="683491"/>
-          </a:xfrm>
-          <a:prstGeom prst="roundRect">
-            <a:avLst/>
-          </a:prstGeom>
-          <a:solidFill>
-            <a:schemeClr val="tx2">
-              <a:lumMod val="60000"/>
-              <a:lumOff val="40000"/>
-            </a:schemeClr>
-          </a:solidFill>
-        </p:spPr>
-        <p:style>
-          <a:lnRef idx="2">
-            <a:schemeClr val="accent1">
-              <a:shade val="50000"/>
-            </a:schemeClr>
-          </a:lnRef>
-          <a:fillRef idx="1">
-            <a:schemeClr val="accent1"/>
-          </a:fillRef>
-          <a:effectRef idx="0">
-            <a:schemeClr val="accent1"/>
-          </a:effectRef>
-          <a:fontRef idx="minor">
-            <a:schemeClr val="lt1"/>
-          </a:fontRef>
-        </p:style>
-        <p:txBody>
-          <a:bodyPr rtlCol="0" anchor="ctr"/>
-          <a:lstStyle/>
-          <a:p>
-            <a:pPr algn="ctr"/>
-            <a:r>
-              <a:rPr lang="en-US" dirty="0"/>
-              <a:t>Sensor</a:t>
-            </a:r>
-          </a:p>
-        </p:txBody>
-      </p:sp>
-      <p:sp>
-        <p:nvSpPr>
-          <p:cNvPr id="8" name="四角形: 角を丸くする 7">
-            <a:extLst>
-              <a:ext uri="{FF2B5EF4-FFF2-40B4-BE49-F238E27FC236}">
-                <a16:creationId xmlns:a16="http://schemas.microsoft.com/office/drawing/2014/main" id="{68E0748E-C430-4879-B24A-B4BF59F9E3EB}"/>
-              </a:ext>
-            </a:extLst>
-          </p:cNvPr>
-          <p:cNvSpPr/>
-          <p:nvPr/>
-        </p:nvSpPr>
-        <p:spPr>
-          <a:xfrm>
-            <a:off x="2872514" y="4987629"/>
-            <a:ext cx="1071419" cy="683491"/>
-          </a:xfrm>
-          <a:prstGeom prst="roundRect">
-            <a:avLst/>
-          </a:prstGeom>
-          <a:solidFill>
-            <a:schemeClr val="tx2">
-              <a:lumMod val="60000"/>
-              <a:lumOff val="40000"/>
-            </a:schemeClr>
-          </a:solidFill>
-        </p:spPr>
-        <p:style>
-          <a:lnRef idx="2">
-            <a:schemeClr val="accent1">
-              <a:shade val="50000"/>
-            </a:schemeClr>
-          </a:lnRef>
-          <a:fillRef idx="1">
-            <a:schemeClr val="accent1"/>
-          </a:fillRef>
-          <a:effectRef idx="0">
-            <a:schemeClr val="accent1"/>
-          </a:effectRef>
-          <a:fontRef idx="minor">
-            <a:schemeClr val="lt1"/>
-          </a:fontRef>
-        </p:style>
-        <p:txBody>
-          <a:bodyPr rtlCol="0" anchor="ctr"/>
-          <a:lstStyle/>
-          <a:p>
-            <a:pPr algn="ctr"/>
-            <a:r>
-              <a:rPr lang="en-US" dirty="0"/>
-              <a:t>Actuator</a:t>
-            </a:r>
-          </a:p>
-        </p:txBody>
-      </p:sp>
-      <p:sp>
-        <p:nvSpPr>
-          <p:cNvPr id="10" name="四角形: 角を丸くする 9">
-            <a:extLst>
-              <a:ext uri="{FF2B5EF4-FFF2-40B4-BE49-F238E27FC236}">
-                <a16:creationId xmlns:a16="http://schemas.microsoft.com/office/drawing/2014/main" id="{01D211B8-17C6-4F35-AB1C-5BB1F8591C90}"/>
-              </a:ext>
-            </a:extLst>
-          </p:cNvPr>
-          <p:cNvSpPr/>
-          <p:nvPr/>
-        </p:nvSpPr>
-        <p:spPr>
-          <a:xfrm>
-            <a:off x="3796144" y="3523665"/>
-            <a:ext cx="1071419" cy="683491"/>
-          </a:xfrm>
-          <a:prstGeom prst="roundRect">
-            <a:avLst/>
-          </a:prstGeom>
-          <a:solidFill>
-            <a:schemeClr val="tx2">
-              <a:lumMod val="60000"/>
-              <a:lumOff val="40000"/>
-            </a:schemeClr>
-          </a:solidFill>
-        </p:spPr>
-        <p:style>
-          <a:lnRef idx="2">
-            <a:schemeClr val="accent1">
-              <a:shade val="50000"/>
-            </a:schemeClr>
-          </a:lnRef>
-          <a:fillRef idx="1">
-            <a:schemeClr val="accent1"/>
-          </a:fillRef>
-          <a:effectRef idx="0">
-            <a:schemeClr val="accent1"/>
-          </a:effectRef>
-          <a:fontRef idx="minor">
-            <a:schemeClr val="lt1"/>
-          </a:fontRef>
-        </p:style>
-        <p:txBody>
-          <a:bodyPr rtlCol="0" anchor="ctr"/>
-          <a:lstStyle/>
-          <a:p>
-            <a:pPr algn="ctr"/>
-            <a:r>
-              <a:rPr lang="en-US" sz="1600" dirty="0"/>
-              <a:t>Scheduler</a:t>
-            </a:r>
-          </a:p>
-        </p:txBody>
-      </p:sp>
-      <p:sp>
-        <p:nvSpPr>
-          <p:cNvPr id="11" name="四角形: 角を丸くする 10">
-            <a:extLst>
-              <a:ext uri="{FF2B5EF4-FFF2-40B4-BE49-F238E27FC236}">
-                <a16:creationId xmlns:a16="http://schemas.microsoft.com/office/drawing/2014/main" id="{24A5DB66-2B2E-44ED-A5B9-C025EF67B632}"/>
-              </a:ext>
-            </a:extLst>
-          </p:cNvPr>
-          <p:cNvSpPr/>
-          <p:nvPr/>
-        </p:nvSpPr>
-        <p:spPr>
-          <a:xfrm>
-            <a:off x="5555671" y="3523665"/>
-            <a:ext cx="1071419" cy="683491"/>
-          </a:xfrm>
-          <a:prstGeom prst="roundRect">
-            <a:avLst/>
-          </a:prstGeom>
-          <a:solidFill>
-            <a:srgbClr val="92D050"/>
-          </a:solidFill>
-        </p:spPr>
-        <p:style>
-          <a:lnRef idx="2">
-            <a:schemeClr val="accent1">
-              <a:shade val="50000"/>
-            </a:schemeClr>
-          </a:lnRef>
-          <a:fillRef idx="1">
-            <a:schemeClr val="accent1"/>
-          </a:fillRef>
-          <a:effectRef idx="0">
-            <a:schemeClr val="accent1"/>
-          </a:effectRef>
-          <a:fontRef idx="minor">
-            <a:schemeClr val="lt1"/>
-          </a:fontRef>
-        </p:style>
-        <p:txBody>
-          <a:bodyPr rtlCol="0" anchor="ctr"/>
-          <a:lstStyle/>
-          <a:p>
-            <a:pPr algn="ctr"/>
-            <a:r>
-              <a:rPr lang="en-US" dirty="0"/>
-              <a:t>CLI</a:t>
-            </a:r>
-          </a:p>
-        </p:txBody>
-      </p:sp>
-      <p:sp>
-        <p:nvSpPr>
-          <p:cNvPr id="12" name="四角形: 角を丸くする 11">
-            <a:extLst>
-              <a:ext uri="{FF2B5EF4-FFF2-40B4-BE49-F238E27FC236}">
-                <a16:creationId xmlns:a16="http://schemas.microsoft.com/office/drawing/2014/main" id="{3D00613D-CB79-41C8-B344-839F70C4C0E7}"/>
-              </a:ext>
-            </a:extLst>
-          </p:cNvPr>
-          <p:cNvSpPr/>
-          <p:nvPr/>
-        </p:nvSpPr>
-        <p:spPr>
-          <a:xfrm>
-            <a:off x="8164943" y="2285996"/>
-            <a:ext cx="1071419" cy="683491"/>
-          </a:xfrm>
-          <a:prstGeom prst="roundRect">
-            <a:avLst/>
-          </a:prstGeom>
-          <a:solidFill>
-            <a:srgbClr val="92D050"/>
-          </a:solidFill>
-        </p:spPr>
-        <p:style>
-          <a:lnRef idx="2">
-            <a:schemeClr val="accent1">
-              <a:shade val="50000"/>
-            </a:schemeClr>
-          </a:lnRef>
-          <a:fillRef idx="1">
-            <a:schemeClr val="accent1"/>
-          </a:fillRef>
-          <a:effectRef idx="0">
-            <a:schemeClr val="accent1"/>
-          </a:effectRef>
-          <a:fontRef idx="minor">
-            <a:schemeClr val="lt1"/>
-          </a:fontRef>
-        </p:style>
-        <p:txBody>
-          <a:bodyPr rtlCol="0" anchor="ctr"/>
-          <a:lstStyle/>
-          <a:p>
-            <a:pPr algn="ctr"/>
-            <a:r>
-              <a:rPr lang="en-US" dirty="0"/>
-              <a:t>DB client</a:t>
-            </a:r>
-          </a:p>
-        </p:txBody>
-      </p:sp>
-      <p:sp>
-        <p:nvSpPr>
-          <p:cNvPr id="13" name="楕円 12">
-            <a:extLst>
-              <a:ext uri="{FF2B5EF4-FFF2-40B4-BE49-F238E27FC236}">
-                <a16:creationId xmlns:a16="http://schemas.microsoft.com/office/drawing/2014/main" id="{872BEDD9-BF8E-4417-91BF-096163DD3E9C}"/>
-              </a:ext>
-            </a:extLst>
-          </p:cNvPr>
-          <p:cNvSpPr/>
-          <p:nvPr/>
-        </p:nvSpPr>
-        <p:spPr>
-          <a:xfrm>
-            <a:off x="7112003" y="3597556"/>
-            <a:ext cx="609600" cy="558801"/>
-          </a:xfrm>
-          <a:prstGeom prst="ellipse">
-            <a:avLst/>
-          </a:prstGeom>
-        </p:spPr>
-        <p:style>
-          <a:lnRef idx="2">
-            <a:schemeClr val="accent1">
-              <a:shade val="50000"/>
-            </a:schemeClr>
-          </a:lnRef>
-          <a:fillRef idx="1">
-            <a:schemeClr val="accent1"/>
-          </a:fillRef>
-          <a:effectRef idx="0">
-            <a:schemeClr val="accent1"/>
-          </a:effectRef>
-          <a:fontRef idx="minor">
-            <a:schemeClr val="lt1"/>
-          </a:fontRef>
-        </p:style>
-        <p:txBody>
-          <a:bodyPr rtlCol="0" anchor="ctr"/>
-          <a:lstStyle/>
-          <a:p>
-            <a:pPr algn="ctr"/>
-            <a:r>
-              <a:rPr lang="en-US" sz="1100" dirty="0" err="1"/>
-              <a:t>msg</a:t>
-            </a:r>
-            <a:endParaRPr lang="en-US" sz="1100" dirty="0"/>
-          </a:p>
-          <a:p>
-            <a:pPr algn="ctr"/>
-            <a:r>
-              <a:rPr lang="en-US" sz="1100" dirty="0"/>
-              <a:t>bus</a:t>
-            </a:r>
-          </a:p>
-        </p:txBody>
-      </p:sp>
-      <p:sp>
-        <p:nvSpPr>
-          <p:cNvPr id="14" name="楕円 13">
-            <a:extLst>
-              <a:ext uri="{FF2B5EF4-FFF2-40B4-BE49-F238E27FC236}">
-                <a16:creationId xmlns:a16="http://schemas.microsoft.com/office/drawing/2014/main" id="{E76A7B73-4D6E-4EFA-B5A1-43FAE3865F32}"/>
-              </a:ext>
-            </a:extLst>
-          </p:cNvPr>
-          <p:cNvSpPr/>
-          <p:nvPr/>
-        </p:nvSpPr>
-        <p:spPr>
-          <a:xfrm>
-            <a:off x="9702802" y="2355267"/>
-            <a:ext cx="609600" cy="558801"/>
-          </a:xfrm>
-          <a:prstGeom prst="ellipse">
-            <a:avLst/>
-          </a:prstGeom>
-        </p:spPr>
-        <p:style>
-          <a:lnRef idx="2">
-            <a:schemeClr val="accent1">
-              <a:shade val="50000"/>
-            </a:schemeClr>
-          </a:lnRef>
-          <a:fillRef idx="1">
-            <a:schemeClr val="accent1"/>
-          </a:fillRef>
-          <a:effectRef idx="0">
-            <a:schemeClr val="accent1"/>
-          </a:effectRef>
-          <a:fontRef idx="minor">
-            <a:schemeClr val="lt1"/>
-          </a:fontRef>
-        </p:style>
-        <p:txBody>
-          <a:bodyPr rtlCol="0" anchor="ctr"/>
-          <a:lstStyle/>
-          <a:p>
-            <a:pPr algn="ctr"/>
-            <a:r>
-              <a:rPr lang="en-US" sz="1050" dirty="0" err="1"/>
-              <a:t>msg</a:t>
-            </a:r>
-            <a:endParaRPr lang="en-US" sz="1050" dirty="0"/>
-          </a:p>
-          <a:p>
-            <a:pPr algn="ctr"/>
-            <a:r>
-              <a:rPr lang="en-US" sz="1050" dirty="0"/>
-              <a:t>bus</a:t>
-            </a:r>
-          </a:p>
-        </p:txBody>
-      </p:sp>
-      <p:sp>
-        <p:nvSpPr>
-          <p:cNvPr id="15" name="四角形: 角を丸くする 14">
-            <a:extLst>
-              <a:ext uri="{FF2B5EF4-FFF2-40B4-BE49-F238E27FC236}">
-                <a16:creationId xmlns:a16="http://schemas.microsoft.com/office/drawing/2014/main" id="{C5CD6721-3E05-420A-9014-DA335E477CED}"/>
-              </a:ext>
-            </a:extLst>
-          </p:cNvPr>
-          <p:cNvSpPr/>
-          <p:nvPr/>
-        </p:nvSpPr>
-        <p:spPr>
-          <a:xfrm>
-            <a:off x="10760372" y="2297541"/>
-            <a:ext cx="1071419" cy="683491"/>
-          </a:xfrm>
-          <a:prstGeom prst="roundRect">
-            <a:avLst/>
-          </a:prstGeom>
-          <a:solidFill>
-            <a:srgbClr val="00B0F0"/>
-          </a:solidFill>
-        </p:spPr>
-        <p:style>
-          <a:lnRef idx="2">
-            <a:schemeClr val="accent1">
-              <a:shade val="50000"/>
-            </a:schemeClr>
-          </a:lnRef>
-          <a:fillRef idx="1">
-            <a:schemeClr val="accent1"/>
-          </a:fillRef>
-          <a:effectRef idx="0">
-            <a:schemeClr val="accent1"/>
-          </a:effectRef>
-          <a:fontRef idx="minor">
-            <a:schemeClr val="lt1"/>
-          </a:fontRef>
-        </p:style>
-        <p:txBody>
-          <a:bodyPr rtlCol="0" anchor="ctr"/>
-          <a:lstStyle/>
-          <a:p>
-            <a:pPr algn="ctr"/>
-            <a:r>
-              <a:rPr lang="en-US" dirty="0"/>
-              <a:t>DB</a:t>
-            </a:r>
-          </a:p>
-          <a:p>
-            <a:pPr algn="ctr"/>
-            <a:r>
-              <a:rPr lang="en-US" dirty="0"/>
-              <a:t>server</a:t>
-            </a:r>
-          </a:p>
-        </p:txBody>
-      </p:sp>
-      <p:cxnSp>
-        <p:nvCxnSpPr>
-          <p:cNvPr id="17" name="コネクタ: カギ線 16">
-            <a:extLst>
-              <a:ext uri="{FF2B5EF4-FFF2-40B4-BE49-F238E27FC236}">
-                <a16:creationId xmlns:a16="http://schemas.microsoft.com/office/drawing/2014/main" id="{94E2760E-4FE6-464E-B89E-4153372CFF45}"/>
-              </a:ext>
-            </a:extLst>
-          </p:cNvPr>
-          <p:cNvCxnSpPr>
-            <a:stCxn id="4" idx="0"/>
-            <a:endCxn id="10" idx="1"/>
-          </p:cNvCxnSpPr>
-          <p:nvPr/>
-        </p:nvCxnSpPr>
-        <p:spPr>
-          <a:xfrm rot="5400000" flipH="1" flipV="1">
-            <a:off x="1724890" y="2916377"/>
-            <a:ext cx="1122219" cy="3020289"/>
-          </a:xfrm>
-          <a:prstGeom prst="bentConnector2">
-            <a:avLst/>
-          </a:prstGeom>
-          <a:ln w="76200">
-            <a:tailEnd type="triangle"/>
-          </a:ln>
-        </p:spPr>
-        <p:style>
-          <a:lnRef idx="1">
-            <a:schemeClr val="accent1"/>
-          </a:lnRef>
-          <a:fillRef idx="0">
-            <a:schemeClr val="accent1"/>
-          </a:fillRef>
-          <a:effectRef idx="0">
-            <a:schemeClr val="accent1"/>
-          </a:effectRef>
-          <a:fontRef idx="minor">
-            <a:schemeClr val="tx1"/>
-          </a:fontRef>
-        </p:style>
-      </p:cxnSp>
-      <p:cxnSp>
-        <p:nvCxnSpPr>
-          <p:cNvPr id="19" name="コネクタ: カギ線 18">
-            <a:extLst>
-              <a:ext uri="{FF2B5EF4-FFF2-40B4-BE49-F238E27FC236}">
-                <a16:creationId xmlns:a16="http://schemas.microsoft.com/office/drawing/2014/main" id="{B38534ED-80AE-4747-84E2-89F4E5236BA6}"/>
-              </a:ext>
-            </a:extLst>
-          </p:cNvPr>
-          <p:cNvCxnSpPr>
-            <a:cxnSpLocks/>
-            <a:stCxn id="7" idx="0"/>
-            <a:endCxn id="10" idx="1"/>
-          </p:cNvCxnSpPr>
-          <p:nvPr/>
-        </p:nvCxnSpPr>
-        <p:spPr>
-          <a:xfrm rot="5400000" flipH="1" flipV="1">
-            <a:off x="2387600" y="3579086"/>
-            <a:ext cx="1122218" cy="1694869"/>
-          </a:xfrm>
-          <a:prstGeom prst="bentConnector2">
-            <a:avLst/>
-          </a:prstGeom>
-          <a:ln w="76200">
-            <a:tailEnd type="triangle"/>
-          </a:ln>
-        </p:spPr>
-        <p:style>
-          <a:lnRef idx="1">
-            <a:schemeClr val="accent1"/>
-          </a:lnRef>
-          <a:fillRef idx="0">
-            <a:schemeClr val="accent1"/>
-          </a:fillRef>
-          <a:effectRef idx="0">
-            <a:schemeClr val="accent1"/>
-          </a:effectRef>
-          <a:fontRef idx="minor">
-            <a:schemeClr val="tx1"/>
-          </a:fontRef>
-        </p:style>
-      </p:cxnSp>
-      <p:cxnSp>
-        <p:nvCxnSpPr>
-          <p:cNvPr id="21" name="コネクタ: カギ線 20">
-            <a:extLst>
-              <a:ext uri="{FF2B5EF4-FFF2-40B4-BE49-F238E27FC236}">
-                <a16:creationId xmlns:a16="http://schemas.microsoft.com/office/drawing/2014/main" id="{D4493AA3-CC5B-49A0-8349-F612EAEA3D2D}"/>
-              </a:ext>
-            </a:extLst>
-          </p:cNvPr>
-          <p:cNvCxnSpPr>
-            <a:cxnSpLocks/>
-            <a:stCxn id="10" idx="2"/>
-            <a:endCxn id="8" idx="0"/>
-          </p:cNvCxnSpPr>
-          <p:nvPr/>
-        </p:nvCxnSpPr>
-        <p:spPr>
-          <a:xfrm rot="5400000">
-            <a:off x="3479803" y="4135577"/>
-            <a:ext cx="780473" cy="923630"/>
-          </a:xfrm>
-          <a:prstGeom prst="bentConnector3">
-            <a:avLst>
-              <a:gd name="adj1" fmla="val 50000"/>
-            </a:avLst>
-          </a:prstGeom>
-          <a:ln w="76200">
-            <a:tailEnd type="triangle"/>
-          </a:ln>
-        </p:spPr>
-        <p:style>
-          <a:lnRef idx="1">
-            <a:schemeClr val="accent1"/>
-          </a:lnRef>
-          <a:fillRef idx="0">
-            <a:schemeClr val="accent1"/>
-          </a:fillRef>
-          <a:effectRef idx="0">
-            <a:schemeClr val="accent1"/>
-          </a:effectRef>
-          <a:fontRef idx="minor">
-            <a:schemeClr val="tx1"/>
-          </a:fontRef>
-        </p:style>
-      </p:cxnSp>
-      <p:cxnSp>
-        <p:nvCxnSpPr>
-          <p:cNvPr id="36" name="直線矢印コネクタ 35">
-            <a:extLst>
-              <a:ext uri="{FF2B5EF4-FFF2-40B4-BE49-F238E27FC236}">
-                <a16:creationId xmlns:a16="http://schemas.microsoft.com/office/drawing/2014/main" id="{3964586F-3489-4816-A2C4-69A9052907CC}"/>
-              </a:ext>
-            </a:extLst>
-          </p:cNvPr>
-          <p:cNvCxnSpPr>
-            <a:stCxn id="10" idx="3"/>
-            <a:endCxn id="11" idx="1"/>
-          </p:cNvCxnSpPr>
-          <p:nvPr/>
-        </p:nvCxnSpPr>
-        <p:spPr>
-          <a:xfrm>
-            <a:off x="4867563" y="3865411"/>
-            <a:ext cx="688108" cy="0"/>
-          </a:xfrm>
-          <a:prstGeom prst="straightConnector1">
-            <a:avLst/>
-          </a:prstGeom>
-          <a:ln w="76200">
-            <a:tailEnd type="triangle"/>
-          </a:ln>
-        </p:spPr>
-        <p:style>
-          <a:lnRef idx="1">
-            <a:schemeClr val="accent1"/>
-          </a:lnRef>
-          <a:fillRef idx="0">
-            <a:schemeClr val="accent1"/>
-          </a:fillRef>
-          <a:effectRef idx="0">
-            <a:schemeClr val="accent1"/>
-          </a:effectRef>
-          <a:fontRef idx="minor">
-            <a:schemeClr val="tx1"/>
-          </a:fontRef>
-        </p:style>
-      </p:cxnSp>
-      <p:cxnSp>
-        <p:nvCxnSpPr>
-          <p:cNvPr id="37" name="直線矢印コネクタ 36">
-            <a:extLst>
-              <a:ext uri="{FF2B5EF4-FFF2-40B4-BE49-F238E27FC236}">
-                <a16:creationId xmlns:a16="http://schemas.microsoft.com/office/drawing/2014/main" id="{B4DA2DA9-FA55-428D-AB9A-A560474AAAE0}"/>
-              </a:ext>
-            </a:extLst>
-          </p:cNvPr>
-          <p:cNvCxnSpPr>
-            <a:cxnSpLocks/>
-            <a:stCxn id="11" idx="3"/>
-            <a:endCxn id="13" idx="2"/>
-          </p:cNvCxnSpPr>
-          <p:nvPr/>
-        </p:nvCxnSpPr>
-        <p:spPr>
-          <a:xfrm>
-            <a:off x="6627090" y="3865411"/>
-            <a:ext cx="484913" cy="11546"/>
-          </a:xfrm>
-          <a:prstGeom prst="straightConnector1">
-            <a:avLst/>
-          </a:prstGeom>
-          <a:ln w="76200">
-            <a:tailEnd type="triangle"/>
-          </a:ln>
-        </p:spPr>
-        <p:style>
-          <a:lnRef idx="1">
-            <a:schemeClr val="accent1"/>
-          </a:lnRef>
-          <a:fillRef idx="0">
-            <a:schemeClr val="accent1"/>
-          </a:fillRef>
-          <a:effectRef idx="0">
-            <a:schemeClr val="accent1"/>
-          </a:effectRef>
-          <a:fontRef idx="minor">
-            <a:schemeClr val="tx1"/>
-          </a:fontRef>
-        </p:style>
-      </p:cxnSp>
-      <p:cxnSp>
-        <p:nvCxnSpPr>
-          <p:cNvPr id="40" name="直線矢印コネクタ 39">
-            <a:extLst>
-              <a:ext uri="{FF2B5EF4-FFF2-40B4-BE49-F238E27FC236}">
-                <a16:creationId xmlns:a16="http://schemas.microsoft.com/office/drawing/2014/main" id="{BF567CDF-FF7C-4F0F-9ED4-5010136D2DF6}"/>
-              </a:ext>
-            </a:extLst>
-          </p:cNvPr>
-          <p:cNvCxnSpPr>
-            <a:cxnSpLocks/>
-            <a:stCxn id="104" idx="0"/>
-            <a:endCxn id="12" idx="2"/>
-          </p:cNvCxnSpPr>
-          <p:nvPr/>
-        </p:nvCxnSpPr>
-        <p:spPr>
-          <a:xfrm flipH="1" flipV="1">
-            <a:off x="8700653" y="2969487"/>
-            <a:ext cx="13856" cy="565725"/>
-          </a:xfrm>
-          <a:prstGeom prst="straightConnector1">
-            <a:avLst/>
-          </a:prstGeom>
-          <a:ln w="76200">
-            <a:tailEnd type="triangle"/>
-          </a:ln>
-        </p:spPr>
-        <p:style>
-          <a:lnRef idx="1">
-            <a:schemeClr val="accent1"/>
-          </a:lnRef>
-          <a:fillRef idx="0">
-            <a:schemeClr val="accent1"/>
-          </a:fillRef>
-          <a:effectRef idx="0">
-            <a:schemeClr val="accent1"/>
-          </a:effectRef>
-          <a:fontRef idx="minor">
-            <a:schemeClr val="tx1"/>
-          </a:fontRef>
-        </p:style>
-      </p:cxnSp>
-      <p:cxnSp>
-        <p:nvCxnSpPr>
-          <p:cNvPr id="44" name="直線矢印コネクタ 43">
-            <a:extLst>
-              <a:ext uri="{FF2B5EF4-FFF2-40B4-BE49-F238E27FC236}">
-                <a16:creationId xmlns:a16="http://schemas.microsoft.com/office/drawing/2014/main" id="{9090E84C-BCA6-4BB8-84E0-DDDC815BE2F0}"/>
-              </a:ext>
-            </a:extLst>
-          </p:cNvPr>
-          <p:cNvCxnSpPr>
-            <a:cxnSpLocks/>
-            <a:stCxn id="12" idx="3"/>
-            <a:endCxn id="14" idx="2"/>
-          </p:cNvCxnSpPr>
-          <p:nvPr/>
-        </p:nvCxnSpPr>
-        <p:spPr>
-          <a:xfrm>
-            <a:off x="9236362" y="2627742"/>
-            <a:ext cx="466440" cy="6926"/>
-          </a:xfrm>
-          <a:prstGeom prst="straightConnector1">
-            <a:avLst/>
-          </a:prstGeom>
-          <a:ln w="76200">
-            <a:tailEnd type="triangle"/>
-          </a:ln>
-        </p:spPr>
-        <p:style>
-          <a:lnRef idx="1">
-            <a:schemeClr val="accent1"/>
-          </a:lnRef>
-          <a:fillRef idx="0">
-            <a:schemeClr val="accent1"/>
-          </a:fillRef>
-          <a:effectRef idx="0">
-            <a:schemeClr val="accent1"/>
-          </a:effectRef>
-          <a:fontRef idx="minor">
-            <a:schemeClr val="tx1"/>
-          </a:fontRef>
-        </p:style>
-      </p:cxnSp>
-      <p:cxnSp>
-        <p:nvCxnSpPr>
-          <p:cNvPr id="47" name="直線矢印コネクタ 46">
-            <a:extLst>
-              <a:ext uri="{FF2B5EF4-FFF2-40B4-BE49-F238E27FC236}">
-                <a16:creationId xmlns:a16="http://schemas.microsoft.com/office/drawing/2014/main" id="{1431831E-1E16-40A9-AB5D-106FC3C6DEA7}"/>
-              </a:ext>
-            </a:extLst>
-          </p:cNvPr>
-          <p:cNvCxnSpPr>
-            <a:cxnSpLocks/>
-            <a:stCxn id="14" idx="6"/>
-            <a:endCxn id="15" idx="1"/>
-          </p:cNvCxnSpPr>
-          <p:nvPr/>
-        </p:nvCxnSpPr>
-        <p:spPr>
-          <a:xfrm>
-            <a:off x="10312402" y="2634668"/>
-            <a:ext cx="447970" cy="4619"/>
-          </a:xfrm>
-          <a:prstGeom prst="straightConnector1">
-            <a:avLst/>
-          </a:prstGeom>
-          <a:ln w="76200">
-            <a:tailEnd type="triangle"/>
-          </a:ln>
-        </p:spPr>
-        <p:style>
-          <a:lnRef idx="1">
-            <a:schemeClr val="accent1"/>
-          </a:lnRef>
-          <a:fillRef idx="0">
-            <a:schemeClr val="accent1"/>
-          </a:fillRef>
-          <a:effectRef idx="0">
-            <a:schemeClr val="accent1"/>
-          </a:effectRef>
-          <a:fontRef idx="minor">
-            <a:schemeClr val="tx1"/>
-          </a:fontRef>
-        </p:style>
-      </p:cxnSp>
-      <p:sp>
-        <p:nvSpPr>
-          <p:cNvPr id="60" name="四角形: 角を丸くする 59">
-            <a:extLst>
-              <a:ext uri="{FF2B5EF4-FFF2-40B4-BE49-F238E27FC236}">
-                <a16:creationId xmlns:a16="http://schemas.microsoft.com/office/drawing/2014/main" id="{1BB8BFB3-5E97-4FA2-83CA-E8B07FF818A1}"/>
-              </a:ext>
-            </a:extLst>
-          </p:cNvPr>
-          <p:cNvSpPr/>
-          <p:nvPr/>
-        </p:nvSpPr>
-        <p:spPr>
-          <a:xfrm>
-            <a:off x="8164942" y="5800431"/>
-            <a:ext cx="1071419" cy="683491"/>
-          </a:xfrm>
-          <a:prstGeom prst="roundRect">
-            <a:avLst/>
-          </a:prstGeom>
-          <a:solidFill>
-            <a:srgbClr val="92D050"/>
-          </a:solidFill>
-        </p:spPr>
-        <p:style>
-          <a:lnRef idx="2">
-            <a:schemeClr val="accent1">
-              <a:shade val="50000"/>
-            </a:schemeClr>
-          </a:lnRef>
-          <a:fillRef idx="1">
-            <a:schemeClr val="accent1"/>
-          </a:fillRef>
-          <a:effectRef idx="0">
-            <a:schemeClr val="accent1"/>
-          </a:effectRef>
-          <a:fontRef idx="minor">
-            <a:schemeClr val="lt1"/>
-          </a:fontRef>
-        </p:style>
-        <p:txBody>
-          <a:bodyPr rtlCol="0" anchor="ctr"/>
-          <a:lstStyle/>
-          <a:p>
-            <a:pPr algn="ctr"/>
-            <a:r>
-              <a:rPr lang="en-US" sz="1600" dirty="0"/>
-              <a:t>Visualizer</a:t>
-            </a:r>
-          </a:p>
-        </p:txBody>
-      </p:sp>
-      <p:cxnSp>
-        <p:nvCxnSpPr>
-          <p:cNvPr id="66" name="コネクタ: カギ線 65">
-            <a:extLst>
-              <a:ext uri="{FF2B5EF4-FFF2-40B4-BE49-F238E27FC236}">
-                <a16:creationId xmlns:a16="http://schemas.microsoft.com/office/drawing/2014/main" id="{45AC4427-9BD9-479D-95CC-50AC7FF3CBED}"/>
-              </a:ext>
-            </a:extLst>
-          </p:cNvPr>
-          <p:cNvCxnSpPr>
-            <a:cxnSpLocks/>
-            <a:stCxn id="119" idx="4"/>
-            <a:endCxn id="60" idx="1"/>
-          </p:cNvCxnSpPr>
-          <p:nvPr/>
-        </p:nvCxnSpPr>
-        <p:spPr>
-          <a:xfrm rot="16200000" flipH="1">
-            <a:off x="7396018" y="5373252"/>
-            <a:ext cx="789709" cy="748139"/>
-          </a:xfrm>
-          <a:prstGeom prst="bentConnector2">
-            <a:avLst/>
-          </a:prstGeom>
-          <a:ln w="76200">
-            <a:tailEnd type="triangle"/>
-          </a:ln>
-        </p:spPr>
-        <p:style>
-          <a:lnRef idx="1">
-            <a:schemeClr val="accent1"/>
-          </a:lnRef>
-          <a:fillRef idx="0">
-            <a:schemeClr val="accent1"/>
-          </a:fillRef>
-          <a:effectRef idx="0">
-            <a:schemeClr val="accent1"/>
-          </a:effectRef>
-          <a:fontRef idx="minor">
-            <a:schemeClr val="tx1"/>
-          </a:fontRef>
-        </p:style>
-      </p:cxnSp>
-      <p:sp>
-        <p:nvSpPr>
-          <p:cNvPr id="104" name="四角形: 角を丸くする 103">
-            <a:extLst>
-              <a:ext uri="{FF2B5EF4-FFF2-40B4-BE49-F238E27FC236}">
-                <a16:creationId xmlns:a16="http://schemas.microsoft.com/office/drawing/2014/main" id="{F1C92791-1A60-49DB-946A-3437A109F333}"/>
-              </a:ext>
-            </a:extLst>
-          </p:cNvPr>
-          <p:cNvSpPr/>
-          <p:nvPr/>
-        </p:nvSpPr>
-        <p:spPr>
-          <a:xfrm>
-            <a:off x="8178799" y="3535212"/>
-            <a:ext cx="1071419" cy="683491"/>
-          </a:xfrm>
-          <a:prstGeom prst="roundRect">
-            <a:avLst/>
-          </a:prstGeom>
-          <a:solidFill>
-            <a:srgbClr val="92D050"/>
-          </a:solidFill>
-        </p:spPr>
-        <p:style>
-          <a:lnRef idx="2">
-            <a:schemeClr val="accent1">
-              <a:shade val="50000"/>
-            </a:schemeClr>
-          </a:lnRef>
-          <a:fillRef idx="1">
-            <a:schemeClr val="accent1"/>
-          </a:fillRef>
-          <a:effectRef idx="0">
-            <a:schemeClr val="accent1"/>
-          </a:effectRef>
-          <a:fontRef idx="minor">
-            <a:schemeClr val="lt1"/>
-          </a:fontRef>
-        </p:style>
-        <p:txBody>
-          <a:bodyPr rtlCol="0" anchor="ctr"/>
-          <a:lstStyle/>
-          <a:p>
-            <a:pPr algn="ctr"/>
-            <a:r>
-              <a:rPr lang="en-US" sz="1400" dirty="0"/>
-              <a:t>Edge computing</a:t>
-            </a:r>
-          </a:p>
-        </p:txBody>
-      </p:sp>
-      <p:cxnSp>
-        <p:nvCxnSpPr>
-          <p:cNvPr id="112" name="コネクタ: カギ線 111">
-            <a:extLst>
-              <a:ext uri="{FF2B5EF4-FFF2-40B4-BE49-F238E27FC236}">
-                <a16:creationId xmlns:a16="http://schemas.microsoft.com/office/drawing/2014/main" id="{4C5BE679-DB06-4181-B4E2-F6653E12EDF4}"/>
-              </a:ext>
-            </a:extLst>
-          </p:cNvPr>
-          <p:cNvCxnSpPr>
-            <a:cxnSpLocks/>
-            <a:stCxn id="104" idx="2"/>
-            <a:endCxn id="119" idx="6"/>
-          </p:cNvCxnSpPr>
-          <p:nvPr/>
-        </p:nvCxnSpPr>
-        <p:spPr>
-          <a:xfrm rot="5400000">
-            <a:off x="7790874" y="4149432"/>
-            <a:ext cx="854365" cy="992906"/>
-          </a:xfrm>
-          <a:prstGeom prst="bentConnector2">
-            <a:avLst/>
-          </a:prstGeom>
-          <a:ln w="76200">
-            <a:tailEnd type="triangle"/>
-          </a:ln>
-        </p:spPr>
-        <p:style>
-          <a:lnRef idx="1">
-            <a:schemeClr val="accent1"/>
-          </a:lnRef>
-          <a:fillRef idx="0">
-            <a:schemeClr val="accent1"/>
-          </a:fillRef>
-          <a:effectRef idx="0">
-            <a:schemeClr val="accent1"/>
-          </a:effectRef>
-          <a:fontRef idx="minor">
-            <a:schemeClr val="tx1"/>
-          </a:fontRef>
-        </p:style>
-      </p:cxnSp>
-      <p:sp>
-        <p:nvSpPr>
-          <p:cNvPr id="119" name="楕円 118">
-            <a:extLst>
-              <a:ext uri="{FF2B5EF4-FFF2-40B4-BE49-F238E27FC236}">
-                <a16:creationId xmlns:a16="http://schemas.microsoft.com/office/drawing/2014/main" id="{44A0F3AA-959E-4021-ADE8-F484426B9519}"/>
-              </a:ext>
-            </a:extLst>
-          </p:cNvPr>
-          <p:cNvSpPr/>
-          <p:nvPr/>
-        </p:nvSpPr>
-        <p:spPr>
-          <a:xfrm>
-            <a:off x="7112003" y="4793667"/>
-            <a:ext cx="609600" cy="558801"/>
-          </a:xfrm>
-          <a:prstGeom prst="ellipse">
-            <a:avLst/>
-          </a:prstGeom>
-        </p:spPr>
-        <p:style>
-          <a:lnRef idx="2">
-            <a:schemeClr val="accent1">
-              <a:shade val="50000"/>
-            </a:schemeClr>
-          </a:lnRef>
-          <a:fillRef idx="1">
-            <a:schemeClr val="accent1"/>
-          </a:fillRef>
-          <a:effectRef idx="0">
-            <a:schemeClr val="accent1"/>
-          </a:effectRef>
-          <a:fontRef idx="minor">
-            <a:schemeClr val="lt1"/>
-          </a:fontRef>
-        </p:style>
-        <p:txBody>
-          <a:bodyPr rtlCol="0" anchor="ctr"/>
-          <a:lstStyle/>
-          <a:p>
-            <a:pPr algn="ctr"/>
-            <a:r>
-              <a:rPr lang="en-US" sz="1000" dirty="0" err="1"/>
-              <a:t>msg</a:t>
-            </a:r>
-            <a:endParaRPr lang="en-US" sz="1000" dirty="0"/>
-          </a:p>
-          <a:p>
-            <a:pPr algn="ctr"/>
-            <a:r>
-              <a:rPr lang="en-US" sz="1000" dirty="0"/>
-              <a:t>bus</a:t>
-            </a:r>
-          </a:p>
-        </p:txBody>
-      </p:sp>
-      <p:cxnSp>
-        <p:nvCxnSpPr>
-          <p:cNvPr id="124" name="コネクタ: カギ線 123">
-            <a:extLst>
-              <a:ext uri="{FF2B5EF4-FFF2-40B4-BE49-F238E27FC236}">
-                <a16:creationId xmlns:a16="http://schemas.microsoft.com/office/drawing/2014/main" id="{D402C7A7-7FFF-4047-A751-59004AFD730B}"/>
-              </a:ext>
-            </a:extLst>
-          </p:cNvPr>
-          <p:cNvCxnSpPr>
-            <a:cxnSpLocks/>
-            <a:stCxn id="119" idx="2"/>
-            <a:endCxn id="11" idx="2"/>
-          </p:cNvCxnSpPr>
-          <p:nvPr/>
-        </p:nvCxnSpPr>
-        <p:spPr>
-          <a:xfrm rot="10800000">
-            <a:off x="6091381" y="4207156"/>
-            <a:ext cx="1020622" cy="865912"/>
-          </a:xfrm>
-          <a:prstGeom prst="bentConnector2">
-            <a:avLst/>
-          </a:prstGeom>
-          <a:ln w="76200">
-            <a:tailEnd type="triangle"/>
-          </a:ln>
-        </p:spPr>
-        <p:style>
-          <a:lnRef idx="1">
-            <a:schemeClr val="accent1"/>
-          </a:lnRef>
-          <a:fillRef idx="0">
-            <a:schemeClr val="accent1"/>
-          </a:fillRef>
-          <a:effectRef idx="0">
-            <a:schemeClr val="accent1"/>
-          </a:effectRef>
-          <a:fontRef idx="minor">
-            <a:schemeClr val="tx1"/>
-          </a:fontRef>
-        </p:style>
-      </p:cxnSp>
-      <p:cxnSp>
-        <p:nvCxnSpPr>
-          <p:cNvPr id="127" name="コネクタ: カギ線 126">
-            <a:extLst>
-              <a:ext uri="{FF2B5EF4-FFF2-40B4-BE49-F238E27FC236}">
-                <a16:creationId xmlns:a16="http://schemas.microsoft.com/office/drawing/2014/main" id="{A6FE3A89-FB84-4FCE-A878-D492EC390711}"/>
-              </a:ext>
-            </a:extLst>
-          </p:cNvPr>
-          <p:cNvCxnSpPr>
-            <a:cxnSpLocks/>
-            <a:stCxn id="11" idx="0"/>
-            <a:endCxn id="10" idx="0"/>
-          </p:cNvCxnSpPr>
-          <p:nvPr/>
-        </p:nvCxnSpPr>
-        <p:spPr>
-          <a:xfrm rot="16200000" flipV="1">
-            <a:off x="5211618" y="2643901"/>
-            <a:ext cx="12700" cy="1759527"/>
-          </a:xfrm>
-          <a:prstGeom prst="bentConnector3">
-            <a:avLst>
-              <a:gd name="adj1" fmla="val 4563638"/>
-            </a:avLst>
-          </a:prstGeom>
-          <a:ln w="76200">
-            <a:tailEnd type="triangle"/>
-          </a:ln>
-        </p:spPr>
-        <p:style>
-          <a:lnRef idx="1">
-            <a:schemeClr val="accent1"/>
-          </a:lnRef>
-          <a:fillRef idx="0">
-            <a:schemeClr val="accent1"/>
-          </a:fillRef>
-          <a:effectRef idx="0">
-            <a:schemeClr val="accent1"/>
-          </a:effectRef>
-          <a:fontRef idx="minor">
-            <a:schemeClr val="tx1"/>
-          </a:fontRef>
-        </p:style>
-      </p:cxnSp>
-      <p:sp>
-        <p:nvSpPr>
-          <p:cNvPr id="147" name="フローチャート: 磁気ディスク 146">
-            <a:extLst>
-              <a:ext uri="{FF2B5EF4-FFF2-40B4-BE49-F238E27FC236}">
-                <a16:creationId xmlns:a16="http://schemas.microsoft.com/office/drawing/2014/main" id="{4FE8FB7B-CBD1-4015-B29E-00FCC5AA55BC}"/>
-              </a:ext>
-            </a:extLst>
-          </p:cNvPr>
-          <p:cNvSpPr/>
-          <p:nvPr/>
-        </p:nvSpPr>
-        <p:spPr>
-          <a:xfrm>
-            <a:off x="10760372" y="3314697"/>
-            <a:ext cx="1071419" cy="1315029"/>
-          </a:xfrm>
-          <a:prstGeom prst="flowChartMagneticDisk">
-            <a:avLst/>
-          </a:prstGeom>
-          <a:solidFill>
-            <a:schemeClr val="accent2">
-              <a:lumMod val="60000"/>
-              <a:lumOff val="40000"/>
-            </a:schemeClr>
-          </a:solidFill>
-        </p:spPr>
-        <p:style>
-          <a:lnRef idx="2">
-            <a:schemeClr val="accent1">
-              <a:shade val="50000"/>
-            </a:schemeClr>
-          </a:lnRef>
-          <a:fillRef idx="1">
-            <a:schemeClr val="accent1"/>
-          </a:fillRef>
-          <a:effectRef idx="0">
-            <a:schemeClr val="accent1"/>
-          </a:effectRef>
-          <a:fontRef idx="minor">
-            <a:schemeClr val="lt1"/>
-          </a:fontRef>
-        </p:style>
-        <p:txBody>
-          <a:bodyPr rtlCol="0" anchor="ctr"/>
-          <a:lstStyle/>
-          <a:p>
-            <a:pPr algn="ctr"/>
-            <a:r>
-              <a:rPr lang="en-US" sz="1600" dirty="0"/>
-              <a:t>Cloud</a:t>
-            </a:r>
-          </a:p>
-          <a:p>
-            <a:pPr algn="ctr"/>
-            <a:r>
-              <a:rPr lang="en-US" sz="1600" dirty="0"/>
-              <a:t>Database</a:t>
-            </a:r>
-          </a:p>
-        </p:txBody>
-      </p:sp>
-      <p:cxnSp>
-        <p:nvCxnSpPr>
-          <p:cNvPr id="158" name="直線矢印コネクタ 157">
-            <a:extLst>
-              <a:ext uri="{FF2B5EF4-FFF2-40B4-BE49-F238E27FC236}">
-                <a16:creationId xmlns:a16="http://schemas.microsoft.com/office/drawing/2014/main" id="{EEDB4AD6-8CE6-461F-A4BD-1703AA08629B}"/>
-              </a:ext>
-            </a:extLst>
-          </p:cNvPr>
-          <p:cNvCxnSpPr>
-            <a:cxnSpLocks/>
-            <a:stCxn id="13" idx="6"/>
-            <a:endCxn id="104" idx="1"/>
-          </p:cNvCxnSpPr>
-          <p:nvPr/>
-        </p:nvCxnSpPr>
-        <p:spPr>
-          <a:xfrm>
-            <a:off x="7721603" y="3876957"/>
-            <a:ext cx="457196" cy="1"/>
-          </a:xfrm>
-          <a:prstGeom prst="straightConnector1">
-            <a:avLst/>
-          </a:prstGeom>
-          <a:ln w="76200">
-            <a:tailEnd type="triangle"/>
-          </a:ln>
-        </p:spPr>
-        <p:style>
-          <a:lnRef idx="1">
-            <a:schemeClr val="accent1"/>
-          </a:lnRef>
-          <a:fillRef idx="0">
-            <a:schemeClr val="accent1"/>
-          </a:fillRef>
-          <a:effectRef idx="0">
-            <a:schemeClr val="accent1"/>
-          </a:effectRef>
-          <a:fontRef idx="minor">
-            <a:schemeClr val="tx1"/>
-          </a:fontRef>
-        </p:style>
-      </p:cxnSp>
-      <p:cxnSp>
-        <p:nvCxnSpPr>
-          <p:cNvPr id="161" name="直線矢印コネクタ 160">
-            <a:extLst>
-              <a:ext uri="{FF2B5EF4-FFF2-40B4-BE49-F238E27FC236}">
-                <a16:creationId xmlns:a16="http://schemas.microsoft.com/office/drawing/2014/main" id="{D6BA235E-A670-47EA-B983-6018B8D5A2EE}"/>
-              </a:ext>
-            </a:extLst>
-          </p:cNvPr>
-          <p:cNvCxnSpPr>
-            <a:cxnSpLocks/>
-            <a:stCxn id="15" idx="2"/>
-            <a:endCxn id="147" idx="1"/>
-          </p:cNvCxnSpPr>
-          <p:nvPr/>
-        </p:nvCxnSpPr>
-        <p:spPr>
-          <a:xfrm>
-            <a:off x="11296082" y="2981032"/>
-            <a:ext cx="0" cy="333665"/>
-          </a:xfrm>
-          <a:prstGeom prst="straightConnector1">
-            <a:avLst/>
-          </a:prstGeom>
-          <a:ln w="76200">
-            <a:tailEnd type="triangle"/>
-          </a:ln>
-        </p:spPr>
-        <p:style>
-          <a:lnRef idx="1">
-            <a:schemeClr val="accent1"/>
-          </a:lnRef>
-          <a:fillRef idx="0">
-            <a:schemeClr val="accent1"/>
-          </a:fillRef>
-          <a:effectRef idx="0">
-            <a:schemeClr val="accent1"/>
-          </a:effectRef>
-          <a:fontRef idx="minor">
-            <a:schemeClr val="tx1"/>
-          </a:fontRef>
-        </p:style>
-      </p:cxnSp>
-      <p:sp>
-        <p:nvSpPr>
-          <p:cNvPr id="172" name="フローチャート: 磁気ディスク 171">
-            <a:extLst>
-              <a:ext uri="{FF2B5EF4-FFF2-40B4-BE49-F238E27FC236}">
-                <a16:creationId xmlns:a16="http://schemas.microsoft.com/office/drawing/2014/main" id="{91F591DD-C970-48DB-8250-0E1A7740FFE0}"/>
-              </a:ext>
-            </a:extLst>
-          </p:cNvPr>
-          <p:cNvSpPr/>
-          <p:nvPr/>
-        </p:nvSpPr>
-        <p:spPr>
-          <a:xfrm>
-            <a:off x="8871536" y="4107874"/>
-            <a:ext cx="761996" cy="964044"/>
-          </a:xfrm>
-          <a:prstGeom prst="flowChartMagneticDisk">
-            <a:avLst/>
-          </a:prstGeom>
-          <a:solidFill>
-            <a:schemeClr val="accent2">
-              <a:lumMod val="60000"/>
-              <a:lumOff val="40000"/>
-            </a:schemeClr>
-          </a:solidFill>
-        </p:spPr>
-        <p:style>
-          <a:lnRef idx="2">
-            <a:schemeClr val="accent1">
-              <a:shade val="50000"/>
-            </a:schemeClr>
-          </a:lnRef>
-          <a:fillRef idx="1">
-            <a:schemeClr val="accent1"/>
-          </a:fillRef>
-          <a:effectRef idx="0">
-            <a:schemeClr val="accent1"/>
-          </a:effectRef>
-          <a:fontRef idx="minor">
-            <a:schemeClr val="lt1"/>
-          </a:fontRef>
-        </p:style>
-        <p:txBody>
-          <a:bodyPr rtlCol="0" anchor="ctr"/>
-          <a:lstStyle/>
-          <a:p>
-            <a:pPr algn="ctr"/>
-            <a:r>
-              <a:rPr lang="en-US" sz="1400" dirty="0"/>
-              <a:t>SQLite</a:t>
-            </a:r>
-          </a:p>
-        </p:txBody>
-      </p:sp>
-      <p:sp>
-        <p:nvSpPr>
-          <p:cNvPr id="187" name="テキスト ボックス 186">
-            <a:extLst>
-              <a:ext uri="{FF2B5EF4-FFF2-40B4-BE49-F238E27FC236}">
-                <a16:creationId xmlns:a16="http://schemas.microsoft.com/office/drawing/2014/main" id="{D9C8CF1F-F3AA-4883-B155-02508B4EA2E5}"/>
-              </a:ext>
-            </a:extLst>
-          </p:cNvPr>
-          <p:cNvSpPr txBox="1"/>
-          <p:nvPr/>
-        </p:nvSpPr>
-        <p:spPr>
-          <a:xfrm>
-            <a:off x="5361688" y="43981"/>
-            <a:ext cx="4484259" cy="646331"/>
-          </a:xfrm>
-          <a:prstGeom prst="rect">
-            <a:avLst/>
-          </a:prstGeom>
-          <a:noFill/>
-        </p:spPr>
-        <p:txBody>
-          <a:bodyPr wrap="square" rtlCol="0">
-            <a:spAutoFit/>
-          </a:bodyPr>
-          <a:lstStyle/>
-          <a:p>
-            <a:pPr algn="ctr"/>
-            <a:r>
-              <a:rPr lang="en-US" sz="3600" dirty="0">
-                <a:solidFill>
-                  <a:schemeClr val="bg1"/>
-                </a:solidFill>
-              </a:rPr>
-              <a:t>Android/ARM Cortex-A</a:t>
-            </a:r>
-          </a:p>
-        </p:txBody>
-      </p:sp>
-      <p:sp>
-        <p:nvSpPr>
-          <p:cNvPr id="188" name="テキスト ボックス 187">
-            <a:extLst>
-              <a:ext uri="{FF2B5EF4-FFF2-40B4-BE49-F238E27FC236}">
-                <a16:creationId xmlns:a16="http://schemas.microsoft.com/office/drawing/2014/main" id="{8CB41737-6A88-475D-98F0-BAFB268283D2}"/>
-              </a:ext>
-            </a:extLst>
-          </p:cNvPr>
-          <p:cNvSpPr txBox="1"/>
-          <p:nvPr/>
-        </p:nvSpPr>
-        <p:spPr>
-          <a:xfrm>
-            <a:off x="1272732" y="43981"/>
-            <a:ext cx="2763557" cy="646331"/>
-          </a:xfrm>
-          <a:prstGeom prst="rect">
-            <a:avLst/>
-          </a:prstGeom>
-          <a:noFill/>
-        </p:spPr>
-        <p:txBody>
-          <a:bodyPr wrap="square" rtlCol="0">
-            <a:spAutoFit/>
-          </a:bodyPr>
-          <a:lstStyle/>
-          <a:p>
-            <a:r>
-              <a:rPr lang="en-US" sz="3600" dirty="0">
-                <a:solidFill>
-                  <a:schemeClr val="bg1"/>
-                </a:solidFill>
-              </a:rPr>
-              <a:t>PIC16F1829</a:t>
-            </a:r>
-          </a:p>
-        </p:txBody>
-      </p:sp>
-      <p:sp>
-        <p:nvSpPr>
-          <p:cNvPr id="189" name="テキスト ボックス 188">
-            <a:extLst>
-              <a:ext uri="{FF2B5EF4-FFF2-40B4-BE49-F238E27FC236}">
-                <a16:creationId xmlns:a16="http://schemas.microsoft.com/office/drawing/2014/main" id="{80349E0F-F8D6-4B25-B075-B95FE03A828D}"/>
-              </a:ext>
-            </a:extLst>
-          </p:cNvPr>
-          <p:cNvSpPr txBox="1"/>
-          <p:nvPr/>
-        </p:nvSpPr>
-        <p:spPr>
-          <a:xfrm>
-            <a:off x="10501750" y="41775"/>
-            <a:ext cx="1849578" cy="646331"/>
-          </a:xfrm>
-          <a:prstGeom prst="rect">
-            <a:avLst/>
-          </a:prstGeom>
-          <a:noFill/>
-        </p:spPr>
-        <p:txBody>
-          <a:bodyPr wrap="square" rtlCol="0">
-            <a:spAutoFit/>
-          </a:bodyPr>
-          <a:lstStyle/>
-          <a:p>
-            <a:r>
-              <a:rPr lang="en-US" sz="3600" dirty="0">
-                <a:solidFill>
-                  <a:schemeClr val="bg1"/>
-                </a:solidFill>
-              </a:rPr>
-              <a:t>Cloud</a:t>
-            </a:r>
-          </a:p>
-        </p:txBody>
-      </p:sp>
-      <p:sp>
-        <p:nvSpPr>
-          <p:cNvPr id="39" name="テキスト ボックス 38">
-            <a:extLst>
-              <a:ext uri="{FF2B5EF4-FFF2-40B4-BE49-F238E27FC236}">
-                <a16:creationId xmlns:a16="http://schemas.microsoft.com/office/drawing/2014/main" id="{48F83F95-20E5-4299-9D92-AC47DF3D3811}"/>
-              </a:ext>
-            </a:extLst>
-          </p:cNvPr>
-          <p:cNvSpPr txBox="1"/>
-          <p:nvPr/>
-        </p:nvSpPr>
-        <p:spPr>
-          <a:xfrm>
-            <a:off x="138547" y="858673"/>
-            <a:ext cx="4876800" cy="584775"/>
           </a:xfrm>
           <a:prstGeom prst="rect">
             <a:avLst/>
@@ -5320,48 +3779,6 @@
             <a:noFill/>
           </a:ln>
         </p:spPr>
-        <p:txBody>
-          <a:bodyPr wrap="square" rtlCol="0">
-            <a:spAutoFit/>
-          </a:bodyPr>
-          <a:lstStyle/>
-          <a:p>
-            <a:pPr algn="ctr"/>
-            <a:r>
-              <a:rPr lang="en-US" sz="3200" dirty="0">
-                <a:solidFill>
-                  <a:schemeClr val="bg1"/>
-                </a:solidFill>
-              </a:rPr>
-              <a:t>sensor-network</a:t>
-            </a:r>
-          </a:p>
-        </p:txBody>
-      </p:sp>
-      <p:sp>
-        <p:nvSpPr>
-          <p:cNvPr id="42" name="四角形: 角を丸くする 41">
-            <a:extLst>
-              <a:ext uri="{FF2B5EF4-FFF2-40B4-BE49-F238E27FC236}">
-                <a16:creationId xmlns:a16="http://schemas.microsoft.com/office/drawing/2014/main" id="{F96616CB-8B39-445D-8FCF-A0666782F262}"/>
-              </a:ext>
-            </a:extLst>
-          </p:cNvPr>
-          <p:cNvSpPr/>
-          <p:nvPr/>
-        </p:nvSpPr>
-        <p:spPr>
-          <a:xfrm>
-            <a:off x="6668640" y="1668374"/>
-            <a:ext cx="1071419" cy="683491"/>
-          </a:xfrm>
-          <a:prstGeom prst="roundRect">
-            <a:avLst/>
-          </a:prstGeom>
-          <a:solidFill>
-            <a:srgbClr val="00B050"/>
-          </a:solidFill>
-        </p:spPr>
         <p:style>
           <a:lnRef idx="2">
             <a:schemeClr val="accent1">
@@ -5383,6 +3800,1601 @@
           <a:lstStyle/>
           <a:p>
             <a:pPr algn="ctr"/>
+            <a:endParaRPr lang="en-US"/>
+          </a:p>
+        </p:txBody>
+      </p:sp>
+      <p:sp>
+        <p:nvSpPr>
+          <p:cNvPr id="4" name="四角形: 角を丸くする 3">
+            <a:extLst>
+              <a:ext uri="{FF2B5EF4-FFF2-40B4-BE49-F238E27FC236}">
+                <a16:creationId xmlns:a16="http://schemas.microsoft.com/office/drawing/2014/main" id="{B844EF63-E2B0-49F5-A362-5179EC1E60F3}"/>
+              </a:ext>
+            </a:extLst>
+          </p:cNvPr>
+          <p:cNvSpPr/>
+          <p:nvPr/>
+        </p:nvSpPr>
+        <p:spPr>
+          <a:xfrm>
+            <a:off x="240145" y="5735765"/>
+            <a:ext cx="1071419" cy="683491"/>
+          </a:xfrm>
+          <a:prstGeom prst="roundRect">
+            <a:avLst/>
+          </a:prstGeom>
+          <a:solidFill>
+            <a:schemeClr val="tx2">
+              <a:lumMod val="60000"/>
+              <a:lumOff val="40000"/>
+            </a:schemeClr>
+          </a:solidFill>
+        </p:spPr>
+        <p:style>
+          <a:lnRef idx="2">
+            <a:schemeClr val="accent1">
+              <a:shade val="50000"/>
+            </a:schemeClr>
+          </a:lnRef>
+          <a:fillRef idx="1">
+            <a:schemeClr val="accent1"/>
+          </a:fillRef>
+          <a:effectRef idx="0">
+            <a:schemeClr val="accent1"/>
+          </a:effectRef>
+          <a:fontRef idx="minor">
+            <a:schemeClr val="lt1"/>
+          </a:fontRef>
+        </p:style>
+        <p:txBody>
+          <a:bodyPr rtlCol="0" anchor="ctr"/>
+          <a:lstStyle/>
+          <a:p>
+            <a:pPr algn="ctr"/>
+            <a:r>
+              <a:rPr lang="en-US" dirty="0"/>
+              <a:t>Sensor</a:t>
+            </a:r>
+          </a:p>
+        </p:txBody>
+      </p:sp>
+      <p:sp>
+        <p:nvSpPr>
+          <p:cNvPr id="7" name="四角形: 角を丸くする 6">
+            <a:extLst>
+              <a:ext uri="{FF2B5EF4-FFF2-40B4-BE49-F238E27FC236}">
+                <a16:creationId xmlns:a16="http://schemas.microsoft.com/office/drawing/2014/main" id="{1443BBB0-5F28-4AE0-B314-640A96B95D3F}"/>
+              </a:ext>
+            </a:extLst>
+          </p:cNvPr>
+          <p:cNvSpPr/>
+          <p:nvPr/>
+        </p:nvSpPr>
+        <p:spPr>
+          <a:xfrm>
+            <a:off x="1565565" y="5735764"/>
+            <a:ext cx="1071419" cy="683491"/>
+          </a:xfrm>
+          <a:prstGeom prst="roundRect">
+            <a:avLst/>
+          </a:prstGeom>
+          <a:solidFill>
+            <a:schemeClr val="tx2">
+              <a:lumMod val="60000"/>
+              <a:lumOff val="40000"/>
+            </a:schemeClr>
+          </a:solidFill>
+        </p:spPr>
+        <p:style>
+          <a:lnRef idx="2">
+            <a:schemeClr val="accent1">
+              <a:shade val="50000"/>
+            </a:schemeClr>
+          </a:lnRef>
+          <a:fillRef idx="1">
+            <a:schemeClr val="accent1"/>
+          </a:fillRef>
+          <a:effectRef idx="0">
+            <a:schemeClr val="accent1"/>
+          </a:effectRef>
+          <a:fontRef idx="minor">
+            <a:schemeClr val="lt1"/>
+          </a:fontRef>
+        </p:style>
+        <p:txBody>
+          <a:bodyPr rtlCol="0" anchor="ctr"/>
+          <a:lstStyle/>
+          <a:p>
+            <a:pPr algn="ctr"/>
+            <a:r>
+              <a:rPr lang="en-US" dirty="0"/>
+              <a:t>Sensor</a:t>
+            </a:r>
+          </a:p>
+        </p:txBody>
+      </p:sp>
+      <p:sp>
+        <p:nvSpPr>
+          <p:cNvPr id="8" name="四角形: 角を丸くする 7">
+            <a:extLst>
+              <a:ext uri="{FF2B5EF4-FFF2-40B4-BE49-F238E27FC236}">
+                <a16:creationId xmlns:a16="http://schemas.microsoft.com/office/drawing/2014/main" id="{68E0748E-C430-4879-B24A-B4BF59F9E3EB}"/>
+              </a:ext>
+            </a:extLst>
+          </p:cNvPr>
+          <p:cNvSpPr/>
+          <p:nvPr/>
+        </p:nvSpPr>
+        <p:spPr>
+          <a:xfrm>
+            <a:off x="2872514" y="5735764"/>
+            <a:ext cx="1071419" cy="683491"/>
+          </a:xfrm>
+          <a:prstGeom prst="roundRect">
+            <a:avLst/>
+          </a:prstGeom>
+          <a:solidFill>
+            <a:schemeClr val="tx2">
+              <a:lumMod val="60000"/>
+              <a:lumOff val="40000"/>
+            </a:schemeClr>
+          </a:solidFill>
+        </p:spPr>
+        <p:style>
+          <a:lnRef idx="2">
+            <a:schemeClr val="accent1">
+              <a:shade val="50000"/>
+            </a:schemeClr>
+          </a:lnRef>
+          <a:fillRef idx="1">
+            <a:schemeClr val="accent1"/>
+          </a:fillRef>
+          <a:effectRef idx="0">
+            <a:schemeClr val="accent1"/>
+          </a:effectRef>
+          <a:fontRef idx="minor">
+            <a:schemeClr val="lt1"/>
+          </a:fontRef>
+        </p:style>
+        <p:txBody>
+          <a:bodyPr rtlCol="0" anchor="ctr"/>
+          <a:lstStyle/>
+          <a:p>
+            <a:pPr algn="ctr"/>
+            <a:r>
+              <a:rPr lang="en-US" dirty="0"/>
+              <a:t>Actuator</a:t>
+            </a:r>
+          </a:p>
+        </p:txBody>
+      </p:sp>
+      <p:sp>
+        <p:nvSpPr>
+          <p:cNvPr id="10" name="四角形: 角を丸くする 9">
+            <a:extLst>
+              <a:ext uri="{FF2B5EF4-FFF2-40B4-BE49-F238E27FC236}">
+                <a16:creationId xmlns:a16="http://schemas.microsoft.com/office/drawing/2014/main" id="{01D211B8-17C6-4F35-AB1C-5BB1F8591C90}"/>
+              </a:ext>
+            </a:extLst>
+          </p:cNvPr>
+          <p:cNvSpPr/>
+          <p:nvPr/>
+        </p:nvSpPr>
+        <p:spPr>
+          <a:xfrm>
+            <a:off x="3796144" y="4271800"/>
+            <a:ext cx="1071419" cy="683491"/>
+          </a:xfrm>
+          <a:prstGeom prst="roundRect">
+            <a:avLst/>
+          </a:prstGeom>
+          <a:solidFill>
+            <a:schemeClr val="tx2">
+              <a:lumMod val="60000"/>
+              <a:lumOff val="40000"/>
+            </a:schemeClr>
+          </a:solidFill>
+        </p:spPr>
+        <p:style>
+          <a:lnRef idx="2">
+            <a:schemeClr val="accent1">
+              <a:shade val="50000"/>
+            </a:schemeClr>
+          </a:lnRef>
+          <a:fillRef idx="1">
+            <a:schemeClr val="accent1"/>
+          </a:fillRef>
+          <a:effectRef idx="0">
+            <a:schemeClr val="accent1"/>
+          </a:effectRef>
+          <a:fontRef idx="minor">
+            <a:schemeClr val="lt1"/>
+          </a:fontRef>
+        </p:style>
+        <p:txBody>
+          <a:bodyPr rtlCol="0" anchor="ctr"/>
+          <a:lstStyle/>
+          <a:p>
+            <a:pPr algn="ctr"/>
+            <a:r>
+              <a:rPr lang="en-US" sz="1600" dirty="0"/>
+              <a:t>Scheduler</a:t>
+            </a:r>
+          </a:p>
+        </p:txBody>
+      </p:sp>
+      <p:sp>
+        <p:nvSpPr>
+          <p:cNvPr id="11" name="四角形: 角を丸くする 10">
+            <a:extLst>
+              <a:ext uri="{FF2B5EF4-FFF2-40B4-BE49-F238E27FC236}">
+                <a16:creationId xmlns:a16="http://schemas.microsoft.com/office/drawing/2014/main" id="{24A5DB66-2B2E-44ED-A5B9-C025EF67B632}"/>
+              </a:ext>
+            </a:extLst>
+          </p:cNvPr>
+          <p:cNvSpPr/>
+          <p:nvPr/>
+        </p:nvSpPr>
+        <p:spPr>
+          <a:xfrm>
+            <a:off x="5352470" y="4271800"/>
+            <a:ext cx="1071419" cy="683491"/>
+          </a:xfrm>
+          <a:prstGeom prst="roundRect">
+            <a:avLst/>
+          </a:prstGeom>
+          <a:solidFill>
+            <a:srgbClr val="92D050"/>
+          </a:solidFill>
+        </p:spPr>
+        <p:style>
+          <a:lnRef idx="2">
+            <a:schemeClr val="accent1">
+              <a:shade val="50000"/>
+            </a:schemeClr>
+          </a:lnRef>
+          <a:fillRef idx="1">
+            <a:schemeClr val="accent1"/>
+          </a:fillRef>
+          <a:effectRef idx="0">
+            <a:schemeClr val="accent1"/>
+          </a:effectRef>
+          <a:fontRef idx="minor">
+            <a:schemeClr val="lt1"/>
+          </a:fontRef>
+        </p:style>
+        <p:txBody>
+          <a:bodyPr rtlCol="0" anchor="ctr"/>
+          <a:lstStyle/>
+          <a:p>
+            <a:pPr algn="ctr"/>
+            <a:r>
+              <a:rPr lang="en-US" dirty="0"/>
+              <a:t>CLI</a:t>
+            </a:r>
+          </a:p>
+        </p:txBody>
+      </p:sp>
+      <p:sp>
+        <p:nvSpPr>
+          <p:cNvPr id="12" name="四角形: 角を丸くする 11">
+            <a:extLst>
+              <a:ext uri="{FF2B5EF4-FFF2-40B4-BE49-F238E27FC236}">
+                <a16:creationId xmlns:a16="http://schemas.microsoft.com/office/drawing/2014/main" id="{3D00613D-CB79-41C8-B344-839F70C4C0E7}"/>
+              </a:ext>
+            </a:extLst>
+          </p:cNvPr>
+          <p:cNvSpPr/>
+          <p:nvPr/>
+        </p:nvSpPr>
+        <p:spPr>
+          <a:xfrm>
+            <a:off x="8248074" y="2285996"/>
+            <a:ext cx="1071419" cy="683491"/>
+          </a:xfrm>
+          <a:prstGeom prst="roundRect">
+            <a:avLst/>
+          </a:prstGeom>
+          <a:solidFill>
+            <a:schemeClr val="accent4">
+              <a:lumMod val="75000"/>
+            </a:schemeClr>
+          </a:solidFill>
+        </p:spPr>
+        <p:style>
+          <a:lnRef idx="2">
+            <a:schemeClr val="accent1">
+              <a:shade val="50000"/>
+            </a:schemeClr>
+          </a:lnRef>
+          <a:fillRef idx="1">
+            <a:schemeClr val="accent1"/>
+          </a:fillRef>
+          <a:effectRef idx="0">
+            <a:schemeClr val="accent1"/>
+          </a:effectRef>
+          <a:fontRef idx="minor">
+            <a:schemeClr val="lt1"/>
+          </a:fontRef>
+        </p:style>
+        <p:txBody>
+          <a:bodyPr rtlCol="0" anchor="ctr"/>
+          <a:lstStyle/>
+          <a:p>
+            <a:pPr algn="ctr"/>
+            <a:r>
+              <a:rPr lang="en-US" dirty="0"/>
+              <a:t>DB client</a:t>
+            </a:r>
+          </a:p>
+        </p:txBody>
+      </p:sp>
+      <p:sp>
+        <p:nvSpPr>
+          <p:cNvPr id="13" name="楕円 12">
+            <a:extLst>
+              <a:ext uri="{FF2B5EF4-FFF2-40B4-BE49-F238E27FC236}">
+                <a16:creationId xmlns:a16="http://schemas.microsoft.com/office/drawing/2014/main" id="{872BEDD9-BF8E-4417-91BF-096163DD3E9C}"/>
+              </a:ext>
+            </a:extLst>
+          </p:cNvPr>
+          <p:cNvSpPr/>
+          <p:nvPr/>
+        </p:nvSpPr>
+        <p:spPr>
+          <a:xfrm>
+            <a:off x="7084295" y="4336463"/>
+            <a:ext cx="609600" cy="558801"/>
+          </a:xfrm>
+          <a:prstGeom prst="ellipse">
+            <a:avLst/>
+          </a:prstGeom>
+        </p:spPr>
+        <p:style>
+          <a:lnRef idx="2">
+            <a:schemeClr val="accent1">
+              <a:shade val="50000"/>
+            </a:schemeClr>
+          </a:lnRef>
+          <a:fillRef idx="1">
+            <a:schemeClr val="accent1"/>
+          </a:fillRef>
+          <a:effectRef idx="0">
+            <a:schemeClr val="accent1"/>
+          </a:effectRef>
+          <a:fontRef idx="minor">
+            <a:schemeClr val="lt1"/>
+          </a:fontRef>
+        </p:style>
+        <p:txBody>
+          <a:bodyPr rtlCol="0" anchor="ctr"/>
+          <a:lstStyle/>
+          <a:p>
+            <a:pPr algn="ctr"/>
+            <a:r>
+              <a:rPr lang="en-US" sz="1100" dirty="0" err="1"/>
+              <a:t>msg</a:t>
+            </a:r>
+            <a:endParaRPr lang="en-US" sz="1100" dirty="0"/>
+          </a:p>
+          <a:p>
+            <a:pPr algn="ctr"/>
+            <a:r>
+              <a:rPr lang="en-US" sz="1100" dirty="0"/>
+              <a:t>bus</a:t>
+            </a:r>
+          </a:p>
+        </p:txBody>
+      </p:sp>
+      <p:sp>
+        <p:nvSpPr>
+          <p:cNvPr id="14" name="楕円 13">
+            <a:extLst>
+              <a:ext uri="{FF2B5EF4-FFF2-40B4-BE49-F238E27FC236}">
+                <a16:creationId xmlns:a16="http://schemas.microsoft.com/office/drawing/2014/main" id="{E76A7B73-4D6E-4EFA-B5A1-43FAE3865F32}"/>
+              </a:ext>
+            </a:extLst>
+          </p:cNvPr>
+          <p:cNvSpPr/>
+          <p:nvPr/>
+        </p:nvSpPr>
+        <p:spPr>
+          <a:xfrm>
+            <a:off x="9702802" y="2355267"/>
+            <a:ext cx="609600" cy="558801"/>
+          </a:xfrm>
+          <a:prstGeom prst="ellipse">
+            <a:avLst/>
+          </a:prstGeom>
+        </p:spPr>
+        <p:style>
+          <a:lnRef idx="2">
+            <a:schemeClr val="accent1">
+              <a:shade val="50000"/>
+            </a:schemeClr>
+          </a:lnRef>
+          <a:fillRef idx="1">
+            <a:schemeClr val="accent1"/>
+          </a:fillRef>
+          <a:effectRef idx="0">
+            <a:schemeClr val="accent1"/>
+          </a:effectRef>
+          <a:fontRef idx="minor">
+            <a:schemeClr val="lt1"/>
+          </a:fontRef>
+        </p:style>
+        <p:txBody>
+          <a:bodyPr rtlCol="0" anchor="ctr"/>
+          <a:lstStyle/>
+          <a:p>
+            <a:pPr algn="ctr"/>
+            <a:r>
+              <a:rPr lang="en-US" sz="1050" dirty="0" err="1"/>
+              <a:t>msg</a:t>
+            </a:r>
+            <a:endParaRPr lang="en-US" sz="1050" dirty="0"/>
+          </a:p>
+          <a:p>
+            <a:pPr algn="ctr"/>
+            <a:r>
+              <a:rPr lang="en-US" sz="1050" dirty="0"/>
+              <a:t>bus</a:t>
+            </a:r>
+          </a:p>
+        </p:txBody>
+      </p:sp>
+      <p:sp>
+        <p:nvSpPr>
+          <p:cNvPr id="15" name="四角形: 角を丸くする 14">
+            <a:extLst>
+              <a:ext uri="{FF2B5EF4-FFF2-40B4-BE49-F238E27FC236}">
+                <a16:creationId xmlns:a16="http://schemas.microsoft.com/office/drawing/2014/main" id="{C5CD6721-3E05-420A-9014-DA335E477CED}"/>
+              </a:ext>
+            </a:extLst>
+          </p:cNvPr>
+          <p:cNvSpPr/>
+          <p:nvPr/>
+        </p:nvSpPr>
+        <p:spPr>
+          <a:xfrm>
+            <a:off x="10760372" y="2297541"/>
+            <a:ext cx="1071419" cy="683491"/>
+          </a:xfrm>
+          <a:prstGeom prst="roundRect">
+            <a:avLst/>
+          </a:prstGeom>
+          <a:solidFill>
+            <a:schemeClr val="accent4">
+              <a:lumMod val="75000"/>
+            </a:schemeClr>
+          </a:solidFill>
+        </p:spPr>
+        <p:style>
+          <a:lnRef idx="2">
+            <a:schemeClr val="accent1">
+              <a:shade val="50000"/>
+            </a:schemeClr>
+          </a:lnRef>
+          <a:fillRef idx="1">
+            <a:schemeClr val="accent1"/>
+          </a:fillRef>
+          <a:effectRef idx="0">
+            <a:schemeClr val="accent1"/>
+          </a:effectRef>
+          <a:fontRef idx="minor">
+            <a:schemeClr val="lt1"/>
+          </a:fontRef>
+        </p:style>
+        <p:txBody>
+          <a:bodyPr rtlCol="0" anchor="ctr"/>
+          <a:lstStyle/>
+          <a:p>
+            <a:pPr algn="ctr"/>
+            <a:r>
+              <a:rPr lang="en-US" dirty="0"/>
+              <a:t>DB</a:t>
+            </a:r>
+          </a:p>
+          <a:p>
+            <a:pPr algn="ctr"/>
+            <a:r>
+              <a:rPr lang="en-US" dirty="0"/>
+              <a:t>server</a:t>
+            </a:r>
+          </a:p>
+        </p:txBody>
+      </p:sp>
+      <p:cxnSp>
+        <p:nvCxnSpPr>
+          <p:cNvPr id="17" name="コネクタ: カギ線 16">
+            <a:extLst>
+              <a:ext uri="{FF2B5EF4-FFF2-40B4-BE49-F238E27FC236}">
+                <a16:creationId xmlns:a16="http://schemas.microsoft.com/office/drawing/2014/main" id="{94E2760E-4FE6-464E-B89E-4153372CFF45}"/>
+              </a:ext>
+            </a:extLst>
+          </p:cNvPr>
+          <p:cNvCxnSpPr>
+            <a:stCxn id="4" idx="0"/>
+            <a:endCxn id="10" idx="1"/>
+          </p:cNvCxnSpPr>
+          <p:nvPr/>
+        </p:nvCxnSpPr>
+        <p:spPr>
+          <a:xfrm rot="5400000" flipH="1" flipV="1">
+            <a:off x="1724890" y="3664512"/>
+            <a:ext cx="1122219" cy="3020289"/>
+          </a:xfrm>
+          <a:prstGeom prst="bentConnector2">
+            <a:avLst/>
+          </a:prstGeom>
+          <a:ln w="76200">
+            <a:tailEnd type="triangle"/>
+          </a:ln>
+        </p:spPr>
+        <p:style>
+          <a:lnRef idx="1">
+            <a:schemeClr val="accent1"/>
+          </a:lnRef>
+          <a:fillRef idx="0">
+            <a:schemeClr val="accent1"/>
+          </a:fillRef>
+          <a:effectRef idx="0">
+            <a:schemeClr val="accent1"/>
+          </a:effectRef>
+          <a:fontRef idx="minor">
+            <a:schemeClr val="tx1"/>
+          </a:fontRef>
+        </p:style>
+      </p:cxnSp>
+      <p:cxnSp>
+        <p:nvCxnSpPr>
+          <p:cNvPr id="19" name="コネクタ: カギ線 18">
+            <a:extLst>
+              <a:ext uri="{FF2B5EF4-FFF2-40B4-BE49-F238E27FC236}">
+                <a16:creationId xmlns:a16="http://schemas.microsoft.com/office/drawing/2014/main" id="{B38534ED-80AE-4747-84E2-89F4E5236BA6}"/>
+              </a:ext>
+            </a:extLst>
+          </p:cNvPr>
+          <p:cNvCxnSpPr>
+            <a:cxnSpLocks/>
+            <a:stCxn id="7" idx="0"/>
+            <a:endCxn id="10" idx="1"/>
+          </p:cNvCxnSpPr>
+          <p:nvPr/>
+        </p:nvCxnSpPr>
+        <p:spPr>
+          <a:xfrm rot="5400000" flipH="1" flipV="1">
+            <a:off x="2387600" y="4327221"/>
+            <a:ext cx="1122218" cy="1694869"/>
+          </a:xfrm>
+          <a:prstGeom prst="bentConnector2">
+            <a:avLst/>
+          </a:prstGeom>
+          <a:ln w="76200">
+            <a:tailEnd type="triangle"/>
+          </a:ln>
+        </p:spPr>
+        <p:style>
+          <a:lnRef idx="1">
+            <a:schemeClr val="accent1"/>
+          </a:lnRef>
+          <a:fillRef idx="0">
+            <a:schemeClr val="accent1"/>
+          </a:fillRef>
+          <a:effectRef idx="0">
+            <a:schemeClr val="accent1"/>
+          </a:effectRef>
+          <a:fontRef idx="minor">
+            <a:schemeClr val="tx1"/>
+          </a:fontRef>
+        </p:style>
+      </p:cxnSp>
+      <p:cxnSp>
+        <p:nvCxnSpPr>
+          <p:cNvPr id="21" name="コネクタ: カギ線 20">
+            <a:extLst>
+              <a:ext uri="{FF2B5EF4-FFF2-40B4-BE49-F238E27FC236}">
+                <a16:creationId xmlns:a16="http://schemas.microsoft.com/office/drawing/2014/main" id="{D4493AA3-CC5B-49A0-8349-F612EAEA3D2D}"/>
+              </a:ext>
+            </a:extLst>
+          </p:cNvPr>
+          <p:cNvCxnSpPr>
+            <a:cxnSpLocks/>
+            <a:stCxn id="10" idx="2"/>
+            <a:endCxn id="8" idx="0"/>
+          </p:cNvCxnSpPr>
+          <p:nvPr/>
+        </p:nvCxnSpPr>
+        <p:spPr>
+          <a:xfrm rot="5400000">
+            <a:off x="3479803" y="4883712"/>
+            <a:ext cx="780473" cy="923630"/>
+          </a:xfrm>
+          <a:prstGeom prst="bentConnector3">
+            <a:avLst>
+              <a:gd name="adj1" fmla="val 50000"/>
+            </a:avLst>
+          </a:prstGeom>
+          <a:ln w="76200">
+            <a:tailEnd type="triangle"/>
+          </a:ln>
+        </p:spPr>
+        <p:style>
+          <a:lnRef idx="1">
+            <a:schemeClr val="accent1"/>
+          </a:lnRef>
+          <a:fillRef idx="0">
+            <a:schemeClr val="accent1"/>
+          </a:fillRef>
+          <a:effectRef idx="0">
+            <a:schemeClr val="accent1"/>
+          </a:effectRef>
+          <a:fontRef idx="minor">
+            <a:schemeClr val="tx1"/>
+          </a:fontRef>
+        </p:style>
+      </p:cxnSp>
+      <p:cxnSp>
+        <p:nvCxnSpPr>
+          <p:cNvPr id="36" name="直線矢印コネクタ 35">
+            <a:extLst>
+              <a:ext uri="{FF2B5EF4-FFF2-40B4-BE49-F238E27FC236}">
+                <a16:creationId xmlns:a16="http://schemas.microsoft.com/office/drawing/2014/main" id="{3964586F-3489-4816-A2C4-69A9052907CC}"/>
+              </a:ext>
+            </a:extLst>
+          </p:cNvPr>
+          <p:cNvCxnSpPr>
+            <a:stCxn id="10" idx="3"/>
+            <a:endCxn id="11" idx="1"/>
+          </p:cNvCxnSpPr>
+          <p:nvPr/>
+        </p:nvCxnSpPr>
+        <p:spPr>
+          <a:xfrm>
+            <a:off x="4867563" y="4613546"/>
+            <a:ext cx="484907" cy="0"/>
+          </a:xfrm>
+          <a:prstGeom prst="straightConnector1">
+            <a:avLst/>
+          </a:prstGeom>
+          <a:ln w="76200">
+            <a:tailEnd type="triangle"/>
+          </a:ln>
+        </p:spPr>
+        <p:style>
+          <a:lnRef idx="1">
+            <a:schemeClr val="accent1"/>
+          </a:lnRef>
+          <a:fillRef idx="0">
+            <a:schemeClr val="accent1"/>
+          </a:fillRef>
+          <a:effectRef idx="0">
+            <a:schemeClr val="accent1"/>
+          </a:effectRef>
+          <a:fontRef idx="minor">
+            <a:schemeClr val="tx1"/>
+          </a:fontRef>
+        </p:style>
+      </p:cxnSp>
+      <p:cxnSp>
+        <p:nvCxnSpPr>
+          <p:cNvPr id="37" name="直線矢印コネクタ 36">
+            <a:extLst>
+              <a:ext uri="{FF2B5EF4-FFF2-40B4-BE49-F238E27FC236}">
+                <a16:creationId xmlns:a16="http://schemas.microsoft.com/office/drawing/2014/main" id="{B4DA2DA9-FA55-428D-AB9A-A560474AAAE0}"/>
+              </a:ext>
+            </a:extLst>
+          </p:cNvPr>
+          <p:cNvCxnSpPr>
+            <a:cxnSpLocks/>
+            <a:stCxn id="11" idx="3"/>
+            <a:endCxn id="13" idx="2"/>
+          </p:cNvCxnSpPr>
+          <p:nvPr/>
+        </p:nvCxnSpPr>
+        <p:spPr>
+          <a:xfrm>
+            <a:off x="6423889" y="4613546"/>
+            <a:ext cx="660406" cy="2318"/>
+          </a:xfrm>
+          <a:prstGeom prst="straightConnector1">
+            <a:avLst/>
+          </a:prstGeom>
+          <a:ln w="76200">
+            <a:tailEnd type="triangle"/>
+          </a:ln>
+        </p:spPr>
+        <p:style>
+          <a:lnRef idx="1">
+            <a:schemeClr val="accent1"/>
+          </a:lnRef>
+          <a:fillRef idx="0">
+            <a:schemeClr val="accent1"/>
+          </a:fillRef>
+          <a:effectRef idx="0">
+            <a:schemeClr val="accent1"/>
+          </a:effectRef>
+          <a:fontRef idx="minor">
+            <a:schemeClr val="tx1"/>
+          </a:fontRef>
+        </p:style>
+      </p:cxnSp>
+      <p:cxnSp>
+        <p:nvCxnSpPr>
+          <p:cNvPr id="40" name="直線矢印コネクタ 39">
+            <a:extLst>
+              <a:ext uri="{FF2B5EF4-FFF2-40B4-BE49-F238E27FC236}">
+                <a16:creationId xmlns:a16="http://schemas.microsoft.com/office/drawing/2014/main" id="{BF567CDF-FF7C-4F0F-9ED4-5010136D2DF6}"/>
+              </a:ext>
+            </a:extLst>
+          </p:cNvPr>
+          <p:cNvCxnSpPr>
+            <a:cxnSpLocks/>
+            <a:stCxn id="104" idx="0"/>
+            <a:endCxn id="12" idx="2"/>
+          </p:cNvCxnSpPr>
+          <p:nvPr/>
+        </p:nvCxnSpPr>
+        <p:spPr>
+          <a:xfrm flipH="1" flipV="1">
+            <a:off x="8783784" y="2969487"/>
+            <a:ext cx="13856" cy="1304629"/>
+          </a:xfrm>
+          <a:prstGeom prst="straightConnector1">
+            <a:avLst/>
+          </a:prstGeom>
+          <a:ln w="76200">
+            <a:tailEnd type="triangle"/>
+          </a:ln>
+        </p:spPr>
+        <p:style>
+          <a:lnRef idx="1">
+            <a:schemeClr val="accent1"/>
+          </a:lnRef>
+          <a:fillRef idx="0">
+            <a:schemeClr val="accent1"/>
+          </a:fillRef>
+          <a:effectRef idx="0">
+            <a:schemeClr val="accent1"/>
+          </a:effectRef>
+          <a:fontRef idx="minor">
+            <a:schemeClr val="tx1"/>
+          </a:fontRef>
+        </p:style>
+      </p:cxnSp>
+      <p:cxnSp>
+        <p:nvCxnSpPr>
+          <p:cNvPr id="44" name="直線矢印コネクタ 43">
+            <a:extLst>
+              <a:ext uri="{FF2B5EF4-FFF2-40B4-BE49-F238E27FC236}">
+                <a16:creationId xmlns:a16="http://schemas.microsoft.com/office/drawing/2014/main" id="{9090E84C-BCA6-4BB8-84E0-DDDC815BE2F0}"/>
+              </a:ext>
+            </a:extLst>
+          </p:cNvPr>
+          <p:cNvCxnSpPr>
+            <a:cxnSpLocks/>
+            <a:stCxn id="12" idx="3"/>
+            <a:endCxn id="14" idx="2"/>
+          </p:cNvCxnSpPr>
+          <p:nvPr/>
+        </p:nvCxnSpPr>
+        <p:spPr>
+          <a:xfrm>
+            <a:off x="9319493" y="2627742"/>
+            <a:ext cx="383309" cy="6926"/>
+          </a:xfrm>
+          <a:prstGeom prst="straightConnector1">
+            <a:avLst/>
+          </a:prstGeom>
+          <a:ln w="76200">
+            <a:tailEnd type="triangle"/>
+          </a:ln>
+        </p:spPr>
+        <p:style>
+          <a:lnRef idx="1">
+            <a:schemeClr val="accent1"/>
+          </a:lnRef>
+          <a:fillRef idx="0">
+            <a:schemeClr val="accent1"/>
+          </a:fillRef>
+          <a:effectRef idx="0">
+            <a:schemeClr val="accent1"/>
+          </a:effectRef>
+          <a:fontRef idx="minor">
+            <a:schemeClr val="tx1"/>
+          </a:fontRef>
+        </p:style>
+      </p:cxnSp>
+      <p:cxnSp>
+        <p:nvCxnSpPr>
+          <p:cNvPr id="47" name="直線矢印コネクタ 46">
+            <a:extLst>
+              <a:ext uri="{FF2B5EF4-FFF2-40B4-BE49-F238E27FC236}">
+                <a16:creationId xmlns:a16="http://schemas.microsoft.com/office/drawing/2014/main" id="{1431831E-1E16-40A9-AB5D-106FC3C6DEA7}"/>
+              </a:ext>
+            </a:extLst>
+          </p:cNvPr>
+          <p:cNvCxnSpPr>
+            <a:cxnSpLocks/>
+            <a:stCxn id="14" idx="6"/>
+            <a:endCxn id="15" idx="1"/>
+          </p:cNvCxnSpPr>
+          <p:nvPr/>
+        </p:nvCxnSpPr>
+        <p:spPr>
+          <a:xfrm>
+            <a:off x="10312402" y="2634668"/>
+            <a:ext cx="447970" cy="4619"/>
+          </a:xfrm>
+          <a:prstGeom prst="straightConnector1">
+            <a:avLst/>
+          </a:prstGeom>
+          <a:ln w="76200">
+            <a:tailEnd type="triangle"/>
+          </a:ln>
+        </p:spPr>
+        <p:style>
+          <a:lnRef idx="1">
+            <a:schemeClr val="accent1"/>
+          </a:lnRef>
+          <a:fillRef idx="0">
+            <a:schemeClr val="accent1"/>
+          </a:fillRef>
+          <a:effectRef idx="0">
+            <a:schemeClr val="accent1"/>
+          </a:effectRef>
+          <a:fontRef idx="minor">
+            <a:schemeClr val="tx1"/>
+          </a:fontRef>
+        </p:style>
+      </p:cxnSp>
+      <p:sp>
+        <p:nvSpPr>
+          <p:cNvPr id="60" name="四角形: 角を丸くする 59">
+            <a:extLst>
+              <a:ext uri="{FF2B5EF4-FFF2-40B4-BE49-F238E27FC236}">
+                <a16:creationId xmlns:a16="http://schemas.microsoft.com/office/drawing/2014/main" id="{1BB8BFB3-5E97-4FA2-83CA-E8B07FF818A1}"/>
+              </a:ext>
+            </a:extLst>
+          </p:cNvPr>
+          <p:cNvSpPr/>
+          <p:nvPr/>
+        </p:nvSpPr>
+        <p:spPr>
+          <a:xfrm>
+            <a:off x="8248073" y="5800431"/>
+            <a:ext cx="1071419" cy="683491"/>
+          </a:xfrm>
+          <a:prstGeom prst="roundRect">
+            <a:avLst/>
+          </a:prstGeom>
+          <a:solidFill>
+            <a:srgbClr val="00B0F0"/>
+          </a:solidFill>
+        </p:spPr>
+        <p:style>
+          <a:lnRef idx="2">
+            <a:schemeClr val="accent1">
+              <a:shade val="50000"/>
+            </a:schemeClr>
+          </a:lnRef>
+          <a:fillRef idx="1">
+            <a:schemeClr val="accent1"/>
+          </a:fillRef>
+          <a:effectRef idx="0">
+            <a:schemeClr val="accent1"/>
+          </a:effectRef>
+          <a:fontRef idx="minor">
+            <a:schemeClr val="lt1"/>
+          </a:fontRef>
+        </p:style>
+        <p:txBody>
+          <a:bodyPr rtlCol="0" anchor="ctr"/>
+          <a:lstStyle/>
+          <a:p>
+            <a:pPr algn="ctr"/>
+            <a:r>
+              <a:rPr lang="en-US" sz="1600" dirty="0"/>
+              <a:t>Visualizer</a:t>
+            </a:r>
+          </a:p>
+        </p:txBody>
+      </p:sp>
+      <p:cxnSp>
+        <p:nvCxnSpPr>
+          <p:cNvPr id="66" name="コネクタ: カギ線 65">
+            <a:extLst>
+              <a:ext uri="{FF2B5EF4-FFF2-40B4-BE49-F238E27FC236}">
+                <a16:creationId xmlns:a16="http://schemas.microsoft.com/office/drawing/2014/main" id="{45AC4427-9BD9-479D-95CC-50AC7FF3CBED}"/>
+              </a:ext>
+            </a:extLst>
+          </p:cNvPr>
+          <p:cNvCxnSpPr>
+            <a:cxnSpLocks/>
+            <a:stCxn id="119" idx="4"/>
+            <a:endCxn id="60" idx="1"/>
+          </p:cNvCxnSpPr>
+          <p:nvPr/>
+        </p:nvCxnSpPr>
+        <p:spPr>
+          <a:xfrm rot="16200000" flipH="1">
+            <a:off x="7659255" y="5553359"/>
+            <a:ext cx="327894" cy="849742"/>
+          </a:xfrm>
+          <a:prstGeom prst="bentConnector2">
+            <a:avLst/>
+          </a:prstGeom>
+          <a:ln w="76200">
+            <a:tailEnd type="triangle"/>
+          </a:ln>
+        </p:spPr>
+        <p:style>
+          <a:lnRef idx="1">
+            <a:schemeClr val="accent1"/>
+          </a:lnRef>
+          <a:fillRef idx="0">
+            <a:schemeClr val="accent1"/>
+          </a:fillRef>
+          <a:effectRef idx="0">
+            <a:schemeClr val="accent1"/>
+          </a:effectRef>
+          <a:fontRef idx="minor">
+            <a:schemeClr val="tx1"/>
+          </a:fontRef>
+        </p:style>
+      </p:cxnSp>
+      <p:sp>
+        <p:nvSpPr>
+          <p:cNvPr id="104" name="四角形: 角を丸くする 103">
+            <a:extLst>
+              <a:ext uri="{FF2B5EF4-FFF2-40B4-BE49-F238E27FC236}">
+                <a16:creationId xmlns:a16="http://schemas.microsoft.com/office/drawing/2014/main" id="{F1C92791-1A60-49DB-946A-3437A109F333}"/>
+              </a:ext>
+            </a:extLst>
+          </p:cNvPr>
+          <p:cNvSpPr/>
+          <p:nvPr/>
+        </p:nvSpPr>
+        <p:spPr>
+          <a:xfrm>
+            <a:off x="8261930" y="4274116"/>
+            <a:ext cx="1071419" cy="683491"/>
+          </a:xfrm>
+          <a:prstGeom prst="roundRect">
+            <a:avLst/>
+          </a:prstGeom>
+          <a:solidFill>
+            <a:srgbClr val="FF0000"/>
+          </a:solidFill>
+        </p:spPr>
+        <p:style>
+          <a:lnRef idx="2">
+            <a:schemeClr val="accent1">
+              <a:shade val="50000"/>
+            </a:schemeClr>
+          </a:lnRef>
+          <a:fillRef idx="1">
+            <a:schemeClr val="accent1"/>
+          </a:fillRef>
+          <a:effectRef idx="0">
+            <a:schemeClr val="accent1"/>
+          </a:effectRef>
+          <a:fontRef idx="minor">
+            <a:schemeClr val="lt1"/>
+          </a:fontRef>
+        </p:style>
+        <p:txBody>
+          <a:bodyPr rtlCol="0" anchor="ctr"/>
+          <a:lstStyle/>
+          <a:p>
+            <a:pPr algn="ctr"/>
+            <a:r>
+              <a:rPr lang="en-US" sz="1400" dirty="0"/>
+              <a:t>Edge computing</a:t>
+            </a:r>
+          </a:p>
+        </p:txBody>
+      </p:sp>
+      <p:cxnSp>
+        <p:nvCxnSpPr>
+          <p:cNvPr id="112" name="コネクタ: カギ線 111">
+            <a:extLst>
+              <a:ext uri="{FF2B5EF4-FFF2-40B4-BE49-F238E27FC236}">
+                <a16:creationId xmlns:a16="http://schemas.microsoft.com/office/drawing/2014/main" id="{4C5BE679-DB06-4181-B4E2-F6653E12EDF4}"/>
+              </a:ext>
+            </a:extLst>
+          </p:cNvPr>
+          <p:cNvCxnSpPr>
+            <a:cxnSpLocks/>
+            <a:stCxn id="104" idx="2"/>
+            <a:endCxn id="119" idx="6"/>
+          </p:cNvCxnSpPr>
+          <p:nvPr/>
+        </p:nvCxnSpPr>
+        <p:spPr>
+          <a:xfrm rot="5400000">
+            <a:off x="7961748" y="4698991"/>
+            <a:ext cx="577276" cy="1094509"/>
+          </a:xfrm>
+          <a:prstGeom prst="bentConnector2">
+            <a:avLst/>
+          </a:prstGeom>
+          <a:ln w="76200">
+            <a:tailEnd type="triangle"/>
+          </a:ln>
+        </p:spPr>
+        <p:style>
+          <a:lnRef idx="1">
+            <a:schemeClr val="accent1"/>
+          </a:lnRef>
+          <a:fillRef idx="0">
+            <a:schemeClr val="accent1"/>
+          </a:fillRef>
+          <a:effectRef idx="0">
+            <a:schemeClr val="accent1"/>
+          </a:effectRef>
+          <a:fontRef idx="minor">
+            <a:schemeClr val="tx1"/>
+          </a:fontRef>
+        </p:style>
+      </p:cxnSp>
+      <p:sp>
+        <p:nvSpPr>
+          <p:cNvPr id="119" name="楕円 118">
+            <a:extLst>
+              <a:ext uri="{FF2B5EF4-FFF2-40B4-BE49-F238E27FC236}">
+                <a16:creationId xmlns:a16="http://schemas.microsoft.com/office/drawing/2014/main" id="{44A0F3AA-959E-4021-ADE8-F484426B9519}"/>
+              </a:ext>
+            </a:extLst>
+          </p:cNvPr>
+          <p:cNvSpPr/>
+          <p:nvPr/>
+        </p:nvSpPr>
+        <p:spPr>
+          <a:xfrm>
+            <a:off x="7093531" y="5255482"/>
+            <a:ext cx="609600" cy="558801"/>
+          </a:xfrm>
+          <a:prstGeom prst="ellipse">
+            <a:avLst/>
+          </a:prstGeom>
+        </p:spPr>
+        <p:style>
+          <a:lnRef idx="2">
+            <a:schemeClr val="accent1">
+              <a:shade val="50000"/>
+            </a:schemeClr>
+          </a:lnRef>
+          <a:fillRef idx="1">
+            <a:schemeClr val="accent1"/>
+          </a:fillRef>
+          <a:effectRef idx="0">
+            <a:schemeClr val="accent1"/>
+          </a:effectRef>
+          <a:fontRef idx="minor">
+            <a:schemeClr val="lt1"/>
+          </a:fontRef>
+        </p:style>
+        <p:txBody>
+          <a:bodyPr rtlCol="0" anchor="ctr"/>
+          <a:lstStyle/>
+          <a:p>
+            <a:pPr algn="ctr"/>
+            <a:r>
+              <a:rPr lang="en-US" sz="1000" dirty="0" err="1"/>
+              <a:t>msg</a:t>
+            </a:r>
+            <a:endParaRPr lang="en-US" sz="1000" dirty="0"/>
+          </a:p>
+          <a:p>
+            <a:pPr algn="ctr"/>
+            <a:r>
+              <a:rPr lang="en-US" sz="1000" dirty="0"/>
+              <a:t>bus</a:t>
+            </a:r>
+          </a:p>
+        </p:txBody>
+      </p:sp>
+      <p:cxnSp>
+        <p:nvCxnSpPr>
+          <p:cNvPr id="124" name="コネクタ: カギ線 123">
+            <a:extLst>
+              <a:ext uri="{FF2B5EF4-FFF2-40B4-BE49-F238E27FC236}">
+                <a16:creationId xmlns:a16="http://schemas.microsoft.com/office/drawing/2014/main" id="{D402C7A7-7FFF-4047-A751-59004AFD730B}"/>
+              </a:ext>
+            </a:extLst>
+          </p:cNvPr>
+          <p:cNvCxnSpPr>
+            <a:cxnSpLocks/>
+            <a:stCxn id="119" idx="2"/>
+            <a:endCxn id="11" idx="2"/>
+          </p:cNvCxnSpPr>
+          <p:nvPr/>
+        </p:nvCxnSpPr>
+        <p:spPr>
+          <a:xfrm rot="10800000">
+            <a:off x="5888181" y="4955291"/>
+            <a:ext cx="1205351" cy="579592"/>
+          </a:xfrm>
+          <a:prstGeom prst="bentConnector2">
+            <a:avLst/>
+          </a:prstGeom>
+          <a:ln w="76200">
+            <a:tailEnd type="triangle"/>
+          </a:ln>
+        </p:spPr>
+        <p:style>
+          <a:lnRef idx="1">
+            <a:schemeClr val="accent1"/>
+          </a:lnRef>
+          <a:fillRef idx="0">
+            <a:schemeClr val="accent1"/>
+          </a:fillRef>
+          <a:effectRef idx="0">
+            <a:schemeClr val="accent1"/>
+          </a:effectRef>
+          <a:fontRef idx="minor">
+            <a:schemeClr val="tx1"/>
+          </a:fontRef>
+        </p:style>
+      </p:cxnSp>
+      <p:cxnSp>
+        <p:nvCxnSpPr>
+          <p:cNvPr id="127" name="コネクタ: カギ線 126">
+            <a:extLst>
+              <a:ext uri="{FF2B5EF4-FFF2-40B4-BE49-F238E27FC236}">
+                <a16:creationId xmlns:a16="http://schemas.microsoft.com/office/drawing/2014/main" id="{A6FE3A89-FB84-4FCE-A878-D492EC390711}"/>
+              </a:ext>
+            </a:extLst>
+          </p:cNvPr>
+          <p:cNvCxnSpPr>
+            <a:cxnSpLocks/>
+            <a:stCxn id="11" idx="0"/>
+            <a:endCxn id="10" idx="0"/>
+          </p:cNvCxnSpPr>
+          <p:nvPr/>
+        </p:nvCxnSpPr>
+        <p:spPr>
+          <a:xfrm rot="16200000" flipV="1">
+            <a:off x="5110017" y="3493637"/>
+            <a:ext cx="12700" cy="1556326"/>
+          </a:xfrm>
+          <a:prstGeom prst="bentConnector3">
+            <a:avLst>
+              <a:gd name="adj1" fmla="val 3763638"/>
+            </a:avLst>
+          </a:prstGeom>
+          <a:ln w="76200">
+            <a:tailEnd type="triangle"/>
+          </a:ln>
+        </p:spPr>
+        <p:style>
+          <a:lnRef idx="1">
+            <a:schemeClr val="accent1"/>
+          </a:lnRef>
+          <a:fillRef idx="0">
+            <a:schemeClr val="accent1"/>
+          </a:fillRef>
+          <a:effectRef idx="0">
+            <a:schemeClr val="accent1"/>
+          </a:effectRef>
+          <a:fontRef idx="minor">
+            <a:schemeClr val="tx1"/>
+          </a:fontRef>
+        </p:style>
+      </p:cxnSp>
+      <p:sp>
+        <p:nvSpPr>
+          <p:cNvPr id="147" name="フローチャート: 磁気ディスク 146">
+            <a:extLst>
+              <a:ext uri="{FF2B5EF4-FFF2-40B4-BE49-F238E27FC236}">
+                <a16:creationId xmlns:a16="http://schemas.microsoft.com/office/drawing/2014/main" id="{4FE8FB7B-CBD1-4015-B29E-00FCC5AA55BC}"/>
+              </a:ext>
+            </a:extLst>
+          </p:cNvPr>
+          <p:cNvSpPr/>
+          <p:nvPr/>
+        </p:nvSpPr>
+        <p:spPr>
+          <a:xfrm>
+            <a:off x="10760372" y="3314697"/>
+            <a:ext cx="1071419" cy="1315029"/>
+          </a:xfrm>
+          <a:prstGeom prst="flowChartMagneticDisk">
+            <a:avLst/>
+          </a:prstGeom>
+          <a:solidFill>
+            <a:schemeClr val="accent2">
+              <a:lumMod val="60000"/>
+              <a:lumOff val="40000"/>
+            </a:schemeClr>
+          </a:solidFill>
+        </p:spPr>
+        <p:style>
+          <a:lnRef idx="2">
+            <a:schemeClr val="accent1">
+              <a:shade val="50000"/>
+            </a:schemeClr>
+          </a:lnRef>
+          <a:fillRef idx="1">
+            <a:schemeClr val="accent1"/>
+          </a:fillRef>
+          <a:effectRef idx="0">
+            <a:schemeClr val="accent1"/>
+          </a:effectRef>
+          <a:fontRef idx="minor">
+            <a:schemeClr val="lt1"/>
+          </a:fontRef>
+        </p:style>
+        <p:txBody>
+          <a:bodyPr rtlCol="0" anchor="ctr"/>
+          <a:lstStyle/>
+          <a:p>
+            <a:pPr algn="ctr"/>
+            <a:r>
+              <a:rPr lang="en-US" sz="1600" dirty="0"/>
+              <a:t>Cloud</a:t>
+            </a:r>
+          </a:p>
+          <a:p>
+            <a:pPr algn="ctr"/>
+            <a:r>
+              <a:rPr lang="en-US" sz="1600" dirty="0"/>
+              <a:t>Database</a:t>
+            </a:r>
+          </a:p>
+        </p:txBody>
+      </p:sp>
+      <p:cxnSp>
+        <p:nvCxnSpPr>
+          <p:cNvPr id="158" name="直線矢印コネクタ 157">
+            <a:extLst>
+              <a:ext uri="{FF2B5EF4-FFF2-40B4-BE49-F238E27FC236}">
+                <a16:creationId xmlns:a16="http://schemas.microsoft.com/office/drawing/2014/main" id="{EEDB4AD6-8CE6-461F-A4BD-1703AA08629B}"/>
+              </a:ext>
+            </a:extLst>
+          </p:cNvPr>
+          <p:cNvCxnSpPr>
+            <a:cxnSpLocks/>
+            <a:stCxn id="13" idx="6"/>
+            <a:endCxn id="104" idx="1"/>
+          </p:cNvCxnSpPr>
+          <p:nvPr/>
+        </p:nvCxnSpPr>
+        <p:spPr>
+          <a:xfrm flipV="1">
+            <a:off x="7693895" y="4615862"/>
+            <a:ext cx="568035" cy="2"/>
+          </a:xfrm>
+          <a:prstGeom prst="straightConnector1">
+            <a:avLst/>
+          </a:prstGeom>
+          <a:ln w="76200">
+            <a:tailEnd type="triangle"/>
+          </a:ln>
+        </p:spPr>
+        <p:style>
+          <a:lnRef idx="1">
+            <a:schemeClr val="accent1"/>
+          </a:lnRef>
+          <a:fillRef idx="0">
+            <a:schemeClr val="accent1"/>
+          </a:fillRef>
+          <a:effectRef idx="0">
+            <a:schemeClr val="accent1"/>
+          </a:effectRef>
+          <a:fontRef idx="minor">
+            <a:schemeClr val="tx1"/>
+          </a:fontRef>
+        </p:style>
+      </p:cxnSp>
+      <p:cxnSp>
+        <p:nvCxnSpPr>
+          <p:cNvPr id="161" name="直線矢印コネクタ 160">
+            <a:extLst>
+              <a:ext uri="{FF2B5EF4-FFF2-40B4-BE49-F238E27FC236}">
+                <a16:creationId xmlns:a16="http://schemas.microsoft.com/office/drawing/2014/main" id="{D6BA235E-A670-47EA-B983-6018B8D5A2EE}"/>
+              </a:ext>
+            </a:extLst>
+          </p:cNvPr>
+          <p:cNvCxnSpPr>
+            <a:cxnSpLocks/>
+            <a:stCxn id="15" idx="2"/>
+            <a:endCxn id="147" idx="1"/>
+          </p:cNvCxnSpPr>
+          <p:nvPr/>
+        </p:nvCxnSpPr>
+        <p:spPr>
+          <a:xfrm>
+            <a:off x="11296082" y="2981032"/>
+            <a:ext cx="0" cy="333665"/>
+          </a:xfrm>
+          <a:prstGeom prst="straightConnector1">
+            <a:avLst/>
+          </a:prstGeom>
+          <a:ln w="76200">
+            <a:tailEnd type="triangle"/>
+          </a:ln>
+        </p:spPr>
+        <p:style>
+          <a:lnRef idx="1">
+            <a:schemeClr val="accent1"/>
+          </a:lnRef>
+          <a:fillRef idx="0">
+            <a:schemeClr val="accent1"/>
+          </a:fillRef>
+          <a:effectRef idx="0">
+            <a:schemeClr val="accent1"/>
+          </a:effectRef>
+          <a:fontRef idx="minor">
+            <a:schemeClr val="tx1"/>
+          </a:fontRef>
+        </p:style>
+      </p:cxnSp>
+      <p:sp>
+        <p:nvSpPr>
+          <p:cNvPr id="172" name="フローチャート: 磁気ディスク 171">
+            <a:extLst>
+              <a:ext uri="{FF2B5EF4-FFF2-40B4-BE49-F238E27FC236}">
+                <a16:creationId xmlns:a16="http://schemas.microsoft.com/office/drawing/2014/main" id="{91F591DD-C970-48DB-8250-0E1A7740FFE0}"/>
+              </a:ext>
+            </a:extLst>
+          </p:cNvPr>
+          <p:cNvSpPr/>
+          <p:nvPr/>
+        </p:nvSpPr>
+        <p:spPr>
+          <a:xfrm>
+            <a:off x="9155550" y="4764502"/>
+            <a:ext cx="743513" cy="806469"/>
+          </a:xfrm>
+          <a:prstGeom prst="flowChartMagneticDisk">
+            <a:avLst/>
+          </a:prstGeom>
+          <a:solidFill>
+            <a:schemeClr val="accent2">
+              <a:lumMod val="60000"/>
+              <a:lumOff val="40000"/>
+            </a:schemeClr>
+          </a:solidFill>
+        </p:spPr>
+        <p:style>
+          <a:lnRef idx="2">
+            <a:schemeClr val="accent1">
+              <a:shade val="50000"/>
+            </a:schemeClr>
+          </a:lnRef>
+          <a:fillRef idx="1">
+            <a:schemeClr val="accent1"/>
+          </a:fillRef>
+          <a:effectRef idx="0">
+            <a:schemeClr val="accent1"/>
+          </a:effectRef>
+          <a:fontRef idx="minor">
+            <a:schemeClr val="lt1"/>
+          </a:fontRef>
+        </p:style>
+        <p:txBody>
+          <a:bodyPr rtlCol="0" anchor="ctr"/>
+          <a:lstStyle/>
+          <a:p>
+            <a:pPr algn="ctr"/>
+            <a:r>
+              <a:rPr lang="en-US" sz="1400" dirty="0"/>
+              <a:t>SQLite</a:t>
+            </a:r>
+          </a:p>
+        </p:txBody>
+      </p:sp>
+      <p:sp>
+        <p:nvSpPr>
+          <p:cNvPr id="187" name="テキスト ボックス 186">
+            <a:extLst>
+              <a:ext uri="{FF2B5EF4-FFF2-40B4-BE49-F238E27FC236}">
+                <a16:creationId xmlns:a16="http://schemas.microsoft.com/office/drawing/2014/main" id="{D9C8CF1F-F3AA-4883-B155-02508B4EA2E5}"/>
+              </a:ext>
+            </a:extLst>
+          </p:cNvPr>
+          <p:cNvSpPr txBox="1"/>
+          <p:nvPr/>
+        </p:nvSpPr>
+        <p:spPr>
+          <a:xfrm>
+            <a:off x="5361688" y="43981"/>
+            <a:ext cx="4484259" cy="646331"/>
+          </a:xfrm>
+          <a:prstGeom prst="rect">
+            <a:avLst/>
+          </a:prstGeom>
+          <a:noFill/>
+        </p:spPr>
+        <p:txBody>
+          <a:bodyPr wrap="square" rtlCol="0">
+            <a:spAutoFit/>
+          </a:bodyPr>
+          <a:lstStyle/>
+          <a:p>
+            <a:pPr algn="ctr"/>
+            <a:r>
+              <a:rPr lang="en-US" sz="3600" dirty="0">
+                <a:solidFill>
+                  <a:schemeClr val="bg1"/>
+                </a:solidFill>
+              </a:rPr>
+              <a:t>Android/ARM Cortex-A</a:t>
+            </a:r>
+          </a:p>
+        </p:txBody>
+      </p:sp>
+      <p:sp>
+        <p:nvSpPr>
+          <p:cNvPr id="188" name="テキスト ボックス 187">
+            <a:extLst>
+              <a:ext uri="{FF2B5EF4-FFF2-40B4-BE49-F238E27FC236}">
+                <a16:creationId xmlns:a16="http://schemas.microsoft.com/office/drawing/2014/main" id="{8CB41737-6A88-475D-98F0-BAFB268283D2}"/>
+              </a:ext>
+            </a:extLst>
+          </p:cNvPr>
+          <p:cNvSpPr txBox="1"/>
+          <p:nvPr/>
+        </p:nvSpPr>
+        <p:spPr>
+          <a:xfrm>
+            <a:off x="1272732" y="43981"/>
+            <a:ext cx="2763557" cy="646331"/>
+          </a:xfrm>
+          <a:prstGeom prst="rect">
+            <a:avLst/>
+          </a:prstGeom>
+          <a:noFill/>
+        </p:spPr>
+        <p:txBody>
+          <a:bodyPr wrap="square" rtlCol="0">
+            <a:spAutoFit/>
+          </a:bodyPr>
+          <a:lstStyle/>
+          <a:p>
+            <a:r>
+              <a:rPr lang="en-US" sz="3600" dirty="0">
+                <a:solidFill>
+                  <a:schemeClr val="bg1"/>
+                </a:solidFill>
+              </a:rPr>
+              <a:t>PIC16F1829</a:t>
+            </a:r>
+          </a:p>
+        </p:txBody>
+      </p:sp>
+      <p:sp>
+        <p:nvSpPr>
+          <p:cNvPr id="189" name="テキスト ボックス 188">
+            <a:extLst>
+              <a:ext uri="{FF2B5EF4-FFF2-40B4-BE49-F238E27FC236}">
+                <a16:creationId xmlns:a16="http://schemas.microsoft.com/office/drawing/2014/main" id="{80349E0F-F8D6-4B25-B075-B95FE03A828D}"/>
+              </a:ext>
+            </a:extLst>
+          </p:cNvPr>
+          <p:cNvSpPr txBox="1"/>
+          <p:nvPr/>
+        </p:nvSpPr>
+        <p:spPr>
+          <a:xfrm>
+            <a:off x="10501750" y="41775"/>
+            <a:ext cx="1849578" cy="646331"/>
+          </a:xfrm>
+          <a:prstGeom prst="rect">
+            <a:avLst/>
+          </a:prstGeom>
+          <a:noFill/>
+        </p:spPr>
+        <p:txBody>
+          <a:bodyPr wrap="square" rtlCol="0">
+            <a:spAutoFit/>
+          </a:bodyPr>
+          <a:lstStyle/>
+          <a:p>
+            <a:r>
+              <a:rPr lang="en-US" sz="3600" dirty="0">
+                <a:solidFill>
+                  <a:schemeClr val="bg1"/>
+                </a:solidFill>
+              </a:rPr>
+              <a:t>Cloud</a:t>
+            </a:r>
+          </a:p>
+        </p:txBody>
+      </p:sp>
+      <p:sp>
+        <p:nvSpPr>
+          <p:cNvPr id="39" name="テキスト ボックス 38">
+            <a:extLst>
+              <a:ext uri="{FF2B5EF4-FFF2-40B4-BE49-F238E27FC236}">
+                <a16:creationId xmlns:a16="http://schemas.microsoft.com/office/drawing/2014/main" id="{48F83F95-20E5-4299-9D92-AC47DF3D3811}"/>
+              </a:ext>
+            </a:extLst>
+          </p:cNvPr>
+          <p:cNvSpPr txBox="1"/>
+          <p:nvPr/>
+        </p:nvSpPr>
+        <p:spPr>
+          <a:xfrm>
+            <a:off x="138547" y="858673"/>
+            <a:ext cx="4876800" cy="584775"/>
+          </a:xfrm>
+          <a:prstGeom prst="rect">
+            <a:avLst/>
+          </a:prstGeom>
+          <a:solidFill>
+            <a:srgbClr val="0070C0"/>
+          </a:solidFill>
+          <a:ln>
+            <a:noFill/>
+          </a:ln>
+        </p:spPr>
+        <p:txBody>
+          <a:bodyPr wrap="square" rtlCol="0">
+            <a:spAutoFit/>
+          </a:bodyPr>
+          <a:lstStyle/>
+          <a:p>
+            <a:pPr algn="ctr"/>
+            <a:r>
+              <a:rPr lang="en-US" sz="3200" dirty="0">
+                <a:solidFill>
+                  <a:schemeClr val="bg1"/>
+                </a:solidFill>
+              </a:rPr>
+              <a:t>sensor-network</a:t>
+            </a:r>
+          </a:p>
+        </p:txBody>
+      </p:sp>
+      <p:sp>
+        <p:nvSpPr>
+          <p:cNvPr id="42" name="四角形: 角を丸くする 41">
+            <a:extLst>
+              <a:ext uri="{FF2B5EF4-FFF2-40B4-BE49-F238E27FC236}">
+                <a16:creationId xmlns:a16="http://schemas.microsoft.com/office/drawing/2014/main" id="{F96616CB-8B39-445D-8FCF-A0666782F262}"/>
+              </a:ext>
+            </a:extLst>
+          </p:cNvPr>
+          <p:cNvSpPr/>
+          <p:nvPr/>
+        </p:nvSpPr>
+        <p:spPr>
+          <a:xfrm>
+            <a:off x="7093510" y="1539069"/>
+            <a:ext cx="1071419" cy="683491"/>
+          </a:xfrm>
+          <a:prstGeom prst="roundRect">
+            <a:avLst/>
+          </a:prstGeom>
+          <a:solidFill>
+            <a:srgbClr val="00B050"/>
+          </a:solidFill>
+        </p:spPr>
+        <p:style>
+          <a:lnRef idx="2">
+            <a:schemeClr val="accent1">
+              <a:shade val="50000"/>
+            </a:schemeClr>
+          </a:lnRef>
+          <a:fillRef idx="1">
+            <a:schemeClr val="accent1"/>
+          </a:fillRef>
+          <a:effectRef idx="0">
+            <a:schemeClr val="accent1"/>
+          </a:effectRef>
+          <a:fontRef idx="minor">
+            <a:schemeClr val="lt1"/>
+          </a:fontRef>
+        </p:style>
+        <p:txBody>
+          <a:bodyPr rtlCol="0" anchor="ctr"/>
+          <a:lstStyle/>
+          <a:p>
+            <a:pPr algn="ctr"/>
             <a:r>
               <a:rPr lang="en-US" sz="1600" dirty="0"/>
               <a:t>Manager</a:t>
@@ -5404,7 +5416,7 @@
         </p:nvSpPr>
         <p:spPr>
           <a:xfrm>
-            <a:off x="7038115" y="2484582"/>
+            <a:off x="7509168" y="2290621"/>
             <a:ext cx="304800" cy="563418"/>
           </a:xfrm>
           <a:prstGeom prst="downArrow">
@@ -5444,10 +5456,10 @@
       </p:sp>
       <p:sp>
         <p:nvSpPr>
-          <p:cNvPr id="45" name="テキスト ボックス 44">
-            <a:extLst>
-              <a:ext uri="{FF2B5EF4-FFF2-40B4-BE49-F238E27FC236}">
-                <a16:creationId xmlns:a16="http://schemas.microsoft.com/office/drawing/2014/main" id="{786AB366-C3D4-432F-BAC4-54091038AEB2}"/>
+          <p:cNvPr id="46" name="テキスト ボックス 45">
+            <a:extLst>
+              <a:ext uri="{FF2B5EF4-FFF2-40B4-BE49-F238E27FC236}">
+                <a16:creationId xmlns:a16="http://schemas.microsoft.com/office/drawing/2014/main" id="{F0F7E2BD-C673-4662-BD4C-609F2FA2ADDB}"/>
               </a:ext>
             </a:extLst>
           </p:cNvPr>
@@ -5456,66 +5468,14 @@
         </p:nvSpPr>
         <p:spPr>
           <a:xfrm>
-            <a:off x="6651909" y="2438655"/>
-            <a:ext cx="1198421" cy="523220"/>
-          </a:xfrm>
-          <a:prstGeom prst="rect">
-            <a:avLst/>
-          </a:prstGeom>
-          <a:noFill/>
-        </p:spPr>
-        <p:txBody>
-          <a:bodyPr wrap="square" rtlCol="0">
-            <a:spAutoFit/>
-          </a:bodyPr>
-          <a:lstStyle/>
-          <a:p>
-            <a:r>
-              <a:rPr lang="en-US" sz="1400" dirty="0">
-                <a:solidFill>
-                  <a:schemeClr val="bg1"/>
-                </a:solidFill>
-              </a:rPr>
-              <a:t>Message bus</a:t>
-            </a:r>
-          </a:p>
-          <a:p>
-            <a:r>
-              <a:rPr lang="en-US" sz="1400" dirty="0">
-                <a:solidFill>
-                  <a:schemeClr val="bg1"/>
-                </a:solidFill>
-              </a:rPr>
-              <a:t>management</a:t>
-            </a:r>
-          </a:p>
-        </p:txBody>
-      </p:sp>
-      <p:sp>
-        <p:nvSpPr>
-          <p:cNvPr id="46" name="テキスト ボックス 45">
-            <a:extLst>
-              <a:ext uri="{FF2B5EF4-FFF2-40B4-BE49-F238E27FC236}">
-                <a16:creationId xmlns:a16="http://schemas.microsoft.com/office/drawing/2014/main" id="{F0F7E2BD-C673-4662-BD4C-609F2FA2ADDB}"/>
-              </a:ext>
-            </a:extLst>
-          </p:cNvPr>
-          <p:cNvSpPr txBox="1"/>
-          <p:nvPr/>
-        </p:nvSpPr>
-        <p:spPr>
-          <a:xfrm>
-            <a:off x="5264714" y="866228"/>
+            <a:off x="5264714" y="856992"/>
             <a:ext cx="4626572" cy="584775"/>
           </a:xfrm>
           <a:prstGeom prst="rect">
             <a:avLst/>
           </a:prstGeom>
           <a:solidFill>
-            <a:schemeClr val="accent1">
-              <a:lumMod val="60000"/>
-              <a:lumOff val="40000"/>
-            </a:schemeClr>
+            <a:srgbClr val="0070C0"/>
           </a:solidFill>
           <a:ln>
             <a:noFill/>
@@ -5539,6 +5499,111 @@
           </a:p>
         </p:txBody>
       </p:sp>
+      <p:sp>
+        <p:nvSpPr>
+          <p:cNvPr id="48" name="四角形: 角を丸くする 47">
+            <a:extLst>
+              <a:ext uri="{FF2B5EF4-FFF2-40B4-BE49-F238E27FC236}">
+                <a16:creationId xmlns:a16="http://schemas.microsoft.com/office/drawing/2014/main" id="{A8EBF01F-82F5-4CAC-89CB-9310AF270159}"/>
+              </a:ext>
+            </a:extLst>
+          </p:cNvPr>
+          <p:cNvSpPr/>
+          <p:nvPr/>
+        </p:nvSpPr>
+        <p:spPr>
+          <a:xfrm>
+            <a:off x="5355064" y="2887509"/>
+            <a:ext cx="1071419" cy="683491"/>
+          </a:xfrm>
+          <a:prstGeom prst="roundRect">
+            <a:avLst/>
+          </a:prstGeom>
+          <a:solidFill>
+            <a:schemeClr val="tx2">
+              <a:lumMod val="60000"/>
+              <a:lumOff val="40000"/>
+            </a:schemeClr>
+          </a:solidFill>
+        </p:spPr>
+        <p:style>
+          <a:lnRef idx="2">
+            <a:schemeClr val="accent1">
+              <a:shade val="50000"/>
+            </a:schemeClr>
+          </a:lnRef>
+          <a:fillRef idx="1">
+            <a:schemeClr val="accent1"/>
+          </a:fillRef>
+          <a:effectRef idx="0">
+            <a:schemeClr val="accent1"/>
+          </a:effectRef>
+          <a:fontRef idx="minor">
+            <a:schemeClr val="lt1"/>
+          </a:fontRef>
+        </p:style>
+        <p:txBody>
+          <a:bodyPr rtlCol="0" anchor="ctr"/>
+          <a:lstStyle/>
+          <a:p>
+            <a:pPr algn="ctr"/>
+            <a:r>
+              <a:rPr lang="en-US" dirty="0"/>
+              <a:t>Built-in</a:t>
+            </a:r>
+          </a:p>
+          <a:p>
+            <a:pPr algn="ctr"/>
+            <a:r>
+              <a:rPr lang="en-US" dirty="0"/>
+              <a:t>sensors</a:t>
+            </a:r>
+          </a:p>
+        </p:txBody>
+      </p:sp>
+      <p:cxnSp>
+        <p:nvCxnSpPr>
+          <p:cNvPr id="59" name="コネクタ: カギ線 58">
+            <a:extLst>
+              <a:ext uri="{FF2B5EF4-FFF2-40B4-BE49-F238E27FC236}">
+                <a16:creationId xmlns:a16="http://schemas.microsoft.com/office/drawing/2014/main" id="{B6B64586-6FD4-4028-9A57-DDC68524B590}"/>
+              </a:ext>
+            </a:extLst>
+          </p:cNvPr>
+          <p:cNvCxnSpPr>
+            <a:cxnSpLocks/>
+            <a:stCxn id="48" idx="3"/>
+            <a:endCxn id="13" idx="0"/>
+          </p:cNvCxnSpPr>
+          <p:nvPr/>
+        </p:nvCxnSpPr>
+        <p:spPr>
+          <a:xfrm>
+            <a:off x="6426483" y="3229255"/>
+            <a:ext cx="962612" cy="1107208"/>
+          </a:xfrm>
+          <a:prstGeom prst="bentConnector2">
+            <a:avLst/>
+          </a:prstGeom>
+          <a:ln w="76200">
+            <a:tailEnd type="triangle"/>
+          </a:ln>
+        </p:spPr>
+        <p:style>
+          <a:lnRef idx="1">
+            <a:schemeClr val="accent1"/>
+          </a:lnRef>
+          <a:fillRef idx="0">
+            <a:schemeClr val="accent1"/>
+          </a:fillRef>
+          <a:effectRef idx="0">
+            <a:schemeClr val="accent1"/>
+          </a:effectRef>
+          <a:fontRef idx="minor">
+            <a:schemeClr val="tx1"/>
+          </a:fontRef>
+        </p:style>
+      </p:cxnSp>
     </p:spTree>
     <p:extLst>
       <p:ext uri="{BB962C8B-B14F-4D97-AF65-F5344CB8AC3E}">

--- a/doc/flow_based_programming.pptx
+++ b/doc/flow_based_programming.pptx
@@ -265,7 +265,7 @@
           <a:p>
             <a:fld id="{BD01BFE4-158D-434D-A090-6C8C9FD01481}" type="datetimeFigureOut">
               <a:rPr lang="en-US" smtClean="0"/>
-              <a:t>7/29/2017</a:t>
+              <a:t>8/3/2017</a:t>
             </a:fld>
             <a:endParaRPr lang="en-US"/>
           </a:p>
@@ -497,7 +497,7 @@
           <a:p>
             <a:fld id="{BD01BFE4-158D-434D-A090-6C8C9FD01481}" type="datetimeFigureOut">
               <a:rPr lang="en-US" smtClean="0"/>
-              <a:t>7/29/2017</a:t>
+              <a:t>8/3/2017</a:t>
             </a:fld>
             <a:endParaRPr lang="en-US"/>
           </a:p>
@@ -739,7 +739,7 @@
           <a:p>
             <a:fld id="{BD01BFE4-158D-434D-A090-6C8C9FD01481}" type="datetimeFigureOut">
               <a:rPr lang="en-US" smtClean="0"/>
-              <a:t>7/29/2017</a:t>
+              <a:t>8/3/2017</a:t>
             </a:fld>
             <a:endParaRPr lang="en-US"/>
           </a:p>
@@ -971,7 +971,7 @@
           <a:p>
             <a:fld id="{BD01BFE4-158D-434D-A090-6C8C9FD01481}" type="datetimeFigureOut">
               <a:rPr lang="en-US" smtClean="0"/>
-              <a:t>7/29/2017</a:t>
+              <a:t>8/3/2017</a:t>
             </a:fld>
             <a:endParaRPr lang="en-US"/>
           </a:p>
@@ -1247,7 +1247,7 @@
           <a:p>
             <a:fld id="{BD01BFE4-158D-434D-A090-6C8C9FD01481}" type="datetimeFigureOut">
               <a:rPr lang="en-US" smtClean="0"/>
-              <a:t>7/29/2017</a:t>
+              <a:t>8/3/2017</a:t>
             </a:fld>
             <a:endParaRPr lang="en-US"/>
           </a:p>
@@ -1579,7 +1579,7 @@
           <a:p>
             <a:fld id="{BD01BFE4-158D-434D-A090-6C8C9FD01481}" type="datetimeFigureOut">
               <a:rPr lang="en-US" smtClean="0"/>
-              <a:t>7/29/2017</a:t>
+              <a:t>8/3/2017</a:t>
             </a:fld>
             <a:endParaRPr lang="en-US"/>
           </a:p>
@@ -2058,7 +2058,7 @@
           <a:p>
             <a:fld id="{BD01BFE4-158D-434D-A090-6C8C9FD01481}" type="datetimeFigureOut">
               <a:rPr lang="en-US" smtClean="0"/>
-              <a:t>7/29/2017</a:t>
+              <a:t>8/3/2017</a:t>
             </a:fld>
             <a:endParaRPr lang="en-US"/>
           </a:p>
@@ -2200,7 +2200,7 @@
           <a:p>
             <a:fld id="{BD01BFE4-158D-434D-A090-6C8C9FD01481}" type="datetimeFigureOut">
               <a:rPr lang="en-US" smtClean="0"/>
-              <a:t>7/29/2017</a:t>
+              <a:t>8/3/2017</a:t>
             </a:fld>
             <a:endParaRPr lang="en-US"/>
           </a:p>
@@ -2313,7 +2313,7 @@
           <a:p>
             <a:fld id="{BD01BFE4-158D-434D-A090-6C8C9FD01481}" type="datetimeFigureOut">
               <a:rPr lang="en-US" smtClean="0"/>
-              <a:t>7/29/2017</a:t>
+              <a:t>8/3/2017</a:t>
             </a:fld>
             <a:endParaRPr lang="en-US"/>
           </a:p>
@@ -2658,7 +2658,7 @@
           <a:p>
             <a:fld id="{BD01BFE4-158D-434D-A090-6C8C9FD01481}" type="datetimeFigureOut">
               <a:rPr lang="en-US" smtClean="0"/>
-              <a:t>7/29/2017</a:t>
+              <a:t>8/3/2017</a:t>
             </a:fld>
             <a:endParaRPr lang="en-US"/>
           </a:p>
@@ -2947,7 +2947,7 @@
           <a:p>
             <a:fld id="{BD01BFE4-158D-434D-A090-6C8C9FD01481}" type="datetimeFigureOut">
               <a:rPr lang="en-US" smtClean="0"/>
-              <a:t>7/29/2017</a:t>
+              <a:t>8/3/2017</a:t>
             </a:fld>
             <a:endParaRPr lang="en-US"/>
           </a:p>
@@ -3222,7 +3222,7 @@
           <a:p>
             <a:fld id="{BD01BFE4-158D-434D-A090-6C8C9FD01481}" type="datetimeFigureOut">
               <a:rPr lang="en-US" smtClean="0"/>
-              <a:t>7/29/2017</a:t>
+              <a:t>8/3/2017</a:t>
             </a:fld>
             <a:endParaRPr lang="en-US"/>
           </a:p>
@@ -4071,17 +4071,24 @@
             <a:pPr algn="ctr"/>
             <a:r>
               <a:rPr lang="en-US" dirty="0"/>
-              <a:t>CLI</a:t>
-            </a:r>
-          </a:p>
-        </p:txBody>
-      </p:sp>
-      <p:sp>
-        <p:nvSpPr>
-          <p:cNvPr id="12" name="四角形: 角を丸くする 11">
-            <a:extLst>
-              <a:ext uri="{FF2B5EF4-FFF2-40B4-BE49-F238E27FC236}">
-                <a16:creationId xmlns:a16="http://schemas.microsoft.com/office/drawing/2014/main" id="{3D00613D-CB79-41C8-B344-839F70C4C0E7}"/>
+              <a:t>Driver</a:t>
+            </a:r>
+          </a:p>
+          <a:p>
+            <a:pPr algn="ctr"/>
+            <a:r>
+              <a:rPr lang="en-US" dirty="0"/>
+              <a:t>Service</a:t>
+            </a:r>
+          </a:p>
+        </p:txBody>
+      </p:sp>
+      <p:sp>
+        <p:nvSpPr>
+          <p:cNvPr id="13" name="楕円 12">
+            <a:extLst>
+              <a:ext uri="{FF2B5EF4-FFF2-40B4-BE49-F238E27FC236}">
+                <a16:creationId xmlns:a16="http://schemas.microsoft.com/office/drawing/2014/main" id="{872BEDD9-BF8E-4417-91BF-096163DD3E9C}"/>
               </a:ext>
             </a:extLst>
           </p:cNvPr>
@@ -4090,17 +4097,12 @@
         </p:nvSpPr>
         <p:spPr>
           <a:xfrm>
-            <a:off x="8248074" y="2285996"/>
-            <a:ext cx="1071419" cy="683491"/>
-          </a:xfrm>
-          <a:prstGeom prst="roundRect">
+            <a:off x="7084295" y="4336463"/>
+            <a:ext cx="609600" cy="558801"/>
+          </a:xfrm>
+          <a:prstGeom prst="ellipse">
             <a:avLst/>
           </a:prstGeom>
-          <a:solidFill>
-            <a:schemeClr val="accent4">
-              <a:lumMod val="75000"/>
-            </a:schemeClr>
-          </a:solidFill>
         </p:spPr>
         <p:style>
           <a:lnRef idx="2">
@@ -4124,55 +4126,6 @@
           <a:p>
             <a:pPr algn="ctr"/>
             <a:r>
-              <a:rPr lang="en-US" dirty="0"/>
-              <a:t>DB client</a:t>
-            </a:r>
-          </a:p>
-        </p:txBody>
-      </p:sp>
-      <p:sp>
-        <p:nvSpPr>
-          <p:cNvPr id="13" name="楕円 12">
-            <a:extLst>
-              <a:ext uri="{FF2B5EF4-FFF2-40B4-BE49-F238E27FC236}">
-                <a16:creationId xmlns:a16="http://schemas.microsoft.com/office/drawing/2014/main" id="{872BEDD9-BF8E-4417-91BF-096163DD3E9C}"/>
-              </a:ext>
-            </a:extLst>
-          </p:cNvPr>
-          <p:cNvSpPr/>
-          <p:nvPr/>
-        </p:nvSpPr>
-        <p:spPr>
-          <a:xfrm>
-            <a:off x="7084295" y="4336463"/>
-            <a:ext cx="609600" cy="558801"/>
-          </a:xfrm>
-          <a:prstGeom prst="ellipse">
-            <a:avLst/>
-          </a:prstGeom>
-        </p:spPr>
-        <p:style>
-          <a:lnRef idx="2">
-            <a:schemeClr val="accent1">
-              <a:shade val="50000"/>
-            </a:schemeClr>
-          </a:lnRef>
-          <a:fillRef idx="1">
-            <a:schemeClr val="accent1"/>
-          </a:fillRef>
-          <a:effectRef idx="0">
-            <a:schemeClr val="accent1"/>
-          </a:effectRef>
-          <a:fontRef idx="minor">
-            <a:schemeClr val="lt1"/>
-          </a:fontRef>
-        </p:style>
-        <p:txBody>
-          <a:bodyPr rtlCol="0" anchor="ctr"/>
-          <a:lstStyle/>
-          <a:p>
-            <a:pPr algn="ctr"/>
-            <a:r>
               <a:rPr lang="en-US" sz="1100" dirty="0" err="1"/>
               <a:t>msg</a:t>
             </a:r>
@@ -4182,63 +4135,6 @@
             <a:pPr algn="ctr"/>
             <a:r>
               <a:rPr lang="en-US" sz="1100" dirty="0"/>
-              <a:t>bus</a:t>
-            </a:r>
-          </a:p>
-        </p:txBody>
-      </p:sp>
-      <p:sp>
-        <p:nvSpPr>
-          <p:cNvPr id="14" name="楕円 13">
-            <a:extLst>
-              <a:ext uri="{FF2B5EF4-FFF2-40B4-BE49-F238E27FC236}">
-                <a16:creationId xmlns:a16="http://schemas.microsoft.com/office/drawing/2014/main" id="{E76A7B73-4D6E-4EFA-B5A1-43FAE3865F32}"/>
-              </a:ext>
-            </a:extLst>
-          </p:cNvPr>
-          <p:cNvSpPr/>
-          <p:nvPr/>
-        </p:nvSpPr>
-        <p:spPr>
-          <a:xfrm>
-            <a:off x="9702802" y="2355267"/>
-            <a:ext cx="609600" cy="558801"/>
-          </a:xfrm>
-          <a:prstGeom prst="ellipse">
-            <a:avLst/>
-          </a:prstGeom>
-        </p:spPr>
-        <p:style>
-          <a:lnRef idx="2">
-            <a:schemeClr val="accent1">
-              <a:shade val="50000"/>
-            </a:schemeClr>
-          </a:lnRef>
-          <a:fillRef idx="1">
-            <a:schemeClr val="accent1"/>
-          </a:fillRef>
-          <a:effectRef idx="0">
-            <a:schemeClr val="accent1"/>
-          </a:effectRef>
-          <a:fontRef idx="minor">
-            <a:schemeClr val="lt1"/>
-          </a:fontRef>
-        </p:style>
-        <p:txBody>
-          <a:bodyPr rtlCol="0" anchor="ctr"/>
-          <a:lstStyle/>
-          <a:p>
-            <a:pPr algn="ctr"/>
-            <a:r>
-              <a:rPr lang="en-US" sz="1050" dirty="0" err="1"/>
-              <a:t>msg</a:t>
-            </a:r>
-            <a:endParaRPr lang="en-US" sz="1050" dirty="0"/>
-          </a:p>
-          <a:p>
-            <a:pPr algn="ctr"/>
-            <a:r>
-              <a:rPr lang="en-US" sz="1050" dirty="0"/>
               <a:t>bus</a:t>
             </a:r>
           </a:p>
@@ -4520,135 +4416,6 @@
           </a:fontRef>
         </p:style>
       </p:cxnSp>
-      <p:cxnSp>
-        <p:nvCxnSpPr>
-          <p:cNvPr id="40" name="直線矢印コネクタ 39">
-            <a:extLst>
-              <a:ext uri="{FF2B5EF4-FFF2-40B4-BE49-F238E27FC236}">
-                <a16:creationId xmlns:a16="http://schemas.microsoft.com/office/drawing/2014/main" id="{BF567CDF-FF7C-4F0F-9ED4-5010136D2DF6}"/>
-              </a:ext>
-            </a:extLst>
-          </p:cNvPr>
-          <p:cNvCxnSpPr>
-            <a:cxnSpLocks/>
-            <a:stCxn id="104" idx="0"/>
-            <a:endCxn id="12" idx="2"/>
-          </p:cNvCxnSpPr>
-          <p:nvPr/>
-        </p:nvCxnSpPr>
-        <p:spPr>
-          <a:xfrm flipH="1" flipV="1">
-            <a:off x="8783784" y="2969487"/>
-            <a:ext cx="13856" cy="1304629"/>
-          </a:xfrm>
-          <a:prstGeom prst="straightConnector1">
-            <a:avLst/>
-          </a:prstGeom>
-          <a:ln w="76200">
-            <a:tailEnd type="triangle"/>
-          </a:ln>
-        </p:spPr>
-        <p:style>
-          <a:lnRef idx="1">
-            <a:schemeClr val="accent1"/>
-          </a:lnRef>
-          <a:fillRef idx="0">
-            <a:schemeClr val="accent1"/>
-          </a:fillRef>
-          <a:effectRef idx="0">
-            <a:schemeClr val="accent1"/>
-          </a:effectRef>
-          <a:fontRef idx="minor">
-            <a:schemeClr val="tx1"/>
-          </a:fontRef>
-        </p:style>
-      </p:cxnSp>
-      <p:cxnSp>
-        <p:nvCxnSpPr>
-          <p:cNvPr id="44" name="直線矢印コネクタ 43">
-            <a:extLst>
-              <a:ext uri="{FF2B5EF4-FFF2-40B4-BE49-F238E27FC236}">
-                <a16:creationId xmlns:a16="http://schemas.microsoft.com/office/drawing/2014/main" id="{9090E84C-BCA6-4BB8-84E0-DDDC815BE2F0}"/>
-              </a:ext>
-            </a:extLst>
-          </p:cNvPr>
-          <p:cNvCxnSpPr>
-            <a:cxnSpLocks/>
-            <a:stCxn id="12" idx="3"/>
-            <a:endCxn id="14" idx="2"/>
-          </p:cNvCxnSpPr>
-          <p:nvPr/>
-        </p:nvCxnSpPr>
-        <p:spPr>
-          <a:xfrm>
-            <a:off x="9319493" y="2627742"/>
-            <a:ext cx="383309" cy="6926"/>
-          </a:xfrm>
-          <a:prstGeom prst="straightConnector1">
-            <a:avLst/>
-          </a:prstGeom>
-          <a:ln w="76200">
-            <a:tailEnd type="triangle"/>
-          </a:ln>
-        </p:spPr>
-        <p:style>
-          <a:lnRef idx="1">
-            <a:schemeClr val="accent1"/>
-          </a:lnRef>
-          <a:fillRef idx="0">
-            <a:schemeClr val="accent1"/>
-          </a:fillRef>
-          <a:effectRef idx="0">
-            <a:schemeClr val="accent1"/>
-          </a:effectRef>
-          <a:fontRef idx="minor">
-            <a:schemeClr val="tx1"/>
-          </a:fontRef>
-        </p:style>
-      </p:cxnSp>
-      <p:cxnSp>
-        <p:nvCxnSpPr>
-          <p:cNvPr id="47" name="直線矢印コネクタ 46">
-            <a:extLst>
-              <a:ext uri="{FF2B5EF4-FFF2-40B4-BE49-F238E27FC236}">
-                <a16:creationId xmlns:a16="http://schemas.microsoft.com/office/drawing/2014/main" id="{1431831E-1E16-40A9-AB5D-106FC3C6DEA7}"/>
-              </a:ext>
-            </a:extLst>
-          </p:cNvPr>
-          <p:cNvCxnSpPr>
-            <a:cxnSpLocks/>
-            <a:stCxn id="14" idx="6"/>
-            <a:endCxn id="15" idx="1"/>
-          </p:cNvCxnSpPr>
-          <p:nvPr/>
-        </p:nvCxnSpPr>
-        <p:spPr>
-          <a:xfrm>
-            <a:off x="10312402" y="2634668"/>
-            <a:ext cx="447970" cy="4619"/>
-          </a:xfrm>
-          <a:prstGeom prst="straightConnector1">
-            <a:avLst/>
-          </a:prstGeom>
-          <a:ln w="76200">
-            <a:tailEnd type="triangle"/>
-          </a:ln>
-        </p:spPr>
-        <p:style>
-          <a:lnRef idx="1">
-            <a:schemeClr val="accent1"/>
-          </a:lnRef>
-          <a:fillRef idx="0">
-            <a:schemeClr val="accent1"/>
-          </a:fillRef>
-          <a:effectRef idx="0">
-            <a:schemeClr val="accent1"/>
-          </a:effectRef>
-          <a:fontRef idx="minor">
-            <a:schemeClr val="tx1"/>
-          </a:fontRef>
-        </p:style>
-      </p:cxnSp>
       <p:sp>
         <p:nvSpPr>
           <p:cNvPr id="60" name="四角形: 角を丸くする 59">
@@ -4663,7 +4430,7 @@
         </p:nvSpPr>
         <p:spPr>
           <a:xfrm>
-            <a:off x="8248073" y="5800431"/>
+            <a:off x="8279538" y="5974692"/>
             <a:ext cx="1071419" cy="683491"/>
           </a:xfrm>
           <a:prstGeom prst="roundRect">
@@ -4701,49 +4468,6 @@
           </a:p>
         </p:txBody>
       </p:sp>
-      <p:cxnSp>
-        <p:nvCxnSpPr>
-          <p:cNvPr id="66" name="コネクタ: カギ線 65">
-            <a:extLst>
-              <a:ext uri="{FF2B5EF4-FFF2-40B4-BE49-F238E27FC236}">
-                <a16:creationId xmlns:a16="http://schemas.microsoft.com/office/drawing/2014/main" id="{45AC4427-9BD9-479D-95CC-50AC7FF3CBED}"/>
-              </a:ext>
-            </a:extLst>
-          </p:cNvPr>
-          <p:cNvCxnSpPr>
-            <a:cxnSpLocks/>
-            <a:stCxn id="119" idx="4"/>
-            <a:endCxn id="60" idx="1"/>
-          </p:cNvCxnSpPr>
-          <p:nvPr/>
-        </p:nvCxnSpPr>
-        <p:spPr>
-          <a:xfrm rot="16200000" flipH="1">
-            <a:off x="7659255" y="5553359"/>
-            <a:ext cx="327894" cy="849742"/>
-          </a:xfrm>
-          <a:prstGeom prst="bentConnector2">
-            <a:avLst/>
-          </a:prstGeom>
-          <a:ln w="76200">
-            <a:tailEnd type="triangle"/>
-          </a:ln>
-        </p:spPr>
-        <p:style>
-          <a:lnRef idx="1">
-            <a:schemeClr val="accent1"/>
-          </a:lnRef>
-          <a:fillRef idx="0">
-            <a:schemeClr val="accent1"/>
-          </a:fillRef>
-          <a:effectRef idx="0">
-            <a:schemeClr val="accent1"/>
-          </a:effectRef>
-          <a:fontRef idx="minor">
-            <a:schemeClr val="tx1"/>
-          </a:fontRef>
-        </p:style>
-      </p:cxnSp>
       <p:sp>
         <p:nvSpPr>
           <p:cNvPr id="104" name="四角形: 角を丸くする 103">
@@ -4765,7 +4489,7 @@
             <a:avLst/>
           </a:prstGeom>
           <a:solidFill>
-            <a:srgbClr val="FF0000"/>
+            <a:srgbClr val="00B0F0"/>
           </a:solidFill>
         </p:spPr>
         <p:style>
@@ -4792,6 +4516,13 @@
             <a:r>
               <a:rPr lang="en-US" sz="1400" dirty="0"/>
               <a:t>Edge computing</a:t>
+            </a:r>
+          </a:p>
+          <a:p>
+            <a:pPr algn="ctr"/>
+            <a:r>
+              <a:rPr lang="en-US" sz="1400" dirty="0"/>
+              <a:t>Service</a:t>
             </a:r>
           </a:p>
         </p:txBody>
@@ -5134,61 +4865,6 @@
       </p:cxnSp>
       <p:sp>
         <p:nvSpPr>
-          <p:cNvPr id="172" name="フローチャート: 磁気ディスク 171">
-            <a:extLst>
-              <a:ext uri="{FF2B5EF4-FFF2-40B4-BE49-F238E27FC236}">
-                <a16:creationId xmlns:a16="http://schemas.microsoft.com/office/drawing/2014/main" id="{91F591DD-C970-48DB-8250-0E1A7740FFE0}"/>
-              </a:ext>
-            </a:extLst>
-          </p:cNvPr>
-          <p:cNvSpPr/>
-          <p:nvPr/>
-        </p:nvSpPr>
-        <p:spPr>
-          <a:xfrm>
-            <a:off x="9155550" y="4764502"/>
-            <a:ext cx="743513" cy="806469"/>
-          </a:xfrm>
-          <a:prstGeom prst="flowChartMagneticDisk">
-            <a:avLst/>
-          </a:prstGeom>
-          <a:solidFill>
-            <a:schemeClr val="accent2">
-              <a:lumMod val="60000"/>
-              <a:lumOff val="40000"/>
-            </a:schemeClr>
-          </a:solidFill>
-        </p:spPr>
-        <p:style>
-          <a:lnRef idx="2">
-            <a:schemeClr val="accent1">
-              <a:shade val="50000"/>
-            </a:schemeClr>
-          </a:lnRef>
-          <a:fillRef idx="1">
-            <a:schemeClr val="accent1"/>
-          </a:fillRef>
-          <a:effectRef idx="0">
-            <a:schemeClr val="accent1"/>
-          </a:effectRef>
-          <a:fontRef idx="minor">
-            <a:schemeClr val="lt1"/>
-          </a:fontRef>
-        </p:style>
-        <p:txBody>
-          <a:bodyPr rtlCol="0" anchor="ctr"/>
-          <a:lstStyle/>
-          <a:p>
-            <a:pPr algn="ctr"/>
-            <a:r>
-              <a:rPr lang="en-US" sz="1400" dirty="0"/>
-              <a:t>SQLite</a:t>
-            </a:r>
-          </a:p>
-        </p:txBody>
-      </p:sp>
-      <p:sp>
-        <p:nvSpPr>
           <p:cNvPr id="187" name="テキスト ボックス 186">
             <a:extLst>
               <a:ext uri="{FF2B5EF4-FFF2-40B4-BE49-F238E27FC236}">
@@ -5501,10 +5177,10 @@
       </p:sp>
       <p:sp>
         <p:nvSpPr>
-          <p:cNvPr id="48" name="四角形: 角を丸くする 47">
-            <a:extLst>
-              <a:ext uri="{FF2B5EF4-FFF2-40B4-BE49-F238E27FC236}">
-                <a16:creationId xmlns:a16="http://schemas.microsoft.com/office/drawing/2014/main" id="{A8EBF01F-82F5-4CAC-89CB-9310AF270159}"/>
+          <p:cNvPr id="50" name="四角形: 角を丸くする 49">
+            <a:extLst>
+              <a:ext uri="{FF2B5EF4-FFF2-40B4-BE49-F238E27FC236}">
+                <a16:creationId xmlns:a16="http://schemas.microsoft.com/office/drawing/2014/main" id="{00632BAD-6D07-4FC3-A3E7-F545AF6CDEEC}"/>
               </a:ext>
             </a:extLst>
           </p:cNvPr>
@@ -5513,17 +5189,14 @@
         </p:nvSpPr>
         <p:spPr>
           <a:xfrm>
-            <a:off x="5355064" y="2887509"/>
+            <a:off x="5360843" y="2879995"/>
             <a:ext cx="1071419" cy="683491"/>
           </a:xfrm>
           <a:prstGeom prst="roundRect">
             <a:avLst/>
           </a:prstGeom>
           <a:solidFill>
-            <a:schemeClr val="tx2">
-              <a:lumMod val="60000"/>
-              <a:lumOff val="40000"/>
-            </a:schemeClr>
+            <a:srgbClr val="92D050"/>
           </a:solidFill>
         </p:spPr>
         <p:style>
@@ -5549,38 +5222,31 @@
             <a:pPr algn="ctr"/>
             <a:r>
               <a:rPr lang="en-US" dirty="0"/>
-              <a:t>Built-in</a:t>
-            </a:r>
-          </a:p>
-          <a:p>
-            <a:pPr algn="ctr"/>
-            <a:r>
-              <a:rPr lang="en-US" dirty="0"/>
-              <a:t>sensors</a:t>
+              <a:t>CLI</a:t>
             </a:r>
           </a:p>
         </p:txBody>
       </p:sp>
       <p:cxnSp>
         <p:nvCxnSpPr>
-          <p:cNvPr id="59" name="コネクタ: カギ線 58">
-            <a:extLst>
-              <a:ext uri="{FF2B5EF4-FFF2-40B4-BE49-F238E27FC236}">
-                <a16:creationId xmlns:a16="http://schemas.microsoft.com/office/drawing/2014/main" id="{B6B64586-6FD4-4028-9A57-DDC68524B590}"/>
+          <p:cNvPr id="56" name="コネクタ: カギ線 55">
+            <a:extLst>
+              <a:ext uri="{FF2B5EF4-FFF2-40B4-BE49-F238E27FC236}">
+                <a16:creationId xmlns:a16="http://schemas.microsoft.com/office/drawing/2014/main" id="{6D0E3141-7BEA-4281-8A07-1231F6C60FF6}"/>
               </a:ext>
             </a:extLst>
           </p:cNvPr>
           <p:cNvCxnSpPr>
             <a:cxnSpLocks/>
-            <a:stCxn id="48" idx="3"/>
-            <a:endCxn id="13" idx="0"/>
+            <a:stCxn id="104" idx="0"/>
+            <a:endCxn id="15" idx="1"/>
           </p:cNvCxnSpPr>
           <p:nvPr/>
         </p:nvCxnSpPr>
         <p:spPr>
-          <a:xfrm>
-            <a:off x="6426483" y="3229255"/>
-            <a:ext cx="962612" cy="1107208"/>
+          <a:xfrm rot="5400000" flipH="1" flipV="1">
+            <a:off x="8961592" y="2475336"/>
+            <a:ext cx="1634829" cy="1962732"/>
           </a:xfrm>
           <a:prstGeom prst="bentConnector2">
             <a:avLst/>
@@ -5604,6 +5270,236 @@
           </a:fontRef>
         </p:style>
       </p:cxnSp>
+      <p:cxnSp>
+        <p:nvCxnSpPr>
+          <p:cNvPr id="67" name="コネクタ: カギ線 66">
+            <a:extLst>
+              <a:ext uri="{FF2B5EF4-FFF2-40B4-BE49-F238E27FC236}">
+                <a16:creationId xmlns:a16="http://schemas.microsoft.com/office/drawing/2014/main" id="{D0FC2571-E134-49BD-8F15-869E1237305E}"/>
+              </a:ext>
+            </a:extLst>
+          </p:cNvPr>
+          <p:cNvCxnSpPr>
+            <a:cxnSpLocks/>
+            <a:stCxn id="13" idx="0"/>
+            <a:endCxn id="50" idx="3"/>
+          </p:cNvCxnSpPr>
+          <p:nvPr/>
+        </p:nvCxnSpPr>
+        <p:spPr>
+          <a:xfrm rot="16200000" flipV="1">
+            <a:off x="6353318" y="3300685"/>
+            <a:ext cx="1114722" cy="956833"/>
+          </a:xfrm>
+          <a:prstGeom prst="bentConnector2">
+            <a:avLst/>
+          </a:prstGeom>
+          <a:ln w="76200">
+            <a:tailEnd type="triangle"/>
+          </a:ln>
+        </p:spPr>
+        <p:style>
+          <a:lnRef idx="1">
+            <a:schemeClr val="accent1"/>
+          </a:lnRef>
+          <a:fillRef idx="0">
+            <a:schemeClr val="accent1"/>
+          </a:fillRef>
+          <a:effectRef idx="0">
+            <a:schemeClr val="accent1"/>
+          </a:effectRef>
+          <a:fontRef idx="minor">
+            <a:schemeClr val="tx1"/>
+          </a:fontRef>
+        </p:style>
+      </p:cxnSp>
+      <p:cxnSp>
+        <p:nvCxnSpPr>
+          <p:cNvPr id="70" name="コネクタ: カギ線 69">
+            <a:extLst>
+              <a:ext uri="{FF2B5EF4-FFF2-40B4-BE49-F238E27FC236}">
+                <a16:creationId xmlns:a16="http://schemas.microsoft.com/office/drawing/2014/main" id="{ED03DC22-42B2-4B2A-A53C-D21502552EF8}"/>
+              </a:ext>
+            </a:extLst>
+          </p:cNvPr>
+          <p:cNvCxnSpPr>
+            <a:cxnSpLocks/>
+            <a:stCxn id="119" idx="4"/>
+            <a:endCxn id="60" idx="1"/>
+          </p:cNvCxnSpPr>
+          <p:nvPr/>
+        </p:nvCxnSpPr>
+        <p:spPr>
+          <a:xfrm rot="16200000" flipH="1">
+            <a:off x="7587857" y="5624756"/>
+            <a:ext cx="502155" cy="881207"/>
+          </a:xfrm>
+          <a:prstGeom prst="bentConnector2">
+            <a:avLst/>
+          </a:prstGeom>
+          <a:ln w="76200">
+            <a:tailEnd type="triangle"/>
+          </a:ln>
+        </p:spPr>
+        <p:style>
+          <a:lnRef idx="1">
+            <a:schemeClr val="accent1"/>
+          </a:lnRef>
+          <a:fillRef idx="0">
+            <a:schemeClr val="accent1"/>
+          </a:fillRef>
+          <a:effectRef idx="0">
+            <a:schemeClr val="accent1"/>
+          </a:effectRef>
+          <a:fontRef idx="minor">
+            <a:schemeClr val="tx1"/>
+          </a:fontRef>
+        </p:style>
+      </p:cxnSp>
+      <p:cxnSp>
+        <p:nvCxnSpPr>
+          <p:cNvPr id="53" name="直線コネクタ 52">
+            <a:extLst>
+              <a:ext uri="{FF2B5EF4-FFF2-40B4-BE49-F238E27FC236}">
+                <a16:creationId xmlns:a16="http://schemas.microsoft.com/office/drawing/2014/main" id="{4037C5E2-9A42-411E-961D-4616EE7F9CB6}"/>
+              </a:ext>
+            </a:extLst>
+          </p:cNvPr>
+          <p:cNvCxnSpPr/>
+          <p:nvPr/>
+        </p:nvCxnSpPr>
+        <p:spPr>
+          <a:xfrm>
+            <a:off x="6206836" y="3563486"/>
+            <a:ext cx="0" cy="701963"/>
+          </a:xfrm>
+          <a:prstGeom prst="line">
+            <a:avLst/>
+          </a:prstGeom>
+        </p:spPr>
+        <p:style>
+          <a:lnRef idx="1">
+            <a:schemeClr val="accent1"/>
+          </a:lnRef>
+          <a:fillRef idx="0">
+            <a:schemeClr val="accent1"/>
+          </a:fillRef>
+          <a:effectRef idx="0">
+            <a:schemeClr val="accent1"/>
+          </a:effectRef>
+          <a:fontRef idx="minor">
+            <a:schemeClr val="tx1"/>
+          </a:fontRef>
+        </p:style>
+      </p:cxnSp>
+      <p:cxnSp>
+        <p:nvCxnSpPr>
+          <p:cNvPr id="75" name="直線コネクタ 74">
+            <a:extLst>
+              <a:ext uri="{FF2B5EF4-FFF2-40B4-BE49-F238E27FC236}">
+                <a16:creationId xmlns:a16="http://schemas.microsoft.com/office/drawing/2014/main" id="{44D75306-2BF5-455C-ABF8-34A1266AF028}"/>
+              </a:ext>
+            </a:extLst>
+          </p:cNvPr>
+          <p:cNvCxnSpPr>
+            <a:cxnSpLocks/>
+          </p:cNvCxnSpPr>
+          <p:nvPr/>
+        </p:nvCxnSpPr>
+        <p:spPr>
+          <a:xfrm>
+            <a:off x="9093200" y="4985309"/>
+            <a:ext cx="0" cy="989383"/>
+          </a:xfrm>
+          <a:prstGeom prst="line">
+            <a:avLst/>
+          </a:prstGeom>
+        </p:spPr>
+        <p:style>
+          <a:lnRef idx="1">
+            <a:schemeClr val="accent1"/>
+          </a:lnRef>
+          <a:fillRef idx="0">
+            <a:schemeClr val="accent1"/>
+          </a:fillRef>
+          <a:effectRef idx="0">
+            <a:schemeClr val="accent1"/>
+          </a:effectRef>
+          <a:fontRef idx="minor">
+            <a:schemeClr val="tx1"/>
+          </a:fontRef>
+        </p:style>
+      </p:cxnSp>
+      <p:sp>
+        <p:nvSpPr>
+          <p:cNvPr id="57" name="テキスト ボックス 56">
+            <a:extLst>
+              <a:ext uri="{FF2B5EF4-FFF2-40B4-BE49-F238E27FC236}">
+                <a16:creationId xmlns:a16="http://schemas.microsoft.com/office/drawing/2014/main" id="{93DDDC77-5B11-45E4-AB14-D5B578C672B6}"/>
+              </a:ext>
+            </a:extLst>
+          </p:cNvPr>
+          <p:cNvSpPr txBox="1"/>
+          <p:nvPr/>
+        </p:nvSpPr>
+        <p:spPr>
+          <a:xfrm flipH="1">
+            <a:off x="6174510" y="3752452"/>
+            <a:ext cx="816560" cy="307777"/>
+          </a:xfrm>
+          <a:prstGeom prst="rect">
+            <a:avLst/>
+          </a:prstGeom>
+          <a:noFill/>
+        </p:spPr>
+        <p:txBody>
+          <a:bodyPr wrap="square" rtlCol="0">
+            <a:spAutoFit/>
+          </a:bodyPr>
+          <a:lstStyle/>
+          <a:p>
+            <a:r>
+              <a:rPr lang="en-US" sz="1400" dirty="0"/>
+              <a:t>Bound</a:t>
+            </a:r>
+          </a:p>
+        </p:txBody>
+      </p:sp>
+      <p:sp>
+        <p:nvSpPr>
+          <p:cNvPr id="79" name="テキスト ボックス 78">
+            <a:extLst>
+              <a:ext uri="{FF2B5EF4-FFF2-40B4-BE49-F238E27FC236}">
+                <a16:creationId xmlns:a16="http://schemas.microsoft.com/office/drawing/2014/main" id="{27645FD2-775F-4682-82EA-9C4D1CC6C884}"/>
+              </a:ext>
+            </a:extLst>
+          </p:cNvPr>
+          <p:cNvSpPr txBox="1"/>
+          <p:nvPr/>
+        </p:nvSpPr>
+        <p:spPr>
+          <a:xfrm flipH="1">
+            <a:off x="9114398" y="5380993"/>
+            <a:ext cx="816560" cy="307777"/>
+          </a:xfrm>
+          <a:prstGeom prst="rect">
+            <a:avLst/>
+          </a:prstGeom>
+          <a:noFill/>
+        </p:spPr>
+        <p:txBody>
+          <a:bodyPr wrap="square" rtlCol="0">
+            <a:spAutoFit/>
+          </a:bodyPr>
+          <a:lstStyle/>
+          <a:p>
+            <a:r>
+              <a:rPr lang="en-US" sz="1400" dirty="0"/>
+              <a:t>Bound</a:t>
+            </a:r>
+          </a:p>
+        </p:txBody>
+      </p:sp>
     </p:spTree>
     <p:extLst>
       <p:ext uri="{BB962C8B-B14F-4D97-AF65-F5344CB8AC3E}">

--- a/doc/flow_based_programming.pptx
+++ b/doc/flow_based_programming.pptx
@@ -265,7 +265,7 @@
           <a:p>
             <a:fld id="{BD01BFE4-158D-434D-A090-6C8C9FD01481}" type="datetimeFigureOut">
               <a:rPr lang="en-US" smtClean="0"/>
-              <a:t>8/3/2017</a:t>
+              <a:t>8/5/2017</a:t>
             </a:fld>
             <a:endParaRPr lang="en-US"/>
           </a:p>
@@ -497,7 +497,7 @@
           <a:p>
             <a:fld id="{BD01BFE4-158D-434D-A090-6C8C9FD01481}" type="datetimeFigureOut">
               <a:rPr lang="en-US" smtClean="0"/>
-              <a:t>8/3/2017</a:t>
+              <a:t>8/5/2017</a:t>
             </a:fld>
             <a:endParaRPr lang="en-US"/>
           </a:p>
@@ -739,7 +739,7 @@
           <a:p>
             <a:fld id="{BD01BFE4-158D-434D-A090-6C8C9FD01481}" type="datetimeFigureOut">
               <a:rPr lang="en-US" smtClean="0"/>
-              <a:t>8/3/2017</a:t>
+              <a:t>8/5/2017</a:t>
             </a:fld>
             <a:endParaRPr lang="en-US"/>
           </a:p>
@@ -971,7 +971,7 @@
           <a:p>
             <a:fld id="{BD01BFE4-158D-434D-A090-6C8C9FD01481}" type="datetimeFigureOut">
               <a:rPr lang="en-US" smtClean="0"/>
-              <a:t>8/3/2017</a:t>
+              <a:t>8/5/2017</a:t>
             </a:fld>
             <a:endParaRPr lang="en-US"/>
           </a:p>
@@ -1247,7 +1247,7 @@
           <a:p>
             <a:fld id="{BD01BFE4-158D-434D-A090-6C8C9FD01481}" type="datetimeFigureOut">
               <a:rPr lang="en-US" smtClean="0"/>
-              <a:t>8/3/2017</a:t>
+              <a:t>8/5/2017</a:t>
             </a:fld>
             <a:endParaRPr lang="en-US"/>
           </a:p>
@@ -1579,7 +1579,7 @@
           <a:p>
             <a:fld id="{BD01BFE4-158D-434D-A090-6C8C9FD01481}" type="datetimeFigureOut">
               <a:rPr lang="en-US" smtClean="0"/>
-              <a:t>8/3/2017</a:t>
+              <a:t>8/5/2017</a:t>
             </a:fld>
             <a:endParaRPr lang="en-US"/>
           </a:p>
@@ -2058,7 +2058,7 @@
           <a:p>
             <a:fld id="{BD01BFE4-158D-434D-A090-6C8C9FD01481}" type="datetimeFigureOut">
               <a:rPr lang="en-US" smtClean="0"/>
-              <a:t>8/3/2017</a:t>
+              <a:t>8/5/2017</a:t>
             </a:fld>
             <a:endParaRPr lang="en-US"/>
           </a:p>
@@ -2200,7 +2200,7 @@
           <a:p>
             <a:fld id="{BD01BFE4-158D-434D-A090-6C8C9FD01481}" type="datetimeFigureOut">
               <a:rPr lang="en-US" smtClean="0"/>
-              <a:t>8/3/2017</a:t>
+              <a:t>8/5/2017</a:t>
             </a:fld>
             <a:endParaRPr lang="en-US"/>
           </a:p>
@@ -2313,7 +2313,7 @@
           <a:p>
             <a:fld id="{BD01BFE4-158D-434D-A090-6C8C9FD01481}" type="datetimeFigureOut">
               <a:rPr lang="en-US" smtClean="0"/>
-              <a:t>8/3/2017</a:t>
+              <a:t>8/5/2017</a:t>
             </a:fld>
             <a:endParaRPr lang="en-US"/>
           </a:p>
@@ -2658,7 +2658,7 @@
           <a:p>
             <a:fld id="{BD01BFE4-158D-434D-A090-6C8C9FD01481}" type="datetimeFigureOut">
               <a:rPr lang="en-US" smtClean="0"/>
-              <a:t>8/3/2017</a:t>
+              <a:t>8/5/2017</a:t>
             </a:fld>
             <a:endParaRPr lang="en-US"/>
           </a:p>
@@ -2947,7 +2947,7 @@
           <a:p>
             <a:fld id="{BD01BFE4-158D-434D-A090-6C8C9FD01481}" type="datetimeFigureOut">
               <a:rPr lang="en-US" smtClean="0"/>
-              <a:t>8/3/2017</a:t>
+              <a:t>8/5/2017</a:t>
             </a:fld>
             <a:endParaRPr lang="en-US"/>
           </a:p>
@@ -3222,7 +3222,7 @@
           <a:p>
             <a:fld id="{BD01BFE4-158D-434D-A090-6C8C9FD01481}" type="datetimeFigureOut">
               <a:rPr lang="en-US" smtClean="0"/>
-              <a:t>8/3/2017</a:t>
+              <a:t>8/5/2017</a:t>
             </a:fld>
             <a:endParaRPr lang="en-US"/>
           </a:p>
@@ -3818,7 +3818,7 @@
         </p:nvSpPr>
         <p:spPr>
           <a:xfrm>
-            <a:off x="240145" y="5735765"/>
+            <a:off x="240145" y="5283185"/>
             <a:ext cx="1071419" cy="683491"/>
           </a:xfrm>
           <a:prstGeom prst="roundRect">
@@ -3873,7 +3873,7 @@
         </p:nvSpPr>
         <p:spPr>
           <a:xfrm>
-            <a:off x="1565565" y="5735764"/>
+            <a:off x="1565565" y="5283184"/>
             <a:ext cx="1071419" cy="683491"/>
           </a:xfrm>
           <a:prstGeom prst="roundRect">
@@ -3928,7 +3928,7 @@
         </p:nvSpPr>
         <p:spPr>
           <a:xfrm>
-            <a:off x="2872514" y="5735764"/>
+            <a:off x="2872514" y="5283184"/>
             <a:ext cx="1071419" cy="683491"/>
           </a:xfrm>
           <a:prstGeom prst="roundRect">
@@ -3983,7 +3983,7 @@
         </p:nvSpPr>
         <p:spPr>
           <a:xfrm>
-            <a:off x="3796144" y="4271800"/>
+            <a:off x="3796144" y="3819220"/>
             <a:ext cx="1071419" cy="683491"/>
           </a:xfrm>
           <a:prstGeom prst="roundRect">
@@ -4038,7 +4038,7 @@
         </p:nvSpPr>
         <p:spPr>
           <a:xfrm>
-            <a:off x="5352470" y="4271800"/>
+            <a:off x="5352470" y="3819220"/>
             <a:ext cx="1071419" cy="683491"/>
           </a:xfrm>
           <a:prstGeom prst="roundRect">
@@ -4071,14 +4071,14 @@
             <a:pPr algn="ctr"/>
             <a:r>
               <a:rPr lang="en-US" dirty="0"/>
-              <a:t>Driver</a:t>
+              <a:t>CLI</a:t>
             </a:r>
           </a:p>
           <a:p>
             <a:pPr algn="ctr"/>
             <a:r>
               <a:rPr lang="en-US" dirty="0"/>
-              <a:t>Service</a:t>
+              <a:t>Activity</a:t>
             </a:r>
           </a:p>
         </p:txBody>
@@ -4097,7 +4097,7 @@
         </p:nvSpPr>
         <p:spPr>
           <a:xfrm>
-            <a:off x="7084295" y="4336463"/>
+            <a:off x="7084295" y="3883883"/>
             <a:ext cx="609600" cy="558801"/>
           </a:xfrm>
           <a:prstGeom prst="ellipse">
@@ -4140,67 +4140,6 @@
           </a:p>
         </p:txBody>
       </p:sp>
-      <p:sp>
-        <p:nvSpPr>
-          <p:cNvPr id="15" name="四角形: 角を丸くする 14">
-            <a:extLst>
-              <a:ext uri="{FF2B5EF4-FFF2-40B4-BE49-F238E27FC236}">
-                <a16:creationId xmlns:a16="http://schemas.microsoft.com/office/drawing/2014/main" id="{C5CD6721-3E05-420A-9014-DA335E477CED}"/>
-              </a:ext>
-            </a:extLst>
-          </p:cNvPr>
-          <p:cNvSpPr/>
-          <p:nvPr/>
-        </p:nvSpPr>
-        <p:spPr>
-          <a:xfrm>
-            <a:off x="10760372" y="2297541"/>
-            <a:ext cx="1071419" cy="683491"/>
-          </a:xfrm>
-          <a:prstGeom prst="roundRect">
-            <a:avLst/>
-          </a:prstGeom>
-          <a:solidFill>
-            <a:schemeClr val="accent4">
-              <a:lumMod val="75000"/>
-            </a:schemeClr>
-          </a:solidFill>
-        </p:spPr>
-        <p:style>
-          <a:lnRef idx="2">
-            <a:schemeClr val="accent1">
-              <a:shade val="50000"/>
-            </a:schemeClr>
-          </a:lnRef>
-          <a:fillRef idx="1">
-            <a:schemeClr val="accent1"/>
-          </a:fillRef>
-          <a:effectRef idx="0">
-            <a:schemeClr val="accent1"/>
-          </a:effectRef>
-          <a:fontRef idx="minor">
-            <a:schemeClr val="lt1"/>
-          </a:fontRef>
-        </p:style>
-        <p:txBody>
-          <a:bodyPr rtlCol="0" anchor="ctr"/>
-          <a:lstStyle/>
-          <a:p>
-            <a:pPr algn="ctr"/>
-            <a:r>
-              <a:rPr lang="en-US" dirty="0"/>
-              <a:t>DB</a:t>
-            </a:r>
-          </a:p>
-          <a:p>
-            <a:pPr algn="ctr"/>
-            <a:r>
-              <a:rPr lang="en-US" dirty="0"/>
-              <a:t>server</a:t>
-            </a:r>
-          </a:p>
-        </p:txBody>
-      </p:sp>
       <p:cxnSp>
         <p:nvCxnSpPr>
           <p:cNvPr id="17" name="コネクタ: カギ線 16">
@@ -4218,7 +4157,7 @@
         </p:nvCxnSpPr>
         <p:spPr>
           <a:xfrm rot="5400000" flipH="1" flipV="1">
-            <a:off x="1724890" y="3664512"/>
+            <a:off x="1724890" y="3211932"/>
             <a:ext cx="1122219" cy="3020289"/>
           </a:xfrm>
           <a:prstGeom prst="bentConnector2">
@@ -4261,7 +4200,7 @@
         </p:nvCxnSpPr>
         <p:spPr>
           <a:xfrm rot="5400000" flipH="1" flipV="1">
-            <a:off x="2387600" y="4327221"/>
+            <a:off x="2387600" y="3874641"/>
             <a:ext cx="1122218" cy="1694869"/>
           </a:xfrm>
           <a:prstGeom prst="bentConnector2">
@@ -4304,7 +4243,7 @@
         </p:nvCxnSpPr>
         <p:spPr>
           <a:xfrm rot="5400000">
-            <a:off x="3479803" y="4883712"/>
+            <a:off x="3479803" y="4431132"/>
             <a:ext cx="780473" cy="923630"/>
           </a:xfrm>
           <a:prstGeom prst="bentConnector3">
@@ -4348,7 +4287,7 @@
         </p:nvCxnSpPr>
         <p:spPr>
           <a:xfrm>
-            <a:off x="4867563" y="4613546"/>
+            <a:off x="4867563" y="4160966"/>
             <a:ext cx="484907" cy="0"/>
           </a:xfrm>
           <a:prstGeom prst="straightConnector1">
@@ -4391,7 +4330,7 @@
         </p:nvCxnSpPr>
         <p:spPr>
           <a:xfrm>
-            <a:off x="6423889" y="4613546"/>
+            <a:off x="6423889" y="4160966"/>
             <a:ext cx="660406" cy="2318"/>
           </a:xfrm>
           <a:prstGeom prst="straightConnector1">
@@ -4430,7 +4369,7 @@
         </p:nvSpPr>
         <p:spPr>
           <a:xfrm>
-            <a:off x="8279538" y="5974692"/>
+            <a:off x="5389397" y="5300798"/>
             <a:ext cx="1071419" cy="683491"/>
           </a:xfrm>
           <a:prstGeom prst="roundRect">
@@ -4466,6 +4405,13 @@
               <a:t>Visualizer</a:t>
             </a:r>
           </a:p>
+          <a:p>
+            <a:pPr algn="ctr"/>
+            <a:r>
+              <a:rPr lang="en-US" sz="1600" dirty="0"/>
+              <a:t>Activity</a:t>
+            </a:r>
+          </a:p>
         </p:txBody>
       </p:sp>
       <p:sp>
@@ -4482,7 +4428,7 @@
         </p:nvSpPr>
         <p:spPr>
           <a:xfrm>
-            <a:off x="8261930" y="4274116"/>
+            <a:off x="8261930" y="3821536"/>
             <a:ext cx="1071419" cy="683491"/>
           </a:xfrm>
           <a:prstGeom prst="roundRect">
@@ -4545,7 +4491,7 @@
         </p:nvCxnSpPr>
         <p:spPr>
           <a:xfrm rot="5400000">
-            <a:off x="7961748" y="4698991"/>
+            <a:off x="7961748" y="4246411"/>
             <a:ext cx="577276" cy="1094509"/>
           </a:xfrm>
           <a:prstGeom prst="bentConnector2">
@@ -4584,7 +4530,7 @@
         </p:nvSpPr>
         <p:spPr>
           <a:xfrm>
-            <a:off x="7093531" y="5255482"/>
+            <a:off x="7093531" y="4802902"/>
             <a:ext cx="609600" cy="558801"/>
           </a:xfrm>
           <a:prstGeom prst="ellipse">
@@ -4645,7 +4591,7 @@
         </p:nvCxnSpPr>
         <p:spPr>
           <a:xfrm rot="10800000">
-            <a:off x="5888181" y="4955291"/>
+            <a:off x="5888181" y="4502711"/>
             <a:ext cx="1205351" cy="579592"/>
           </a:xfrm>
           <a:prstGeom prst="bentConnector2">
@@ -4688,7 +4634,7 @@
         </p:nvCxnSpPr>
         <p:spPr>
           <a:xfrm rot="16200000" flipV="1">
-            <a:off x="5110017" y="3493637"/>
+            <a:off x="5110017" y="3041057"/>
             <a:ext cx="12700" cy="1556326"/>
           </a:xfrm>
           <a:prstGeom prst="bentConnector3">
@@ -4729,7 +4675,7 @@
         </p:nvSpPr>
         <p:spPr>
           <a:xfrm>
-            <a:off x="10760372" y="3314697"/>
+            <a:off x="10759668" y="2058825"/>
             <a:ext cx="1071419" cy="1315029"/>
           </a:xfrm>
           <a:prstGeom prst="flowChartMagneticDisk">
@@ -4795,51 +4741,8 @@
         </p:nvCxnSpPr>
         <p:spPr>
           <a:xfrm flipV="1">
-            <a:off x="7693895" y="4615862"/>
+            <a:off x="7693895" y="4163282"/>
             <a:ext cx="568035" cy="2"/>
-          </a:xfrm>
-          <a:prstGeom prst="straightConnector1">
-            <a:avLst/>
-          </a:prstGeom>
-          <a:ln w="76200">
-            <a:tailEnd type="triangle"/>
-          </a:ln>
-        </p:spPr>
-        <p:style>
-          <a:lnRef idx="1">
-            <a:schemeClr val="accent1"/>
-          </a:lnRef>
-          <a:fillRef idx="0">
-            <a:schemeClr val="accent1"/>
-          </a:fillRef>
-          <a:effectRef idx="0">
-            <a:schemeClr val="accent1"/>
-          </a:effectRef>
-          <a:fontRef idx="minor">
-            <a:schemeClr val="tx1"/>
-          </a:fontRef>
-        </p:style>
-      </p:cxnSp>
-      <p:cxnSp>
-        <p:nvCxnSpPr>
-          <p:cNvPr id="161" name="直線矢印コネクタ 160">
-            <a:extLst>
-              <a:ext uri="{FF2B5EF4-FFF2-40B4-BE49-F238E27FC236}">
-                <a16:creationId xmlns:a16="http://schemas.microsoft.com/office/drawing/2014/main" id="{D6BA235E-A670-47EA-B983-6018B8D5A2EE}"/>
-              </a:ext>
-            </a:extLst>
-          </p:cNvPr>
-          <p:cNvCxnSpPr>
-            <a:cxnSpLocks/>
-            <a:stCxn id="15" idx="2"/>
-            <a:endCxn id="147" idx="1"/>
-          </p:cNvCxnSpPr>
-          <p:nvPr/>
-        </p:nvCxnSpPr>
-        <p:spPr>
-          <a:xfrm>
-            <a:off x="11296082" y="2981032"/>
-            <a:ext cx="0" cy="333665"/>
           </a:xfrm>
           <a:prstGeom prst="straightConnector1">
             <a:avLst/>
@@ -5028,110 +4931,6 @@
       </p:sp>
       <p:sp>
         <p:nvSpPr>
-          <p:cNvPr id="42" name="四角形: 角を丸くする 41">
-            <a:extLst>
-              <a:ext uri="{FF2B5EF4-FFF2-40B4-BE49-F238E27FC236}">
-                <a16:creationId xmlns:a16="http://schemas.microsoft.com/office/drawing/2014/main" id="{F96616CB-8B39-445D-8FCF-A0666782F262}"/>
-              </a:ext>
-            </a:extLst>
-          </p:cNvPr>
-          <p:cNvSpPr/>
-          <p:nvPr/>
-        </p:nvSpPr>
-        <p:spPr>
-          <a:xfrm>
-            <a:off x="7093510" y="1539069"/>
-            <a:ext cx="1071419" cy="683491"/>
-          </a:xfrm>
-          <a:prstGeom prst="roundRect">
-            <a:avLst/>
-          </a:prstGeom>
-          <a:solidFill>
-            <a:srgbClr val="00B050"/>
-          </a:solidFill>
-        </p:spPr>
-        <p:style>
-          <a:lnRef idx="2">
-            <a:schemeClr val="accent1">
-              <a:shade val="50000"/>
-            </a:schemeClr>
-          </a:lnRef>
-          <a:fillRef idx="1">
-            <a:schemeClr val="accent1"/>
-          </a:fillRef>
-          <a:effectRef idx="0">
-            <a:schemeClr val="accent1"/>
-          </a:effectRef>
-          <a:fontRef idx="minor">
-            <a:schemeClr val="lt1"/>
-          </a:fontRef>
-        </p:style>
-        <p:txBody>
-          <a:bodyPr rtlCol="0" anchor="ctr"/>
-          <a:lstStyle/>
-          <a:p>
-            <a:pPr algn="ctr"/>
-            <a:r>
-              <a:rPr lang="en-US" sz="1600" dirty="0"/>
-              <a:t>Manager</a:t>
-            </a:r>
-          </a:p>
-        </p:txBody>
-      </p:sp>
-      <p:sp>
-        <p:nvSpPr>
-          <p:cNvPr id="9" name="矢印: 下 8">
-            <a:extLst>
-              <a:ext uri="{FF2B5EF4-FFF2-40B4-BE49-F238E27FC236}">
-                <a16:creationId xmlns:a16="http://schemas.microsoft.com/office/drawing/2014/main" id="{E4A8CE6A-1625-4F27-92F8-53FA0D00D888}"/>
-              </a:ext>
-            </a:extLst>
-          </p:cNvPr>
-          <p:cNvSpPr/>
-          <p:nvPr/>
-        </p:nvSpPr>
-        <p:spPr>
-          <a:xfrm>
-            <a:off x="7509168" y="2290621"/>
-            <a:ext cx="304800" cy="563418"/>
-          </a:xfrm>
-          <a:prstGeom prst="downArrow">
-            <a:avLst/>
-          </a:prstGeom>
-          <a:solidFill>
-            <a:schemeClr val="tx2">
-              <a:lumMod val="60000"/>
-              <a:lumOff val="40000"/>
-            </a:schemeClr>
-          </a:solidFill>
-        </p:spPr>
-        <p:style>
-          <a:lnRef idx="2">
-            <a:schemeClr val="accent1">
-              <a:shade val="50000"/>
-            </a:schemeClr>
-          </a:lnRef>
-          <a:fillRef idx="1">
-            <a:schemeClr val="accent1"/>
-          </a:fillRef>
-          <a:effectRef idx="0">
-            <a:schemeClr val="accent1"/>
-          </a:effectRef>
-          <a:fontRef idx="minor">
-            <a:schemeClr val="lt1"/>
-          </a:fontRef>
-        </p:style>
-        <p:txBody>
-          <a:bodyPr rtlCol="0" anchor="ctr"/>
-          <a:lstStyle/>
-          <a:p>
-            <a:pPr algn="ctr"/>
-            <a:endParaRPr lang="en-US"/>
-          </a:p>
-        </p:txBody>
-      </p:sp>
-      <p:sp>
-        <p:nvSpPr>
           <p:cNvPr id="46" name="テキスト ボックス 45">
             <a:extLst>
               <a:ext uri="{FF2B5EF4-FFF2-40B4-BE49-F238E27FC236}">
@@ -5175,58 +4974,6 @@
           </a:p>
         </p:txBody>
       </p:sp>
-      <p:sp>
-        <p:nvSpPr>
-          <p:cNvPr id="50" name="四角形: 角を丸くする 49">
-            <a:extLst>
-              <a:ext uri="{FF2B5EF4-FFF2-40B4-BE49-F238E27FC236}">
-                <a16:creationId xmlns:a16="http://schemas.microsoft.com/office/drawing/2014/main" id="{00632BAD-6D07-4FC3-A3E7-F545AF6CDEEC}"/>
-              </a:ext>
-            </a:extLst>
-          </p:cNvPr>
-          <p:cNvSpPr/>
-          <p:nvPr/>
-        </p:nvSpPr>
-        <p:spPr>
-          <a:xfrm>
-            <a:off x="5360843" y="2879995"/>
-            <a:ext cx="1071419" cy="683491"/>
-          </a:xfrm>
-          <a:prstGeom prst="roundRect">
-            <a:avLst/>
-          </a:prstGeom>
-          <a:solidFill>
-            <a:srgbClr val="92D050"/>
-          </a:solidFill>
-        </p:spPr>
-        <p:style>
-          <a:lnRef idx="2">
-            <a:schemeClr val="accent1">
-              <a:shade val="50000"/>
-            </a:schemeClr>
-          </a:lnRef>
-          <a:fillRef idx="1">
-            <a:schemeClr val="accent1"/>
-          </a:fillRef>
-          <a:effectRef idx="0">
-            <a:schemeClr val="accent1"/>
-          </a:effectRef>
-          <a:fontRef idx="minor">
-            <a:schemeClr val="lt1"/>
-          </a:fontRef>
-        </p:style>
-        <p:txBody>
-          <a:bodyPr rtlCol="0" anchor="ctr"/>
-          <a:lstStyle/>
-          <a:p>
-            <a:pPr algn="ctr"/>
-            <a:r>
-              <a:rPr lang="en-US" dirty="0"/>
-              <a:t>CLI</a:t>
-            </a:r>
-          </a:p>
-        </p:txBody>
-      </p:sp>
       <p:cxnSp>
         <p:nvCxnSpPr>
           <p:cNvPr id="56" name="コネクタ: カギ線 55">
@@ -5239,57 +4986,13 @@
           <p:cNvCxnSpPr>
             <a:cxnSpLocks/>
             <a:stCxn id="104" idx="0"/>
-            <a:endCxn id="15" idx="1"/>
           </p:cNvCxnSpPr>
           <p:nvPr/>
         </p:nvCxnSpPr>
         <p:spPr>
           <a:xfrm rot="5400000" flipH="1" flipV="1">
-            <a:off x="8961592" y="2475336"/>
-            <a:ext cx="1634829" cy="1962732"/>
-          </a:xfrm>
-          <a:prstGeom prst="bentConnector2">
-            <a:avLst/>
-          </a:prstGeom>
-          <a:ln w="76200">
-            <a:tailEnd type="triangle"/>
-          </a:ln>
-        </p:spPr>
-        <p:style>
-          <a:lnRef idx="1">
-            <a:schemeClr val="accent1"/>
-          </a:lnRef>
-          <a:fillRef idx="0">
-            <a:schemeClr val="accent1"/>
-          </a:fillRef>
-          <a:effectRef idx="0">
-            <a:schemeClr val="accent1"/>
-          </a:effectRef>
-          <a:fontRef idx="minor">
-            <a:schemeClr val="tx1"/>
-          </a:fontRef>
-        </p:style>
-      </p:cxnSp>
-      <p:cxnSp>
-        <p:nvCxnSpPr>
-          <p:cNvPr id="67" name="コネクタ: カギ線 66">
-            <a:extLst>
-              <a:ext uri="{FF2B5EF4-FFF2-40B4-BE49-F238E27FC236}">
-                <a16:creationId xmlns:a16="http://schemas.microsoft.com/office/drawing/2014/main" id="{D0FC2571-E134-49BD-8F15-869E1237305E}"/>
-              </a:ext>
-            </a:extLst>
-          </p:cNvPr>
-          <p:cNvCxnSpPr>
-            <a:cxnSpLocks/>
-            <a:stCxn id="13" idx="0"/>
-            <a:endCxn id="50" idx="3"/>
-          </p:cNvCxnSpPr>
-          <p:nvPr/>
-        </p:nvCxnSpPr>
-        <p:spPr>
-          <a:xfrm rot="16200000" flipV="1">
-            <a:off x="6353318" y="3300685"/>
-            <a:ext cx="1114722" cy="956833"/>
+            <a:off x="9246284" y="2308152"/>
+            <a:ext cx="1064740" cy="1962028"/>
           </a:xfrm>
           <a:prstGeom prst="bentConnector2">
             <a:avLst/>
@@ -5325,14 +5028,14 @@
           <p:cNvCxnSpPr>
             <a:cxnSpLocks/>
             <a:stCxn id="119" idx="4"/>
-            <a:endCxn id="60" idx="1"/>
+            <a:endCxn id="60" idx="3"/>
           </p:cNvCxnSpPr>
           <p:nvPr/>
         </p:nvCxnSpPr>
         <p:spPr>
-          <a:xfrm rot="16200000" flipH="1">
-            <a:off x="7587857" y="5624756"/>
-            <a:ext cx="502155" cy="881207"/>
+          <a:xfrm rot="5400000">
+            <a:off x="6789154" y="5033366"/>
+            <a:ext cx="280841" cy="937515"/>
           </a:xfrm>
           <a:prstGeom prst="bentConnector2">
             <a:avLst/>
@@ -5358,10 +5061,10 @@
       </p:cxnSp>
       <p:cxnSp>
         <p:nvCxnSpPr>
-          <p:cNvPr id="53" name="直線コネクタ 52">
-            <a:extLst>
-              <a:ext uri="{FF2B5EF4-FFF2-40B4-BE49-F238E27FC236}">
-                <a16:creationId xmlns:a16="http://schemas.microsoft.com/office/drawing/2014/main" id="{4037C5E2-9A42-411E-961D-4616EE7F9CB6}"/>
+          <p:cNvPr id="41" name="直線コネクタ 40">
+            <a:extLst>
+              <a:ext uri="{FF2B5EF4-FFF2-40B4-BE49-F238E27FC236}">
+                <a16:creationId xmlns:a16="http://schemas.microsoft.com/office/drawing/2014/main" id="{C76DC92C-024F-4FDC-9585-0E0D39E48F0D}"/>
               </a:ext>
             </a:extLst>
           </p:cNvPr>
@@ -5369,13 +5072,16 @@
           <p:nvPr/>
         </p:nvCxnSpPr>
         <p:spPr>
-          <a:xfrm>
-            <a:off x="6206836" y="3563486"/>
-            <a:ext cx="0" cy="701963"/>
+          <a:xfrm flipV="1">
+            <a:off x="6243782" y="3315856"/>
+            <a:ext cx="0" cy="509714"/>
           </a:xfrm>
           <a:prstGeom prst="line">
             <a:avLst/>
           </a:prstGeom>
+          <a:ln>
+            <a:prstDash val="dash"/>
+          </a:ln>
         </p:spPr>
         <p:style>
           <a:lnRef idx="1">
@@ -5394,26 +5100,27 @@
       </p:cxnSp>
       <p:cxnSp>
         <p:nvCxnSpPr>
-          <p:cNvPr id="75" name="直線コネクタ 74">
-            <a:extLst>
-              <a:ext uri="{FF2B5EF4-FFF2-40B4-BE49-F238E27FC236}">
-                <a16:creationId xmlns:a16="http://schemas.microsoft.com/office/drawing/2014/main" id="{44D75306-2BF5-455C-ABF8-34A1266AF028}"/>
-              </a:ext>
-            </a:extLst>
-          </p:cNvPr>
-          <p:cNvCxnSpPr>
-            <a:cxnSpLocks/>
-          </p:cNvCxnSpPr>
+          <p:cNvPr id="68" name="直線コネクタ 67">
+            <a:extLst>
+              <a:ext uri="{FF2B5EF4-FFF2-40B4-BE49-F238E27FC236}">
+                <a16:creationId xmlns:a16="http://schemas.microsoft.com/office/drawing/2014/main" id="{27350C5B-C46E-41FE-A073-0214128D40E0}"/>
+              </a:ext>
+            </a:extLst>
+          </p:cNvPr>
+          <p:cNvCxnSpPr/>
           <p:nvPr/>
         </p:nvCxnSpPr>
         <p:spPr>
-          <a:xfrm>
-            <a:off x="9093200" y="4985309"/>
-            <a:ext cx="0" cy="989383"/>
+          <a:xfrm flipV="1">
+            <a:off x="8520545" y="3316713"/>
+            <a:ext cx="0" cy="509714"/>
           </a:xfrm>
           <a:prstGeom prst="line">
             <a:avLst/>
           </a:prstGeom>
+          <a:ln>
+            <a:prstDash val="dash"/>
+          </a:ln>
         </p:spPr>
         <p:style>
           <a:lnRef idx="1">
@@ -5430,12 +5137,51 @@
           </a:fontRef>
         </p:style>
       </p:cxnSp>
-      <p:sp>
-        <p:nvSpPr>
-          <p:cNvPr id="57" name="テキスト ボックス 56">
-            <a:extLst>
-              <a:ext uri="{FF2B5EF4-FFF2-40B4-BE49-F238E27FC236}">
-                <a16:creationId xmlns:a16="http://schemas.microsoft.com/office/drawing/2014/main" id="{93DDDC77-5B11-45E4-AB14-D5B578C672B6}"/>
+      <p:cxnSp>
+        <p:nvCxnSpPr>
+          <p:cNvPr id="44" name="直線コネクタ 43">
+            <a:extLst>
+              <a:ext uri="{FF2B5EF4-FFF2-40B4-BE49-F238E27FC236}">
+                <a16:creationId xmlns:a16="http://schemas.microsoft.com/office/drawing/2014/main" id="{A49643F1-49AC-4AF0-A0FF-06CF74E5CE78}"/>
+              </a:ext>
+            </a:extLst>
+          </p:cNvPr>
+          <p:cNvCxnSpPr/>
+          <p:nvPr/>
+        </p:nvCxnSpPr>
+        <p:spPr>
+          <a:xfrm>
+            <a:off x="6243782" y="3315856"/>
+            <a:ext cx="2290618" cy="0"/>
+          </a:xfrm>
+          <a:prstGeom prst="line">
+            <a:avLst/>
+          </a:prstGeom>
+          <a:ln>
+            <a:prstDash val="dash"/>
+          </a:ln>
+        </p:spPr>
+        <p:style>
+          <a:lnRef idx="1">
+            <a:schemeClr val="accent1"/>
+          </a:lnRef>
+          <a:fillRef idx="0">
+            <a:schemeClr val="accent1"/>
+          </a:fillRef>
+          <a:effectRef idx="0">
+            <a:schemeClr val="accent1"/>
+          </a:effectRef>
+          <a:fontRef idx="minor">
+            <a:schemeClr val="tx1"/>
+          </a:fontRef>
+        </p:style>
+      </p:cxnSp>
+      <p:sp>
+        <p:nvSpPr>
+          <p:cNvPr id="45" name="テキスト ボックス 44">
+            <a:extLst>
+              <a:ext uri="{FF2B5EF4-FFF2-40B4-BE49-F238E27FC236}">
+                <a16:creationId xmlns:a16="http://schemas.microsoft.com/office/drawing/2014/main" id="{9C6390C4-546C-412C-8357-C9D3733A802F}"/>
               </a:ext>
             </a:extLst>
           </p:cNvPr>
@@ -5444,8 +5190,8 @@
         </p:nvSpPr>
         <p:spPr>
           <a:xfrm flipH="1">
-            <a:off x="6174510" y="3752452"/>
-            <a:ext cx="816560" cy="307777"/>
+            <a:off x="6048827" y="3021133"/>
+            <a:ext cx="2572108" cy="307777"/>
           </a:xfrm>
           <a:prstGeom prst="rect">
             <a:avLst/>
@@ -5459,18 +5205,63 @@
           <a:lstStyle/>
           <a:p>
             <a:r>
-              <a:rPr lang="en-US" sz="1400" dirty="0"/>
-              <a:t>Bound</a:t>
-            </a:r>
-          </a:p>
-        </p:txBody>
-      </p:sp>
-      <p:sp>
-        <p:nvSpPr>
-          <p:cNvPr id="79" name="テキスト ボックス 78">
-            <a:extLst>
-              <a:ext uri="{FF2B5EF4-FFF2-40B4-BE49-F238E27FC236}">
-                <a16:creationId xmlns:a16="http://schemas.microsoft.com/office/drawing/2014/main" id="{27645FD2-775F-4682-82EA-9C4D1CC6C884}"/>
+              <a:rPr lang="en-US" sz="1400" dirty="0">
+                <a:solidFill>
+                  <a:schemeClr val="accent1">
+                    <a:lumMod val="75000"/>
+                  </a:schemeClr>
+                </a:solidFill>
+              </a:rPr>
+              <a:t>Bound service for management</a:t>
+            </a:r>
+          </a:p>
+        </p:txBody>
+      </p:sp>
+      <p:cxnSp>
+        <p:nvCxnSpPr>
+          <p:cNvPr id="48" name="直線コネクタ 47">
+            <a:extLst>
+              <a:ext uri="{FF2B5EF4-FFF2-40B4-BE49-F238E27FC236}">
+                <a16:creationId xmlns:a16="http://schemas.microsoft.com/office/drawing/2014/main" id="{0D4B5E29-A73B-41E3-8CB3-CFBAE201247C}"/>
+              </a:ext>
+            </a:extLst>
+          </p:cNvPr>
+          <p:cNvCxnSpPr/>
+          <p:nvPr/>
+        </p:nvCxnSpPr>
+        <p:spPr>
+          <a:xfrm>
+            <a:off x="5569527" y="4502710"/>
+            <a:ext cx="0" cy="798088"/>
+          </a:xfrm>
+          <a:prstGeom prst="line">
+            <a:avLst/>
+          </a:prstGeom>
+          <a:ln>
+            <a:prstDash val="dash"/>
+          </a:ln>
+        </p:spPr>
+        <p:style>
+          <a:lnRef idx="1">
+            <a:schemeClr val="accent1"/>
+          </a:lnRef>
+          <a:fillRef idx="0">
+            <a:schemeClr val="accent1"/>
+          </a:fillRef>
+          <a:effectRef idx="0">
+            <a:schemeClr val="accent1"/>
+          </a:effectRef>
+          <a:fontRef idx="minor">
+            <a:schemeClr val="tx1"/>
+          </a:fontRef>
+        </p:style>
+      </p:cxnSp>
+      <p:sp>
+        <p:nvSpPr>
+          <p:cNvPr id="76" name="テキスト ボックス 75">
+            <a:extLst>
+              <a:ext uri="{FF2B5EF4-FFF2-40B4-BE49-F238E27FC236}">
+                <a16:creationId xmlns:a16="http://schemas.microsoft.com/office/drawing/2014/main" id="{49BA0B35-80BB-4CD3-A356-613C449DFF88}"/>
               </a:ext>
             </a:extLst>
           </p:cNvPr>
@@ -5479,8 +5270,8 @@
         </p:nvSpPr>
         <p:spPr>
           <a:xfrm flipH="1">
-            <a:off x="9114398" y="5380993"/>
-            <a:ext cx="816560" cy="307777"/>
+            <a:off x="6981994" y="3522632"/>
+            <a:ext cx="1275086" cy="307777"/>
           </a:xfrm>
           <a:prstGeom prst="rect">
             <a:avLst/>
@@ -5494,9 +5285,22 @@
           <a:lstStyle/>
           <a:p>
             <a:r>
-              <a:rPr lang="en-US" sz="1400" dirty="0"/>
-              <a:t>Bound</a:t>
-            </a:r>
+              <a:rPr lang="en-US" sz="1400" dirty="0" err="1">
+                <a:solidFill>
+                  <a:schemeClr val="accent1">
+                    <a:lumMod val="75000"/>
+                  </a:schemeClr>
+                </a:solidFill>
+              </a:rPr>
+              <a:t>EventBus</a:t>
+            </a:r>
+            <a:endParaRPr lang="en-US" sz="1400" dirty="0">
+              <a:solidFill>
+                <a:schemeClr val="accent1">
+                  <a:lumMod val="75000"/>
+                </a:schemeClr>
+              </a:solidFill>
+            </a:endParaRPr>
           </a:p>
         </p:txBody>
       </p:sp>
